--- a/漫谈JS性能.pptx
+++ b/漫谈JS性能.pptx
@@ -5,7 +5,7 @@
     <p:sldMasterId id="2147483648" r:id="rId1"/>
   </p:sldMasterIdLst>
   <p:notesMasterIdLst>
-    <p:notesMasterId r:id="rId15"/>
+    <p:notesMasterId r:id="rId17"/>
   </p:notesMasterIdLst>
   <p:sldIdLst>
     <p:sldId id="256" r:id="rId2"/>
@@ -13,14 +13,16 @@
     <p:sldId id="312" r:id="rId4"/>
     <p:sldId id="272" r:id="rId5"/>
     <p:sldId id="313" r:id="rId6"/>
-    <p:sldId id="314" r:id="rId7"/>
-    <p:sldId id="305" r:id="rId8"/>
-    <p:sldId id="306" r:id="rId9"/>
-    <p:sldId id="307" r:id="rId10"/>
-    <p:sldId id="308" r:id="rId11"/>
-    <p:sldId id="309" r:id="rId12"/>
-    <p:sldId id="311" r:id="rId13"/>
-    <p:sldId id="260" r:id="rId14"/>
+    <p:sldId id="315" r:id="rId7"/>
+    <p:sldId id="314" r:id="rId8"/>
+    <p:sldId id="316" r:id="rId9"/>
+    <p:sldId id="305" r:id="rId10"/>
+    <p:sldId id="306" r:id="rId11"/>
+    <p:sldId id="307" r:id="rId12"/>
+    <p:sldId id="308" r:id="rId13"/>
+    <p:sldId id="309" r:id="rId14"/>
+    <p:sldId id="311" r:id="rId15"/>
+    <p:sldId id="260" r:id="rId16"/>
   </p:sldIdLst>
   <p:sldSz cx="24384000" cy="13716000"/>
   <p:notesSz cx="6858000" cy="9144000"/>
@@ -803,6 +805,156 @@
 </p:notes>
 </file>
 
+<file path=ppt/notesSlides/notesSlide13.xml><?xml version="1.0" encoding="utf-8"?>
+<p:notes xmlns:a="http://schemas.openxmlformats.org/drawingml/2006/main" xmlns:r="http://schemas.openxmlformats.org/officeDocument/2006/relationships" xmlns:p="http://schemas.openxmlformats.org/presentationml/2006/main">
+  <p:cSld>
+    <p:spTree>
+      <p:nvGrpSpPr>
+        <p:cNvPr id="1" name=""/>
+        <p:cNvGrpSpPr/>
+        <p:nvPr/>
+      </p:nvGrpSpPr>
+      <p:grpSpPr>
+        <a:xfrm>
+          <a:off x="0" y="0"/>
+          <a:ext cx="0" cy="0"/>
+          <a:chOff x="0" y="0"/>
+          <a:chExt cx="0" cy="0"/>
+        </a:xfrm>
+      </p:grpSpPr>
+      <p:sp>
+        <p:nvSpPr>
+          <p:cNvPr id="147" name="Shape 147"/>
+          <p:cNvSpPr>
+            <a:spLocks noGrp="1" noRot="1" noChangeAspect="1"/>
+          </p:cNvSpPr>
+          <p:nvPr>
+            <p:ph type="sldImg"/>
+          </p:nvPr>
+        </p:nvSpPr>
+        <p:spPr>
+          <a:xfrm>
+            <a:off x="381000" y="685800"/>
+            <a:ext cx="6096000" cy="3429000"/>
+          </a:xfrm>
+          <a:prstGeom prst="rect">
+            <a:avLst/>
+          </a:prstGeom>
+        </p:spPr>
+        <p:txBody>
+          <a:bodyPr/>
+          <a:lstStyle/>
+          <a:p>
+            <a:endParaRPr/>
+          </a:p>
+        </p:txBody>
+      </p:sp>
+      <p:sp>
+        <p:nvSpPr>
+          <p:cNvPr id="148" name="Shape 148"/>
+          <p:cNvSpPr>
+            <a:spLocks noGrp="1"/>
+          </p:cNvSpPr>
+          <p:nvPr>
+            <p:ph type="body" sz="quarter" idx="1"/>
+          </p:nvPr>
+        </p:nvSpPr>
+        <p:spPr>
+          <a:prstGeom prst="rect">
+            <a:avLst/>
+          </a:prstGeom>
+        </p:spPr>
+        <p:txBody>
+          <a:bodyPr/>
+          <a:lstStyle/>
+          <a:p>
+            <a:endParaRPr dirty="0"/>
+          </a:p>
+        </p:txBody>
+      </p:sp>
+    </p:spTree>
+  </p:cSld>
+  <p:clrMapOvr>
+    <a:masterClrMapping/>
+  </p:clrMapOvr>
+</p:notes>
+</file>
+
+<file path=ppt/notesSlides/notesSlide14.xml><?xml version="1.0" encoding="utf-8"?>
+<p:notes xmlns:a="http://schemas.openxmlformats.org/drawingml/2006/main" xmlns:r="http://schemas.openxmlformats.org/officeDocument/2006/relationships" xmlns:p="http://schemas.openxmlformats.org/presentationml/2006/main">
+  <p:cSld>
+    <p:spTree>
+      <p:nvGrpSpPr>
+        <p:cNvPr id="1" name=""/>
+        <p:cNvGrpSpPr/>
+        <p:nvPr/>
+      </p:nvGrpSpPr>
+      <p:grpSpPr>
+        <a:xfrm>
+          <a:off x="0" y="0"/>
+          <a:ext cx="0" cy="0"/>
+          <a:chOff x="0" y="0"/>
+          <a:chExt cx="0" cy="0"/>
+        </a:xfrm>
+      </p:grpSpPr>
+      <p:sp>
+        <p:nvSpPr>
+          <p:cNvPr id="147" name="Shape 147"/>
+          <p:cNvSpPr>
+            <a:spLocks noGrp="1" noRot="1" noChangeAspect="1"/>
+          </p:cNvSpPr>
+          <p:nvPr>
+            <p:ph type="sldImg"/>
+          </p:nvPr>
+        </p:nvSpPr>
+        <p:spPr>
+          <a:xfrm>
+            <a:off x="381000" y="685800"/>
+            <a:ext cx="6096000" cy="3429000"/>
+          </a:xfrm>
+          <a:prstGeom prst="rect">
+            <a:avLst/>
+          </a:prstGeom>
+        </p:spPr>
+        <p:txBody>
+          <a:bodyPr/>
+          <a:lstStyle/>
+          <a:p>
+            <a:endParaRPr/>
+          </a:p>
+        </p:txBody>
+      </p:sp>
+      <p:sp>
+        <p:nvSpPr>
+          <p:cNvPr id="148" name="Shape 148"/>
+          <p:cNvSpPr>
+            <a:spLocks noGrp="1"/>
+          </p:cNvSpPr>
+          <p:nvPr>
+            <p:ph type="body" sz="quarter" idx="1"/>
+          </p:nvPr>
+        </p:nvSpPr>
+        <p:spPr>
+          <a:prstGeom prst="rect">
+            <a:avLst/>
+          </a:prstGeom>
+        </p:spPr>
+        <p:txBody>
+          <a:bodyPr/>
+          <a:lstStyle/>
+          <a:p>
+            <a:endParaRPr dirty="0"/>
+          </a:p>
+        </p:txBody>
+      </p:sp>
+    </p:spTree>
+  </p:cSld>
+  <p:clrMapOvr>
+    <a:masterClrMapping/>
+  </p:clrMapOvr>
+</p:notes>
+</file>
+
 <file path=ppt/notesSlides/notesSlide2.xml><?xml version="1.0" encoding="utf-8"?>
 <p:notes xmlns:a="http://schemas.openxmlformats.org/drawingml/2006/main" xmlns:r="http://schemas.openxmlformats.org/officeDocument/2006/relationships" xmlns:p="http://schemas.openxmlformats.org/presentationml/2006/main">
   <p:cSld>
@@ -1203,7 +1355,7 @@
     </p:spTree>
     <p:extLst>
       <p:ext uri="{BB962C8B-B14F-4D97-AF65-F5344CB8AC3E}">
-        <p14:creationId xmlns:p14="http://schemas.microsoft.com/office/powerpoint/2010/main" val="2589859574"/>
+        <p14:creationId xmlns:p14="http://schemas.microsoft.com/office/powerpoint/2010/main" val="914656249"/>
       </p:ext>
     </p:extLst>
   </p:cSld>
@@ -1281,6 +1433,11 @@
         </p:txBody>
       </p:sp>
     </p:spTree>
+    <p:extLst>
+      <p:ext uri="{BB962C8B-B14F-4D97-AF65-F5344CB8AC3E}">
+        <p14:creationId xmlns:p14="http://schemas.microsoft.com/office/powerpoint/2010/main" val="2589859574"/>
+      </p:ext>
+    </p:extLst>
   </p:cSld>
   <p:clrMapOvr>
     <a:masterClrMapping/>
@@ -1356,6 +1513,11 @@
         </p:txBody>
       </p:sp>
     </p:spTree>
+    <p:extLst>
+      <p:ext uri="{BB962C8B-B14F-4D97-AF65-F5344CB8AC3E}">
+        <p14:creationId xmlns:p14="http://schemas.microsoft.com/office/powerpoint/2010/main" val="4002878300"/>
+      </p:ext>
+    </p:extLst>
   </p:cSld>
   <p:clrMapOvr>
     <a:masterClrMapping/>
@@ -4205,7 +4367,7 @@
         <p:spPr>
           <a:xfrm>
             <a:off x="1144625" y="5044148"/>
-            <a:ext cx="6168355" cy="2798843"/>
+            <a:ext cx="9113072" cy="2798843"/>
           </a:xfrm>
           <a:prstGeom prst="rect">
             <a:avLst/>
@@ -4233,7 +4395,15 @@
             </a:pPr>
             <a:r>
               <a:rPr lang="zh-CN" altLang="en-US" b="1" dirty="0"/>
-              <a:t>漫谈 </a:t>
+              <a:t>浅析 </a:t>
+            </a:r>
+            <a:r>
+              <a:rPr lang="en-US" altLang="zh-CN" b="1" dirty="0"/>
+              <a:t>V8 </a:t>
+            </a:r>
+            <a:r>
+              <a:rPr lang="zh-CN" altLang="en-US" b="1" dirty="0"/>
+              <a:t>看 </a:t>
             </a:r>
             <a:r>
               <a:rPr lang="en-US" altLang="zh-CN" b="1" dirty="0"/>
@@ -4572,7 +4742,7 @@
         <p:spPr>
           <a:xfrm>
             <a:off x="1144625" y="689667"/>
-            <a:ext cx="8290560" cy="932180"/>
+            <a:ext cx="4146550" cy="932180"/>
           </a:xfrm>
           <a:prstGeom prst="rect">
             <a:avLst/>
@@ -4601,6 +4771,18 @@
           <a:p>
             <a:pPr algn="l"/>
             <a:r>
+              <a:rPr lang="en-US" altLang="zh-CN" sz="5400" b="1">
+                <a:solidFill>
+                  <a:schemeClr val="bg1"/>
+                </a:solidFill>
+                <a:latin typeface="Helvetica Neue Medium"/>
+                <a:ea typeface="Helvetica Neue Medium"/>
+                <a:cs typeface="Helvetica Neue Medium"/>
+                <a:sym typeface="Helvetica Neue Medium"/>
+              </a:rPr>
+              <a:t>Lottie</a:t>
+            </a:r>
+            <a:r>
               <a:rPr lang="zh-CN" altLang="en-US" sz="5400" b="1">
                 <a:solidFill>
                   <a:schemeClr val="bg1"/>
@@ -4610,55 +4792,7 @@
                 <a:cs typeface="Helvetica Neue Medium"/>
                 <a:sym typeface="Helvetica Neue Medium"/>
               </a:rPr>
-              <a:t>考拉豆</a:t>
-            </a:r>
-            <a:r>
-              <a:rPr lang="en-US" altLang="zh-CN" sz="5400" b="1">
-                <a:solidFill>
-                  <a:schemeClr val="bg1"/>
-                </a:solidFill>
-                <a:latin typeface="Helvetica Neue Medium"/>
-                <a:ea typeface="Helvetica Neue Medium"/>
-                <a:cs typeface="Helvetica Neue Medium"/>
-                <a:sym typeface="Helvetica Neue Medium"/>
-              </a:rPr>
-              <a:t>lottie</a:t>
-            </a:r>
-            <a:r>
-              <a:rPr lang="zh-CN" altLang="en-US" sz="5400" b="1">
-                <a:solidFill>
-                  <a:schemeClr val="bg1"/>
-                </a:solidFill>
-                <a:latin typeface="Helvetica Neue Medium"/>
-                <a:ea typeface="Helvetica Neue Medium"/>
-                <a:cs typeface="Helvetica Neue Medium"/>
-                <a:sym typeface="Helvetica Neue Medium"/>
-              </a:rPr>
-              <a:t>使用</a:t>
-            </a:r>
-            <a:r>
-              <a:rPr lang="en-US" altLang="zh-CN" sz="5400" b="1">
-                <a:solidFill>
-                  <a:schemeClr val="bg1"/>
-                </a:solidFill>
-                <a:latin typeface="Helvetica Neue Medium"/>
-                <a:ea typeface="Helvetica Neue Medium"/>
-                <a:cs typeface="Helvetica Neue Medium"/>
-                <a:sym typeface="Helvetica Neue Medium"/>
-              </a:rPr>
-              <a:t>-</a:t>
-            </a:r>
-            <a:r>
-              <a:rPr lang="zh-CN" altLang="en-US" sz="5400" b="1">
-                <a:solidFill>
-                  <a:schemeClr val="bg1"/>
-                </a:solidFill>
-                <a:latin typeface="Helvetica Neue Medium"/>
-                <a:ea typeface="Helvetica Neue Medium"/>
-                <a:cs typeface="Helvetica Neue Medium"/>
-                <a:sym typeface="Helvetica Neue Medium"/>
-              </a:rPr>
-              <a:t>踩过的坑</a:t>
+              <a:t>优缺点</a:t>
             </a:r>
           </a:p>
         </p:txBody>
@@ -4739,8 +4873,8 @@
         </p:nvSpPr>
         <p:spPr>
           <a:xfrm>
-            <a:off x="1144905" y="3579813"/>
-            <a:ext cx="20654645" cy="8103870"/>
+            <a:off x="1233805" y="3226118"/>
+            <a:ext cx="21781135" cy="7857490"/>
           </a:xfrm>
           <a:prstGeom prst="rect">
             <a:avLst/>
@@ -4785,7 +4919,7 @@
               <a:buNone/>
             </a:pPr>
             <a:r>
-              <a:rPr kumimoji="0" lang="zh-CN" altLang="en-US" sz="4000" b="1" i="0" u="none" strike="noStrike" cap="none" spc="0" normalizeH="0" baseline="0">
+              <a:rPr kumimoji="0" lang="zh-CN" altLang="en-US" sz="3600" b="1" i="0" u="none" strike="noStrike" cap="none" spc="0" normalizeH="0" baseline="0">
                 <a:ln>
                   <a:noFill/>
                 </a:ln>
@@ -4799,7 +4933,7 @@
                 <a:cs typeface="Helvetica Neue Medium"/>
                 <a:sym typeface="Helvetica Neue Medium"/>
               </a:rPr>
-              <a:t>优化：</a:t>
+              <a:t>优点：</a:t>
             </a:r>
           </a:p>
           <a:p>
@@ -4819,7 +4953,7 @@
               <a:buNone/>
             </a:pPr>
             <a:r>
-              <a:rPr kumimoji="0" lang="en-US" altLang="zh-CN" sz="4000" b="1" i="0" u="none" strike="noStrike" cap="none" spc="0" normalizeH="0" baseline="0">
+              <a:rPr kumimoji="0" lang="en-US" altLang="zh-CN" sz="3600" b="1" i="0" u="none" strike="noStrike" cap="none" spc="0" normalizeH="0" baseline="0">
                 <a:ln>
                   <a:noFill/>
                 </a:ln>
@@ -4836,7 +4970,7 @@
               <a:t>1. </a:t>
             </a:r>
             <a:r>
-              <a:rPr kumimoji="0" lang="zh-CN" altLang="en-US" sz="4000" b="1" i="0" u="none" strike="noStrike" cap="none" spc="0" normalizeH="0" baseline="0">
+              <a:rPr kumimoji="0" lang="zh-CN" altLang="en-US" sz="3600" b="1" i="0" u="none" strike="noStrike" cap="none" spc="0" normalizeH="0" baseline="0">
                 <a:ln>
                   <a:noFill/>
                 </a:ln>
@@ -4850,39 +4984,8 @@
                 <a:cs typeface="Helvetica Neue Medium"/>
                 <a:sym typeface="Helvetica Neue Medium"/>
               </a:rPr>
-              <a:t>只引用</a:t>
-            </a:r>
-            <a:r>
-              <a:rPr kumimoji="0" lang="en-US" altLang="zh-CN" sz="4000" b="1" i="0" u="none" strike="noStrike" cap="none" spc="0" normalizeH="0" baseline="0">
-                <a:ln>
-                  <a:noFill/>
-                </a:ln>
-                <a:solidFill>
-                  <a:srgbClr val="000000"/>
-                </a:solidFill>
-                <a:effectLst/>
-                <a:uFillTx/>
-                <a:latin typeface="Helvetica Neue Medium"/>
-                <a:ea typeface="Helvetica Neue Medium"/>
-                <a:cs typeface="Helvetica Neue Medium"/>
-                <a:sym typeface="Helvetica Neue Medium"/>
-              </a:rPr>
-              <a:t>lottie_svg</a:t>
-            </a:r>
-            <a:endParaRPr kumimoji="0" lang="zh-CN" altLang="en-US" sz="4000" b="1" i="0" u="none" strike="noStrike" cap="none" spc="0" normalizeH="0" baseline="0">
-              <a:ln>
-                <a:noFill/>
-              </a:ln>
-              <a:solidFill>
-                <a:srgbClr val="000000"/>
-              </a:solidFill>
-              <a:effectLst/>
-              <a:uFillTx/>
-              <a:latin typeface="Helvetica Neue Medium"/>
-              <a:ea typeface="Helvetica Neue Medium"/>
-              <a:cs typeface="Helvetica Neue Medium"/>
-              <a:sym typeface="Helvetica Neue Medium"/>
-            </a:endParaRPr>
+              <a:t>使用方便、灵活、可控。</a:t>
+            </a:r>
           </a:p>
           <a:p>
             <a:pPr marL="0" marR="0" indent="0" algn="l" defTabSz="825500" rtl="0" fontAlgn="auto" latinLnBrk="0" hangingPunct="0">
@@ -4901,7 +5004,7 @@
               <a:buNone/>
             </a:pPr>
             <a:r>
-              <a:rPr kumimoji="0" lang="en-US" altLang="zh-CN" sz="4000" b="1" i="0" u="none" strike="noStrike" cap="none" spc="0" normalizeH="0" baseline="0">
+              <a:rPr kumimoji="0" lang="en-US" altLang="zh-CN" sz="3600" b="1" i="0" u="none" strike="noStrike" cap="none" spc="0" normalizeH="0" baseline="0">
                 <a:ln>
                   <a:noFill/>
                 </a:ln>
@@ -4918,7 +5021,7 @@
               <a:t>2. </a:t>
             </a:r>
             <a:r>
-              <a:rPr kumimoji="0" lang="zh-CN" altLang="en-US" sz="4000" b="1" i="0" u="none" strike="noStrike" cap="none" spc="0" normalizeH="0" baseline="0">
+              <a:rPr kumimoji="0" lang="zh-CN" altLang="en-US" sz="3600" b="1" i="0" u="none" strike="noStrike" cap="none" spc="0" normalizeH="0" baseline="0">
                 <a:ln>
                   <a:noFill/>
                 </a:ln>
@@ -4932,7 +5035,7 @@
                 <a:cs typeface="Helvetica Neue Medium"/>
                 <a:sym typeface="Helvetica Neue Medium"/>
               </a:rPr>
-              <a:t>代码分割</a:t>
+              <a:t>大大节省开发的人力。</a:t>
             </a:r>
           </a:p>
           <a:p>
@@ -4952,7 +5055,7 @@
               <a:buNone/>
             </a:pPr>
             <a:r>
-              <a:rPr kumimoji="0" lang="en-US" altLang="zh-CN" sz="4000" b="1" i="0" u="none" strike="noStrike" cap="none" spc="0" normalizeH="0" baseline="0">
+              <a:rPr kumimoji="0" lang="en-US" altLang="zh-CN" sz="3600" b="1" i="0" u="none" strike="noStrike" cap="none" spc="0" normalizeH="0" baseline="0">
                 <a:ln>
                   <a:noFill/>
                 </a:ln>
@@ -4969,7 +5072,7 @@
               <a:t>3. </a:t>
             </a:r>
             <a:r>
-              <a:rPr kumimoji="0" lang="zh-CN" altLang="en-US" sz="4000" b="1" i="0" u="none" strike="noStrike" cap="none" spc="0" normalizeH="0" baseline="0">
+              <a:rPr kumimoji="0" lang="zh-CN" altLang="en-US" sz="3600" b="1" i="0" u="none" strike="noStrike" cap="none" spc="0" normalizeH="0" baseline="0">
                 <a:ln>
                   <a:noFill/>
                 </a:ln>
@@ -4983,7 +5086,7 @@
                 <a:cs typeface="Helvetica Neue Medium"/>
                 <a:sym typeface="Helvetica Neue Medium"/>
               </a:rPr>
-              <a:t>播放结束后销毁</a:t>
+              <a:t>所见即所得，最终效果，基本和视觉给的一致，不用再瞎逼逼。</a:t>
             </a:r>
           </a:p>
           <a:p>
@@ -5003,7 +5106,7 @@
               <a:buNone/>
             </a:pPr>
             <a:r>
-              <a:rPr kumimoji="0" lang="en-US" altLang="zh-CN" sz="4000" b="1" i="0" u="none" strike="noStrike" cap="none" spc="0" normalizeH="0" baseline="0">
+              <a:rPr kumimoji="0" lang="en-US" altLang="zh-CN" sz="3600" b="1" i="0" u="none" strike="noStrike" cap="none" spc="0" normalizeH="0" baseline="0">
                 <a:ln>
                   <a:noFill/>
                 </a:ln>
@@ -5020,7 +5123,7 @@
               <a:t>4. </a:t>
             </a:r>
             <a:r>
-              <a:rPr kumimoji="0" lang="zh-CN" altLang="en-US" sz="4000" b="1" i="0" u="none" strike="noStrike" cap="none" spc="0" normalizeH="0" baseline="0">
+              <a:rPr kumimoji="0" lang="zh-CN" altLang="en-US" sz="3600" b="1" i="0" u="none" strike="noStrike" cap="none" spc="0" normalizeH="0" baseline="0">
                 <a:ln>
                   <a:noFill/>
                 </a:ln>
@@ -5034,7 +5137,41 @@
                 <a:cs typeface="Helvetica Neue Medium"/>
                 <a:sym typeface="Helvetica Neue Medium"/>
               </a:rPr>
-              <a:t>尽可能降低质量，提高性能。</a:t>
+              <a:t>大小比使用</a:t>
+            </a:r>
+            <a:r>
+              <a:rPr kumimoji="0" lang="en-US" altLang="zh-CN" sz="3600" b="1" i="0" u="none" strike="noStrike" cap="none" spc="0" normalizeH="0" baseline="0">
+                <a:ln>
+                  <a:noFill/>
+                </a:ln>
+                <a:solidFill>
+                  <a:srgbClr val="000000"/>
+                </a:solidFill>
+                <a:effectLst/>
+                <a:uFillTx/>
+                <a:latin typeface="Helvetica Neue Medium"/>
+                <a:ea typeface="Helvetica Neue Medium"/>
+                <a:cs typeface="Helvetica Neue Medium"/>
+                <a:sym typeface="Helvetica Neue Medium"/>
+              </a:rPr>
+              <a:t>GIF</a:t>
+            </a:r>
+            <a:r>
+              <a:rPr kumimoji="0" lang="zh-CN" altLang="en-US" sz="3600" b="1" i="0" u="none" strike="noStrike" cap="none" spc="0" normalizeH="0" baseline="0">
+                <a:ln>
+                  <a:noFill/>
+                </a:ln>
+                <a:solidFill>
+                  <a:srgbClr val="000000"/>
+                </a:solidFill>
+                <a:effectLst/>
+                <a:uFillTx/>
+                <a:latin typeface="Helvetica Neue Medium"/>
+                <a:ea typeface="Helvetica Neue Medium"/>
+                <a:cs typeface="Helvetica Neue Medium"/>
+                <a:sym typeface="Helvetica Neue Medium"/>
+              </a:rPr>
+              <a:t>或逐帧动画来的小。</a:t>
             </a:r>
           </a:p>
           <a:p>
@@ -5054,7 +5191,7 @@
               <a:buNone/>
             </a:pPr>
             <a:r>
-              <a:rPr kumimoji="0" lang="en-US" altLang="zh-CN" sz="4000" b="1" i="0" u="none" strike="noStrike" cap="none" spc="0" normalizeH="0" baseline="0">
+              <a:rPr kumimoji="0" lang="en-US" altLang="zh-CN" sz="3600" b="1" i="0" u="none" strike="noStrike" cap="none" spc="0" normalizeH="0" baseline="0">
                 <a:ln>
                   <a:noFill/>
                 </a:ln>
@@ -5071,7 +5208,7 @@
               <a:t>5. </a:t>
             </a:r>
             <a:r>
-              <a:rPr kumimoji="0" lang="zh-CN" altLang="en-US" sz="4000" b="1" i="0" u="none" strike="noStrike" cap="none" spc="0" normalizeH="0" baseline="0">
+              <a:rPr kumimoji="0" lang="zh-CN" altLang="en-US" sz="3600" b="1" i="0" u="none" strike="noStrike" cap="none" spc="0" normalizeH="0" baseline="0">
                 <a:ln>
                   <a:noFill/>
                 </a:ln>
@@ -5085,22 +5222,8 @@
                 <a:cs typeface="Helvetica Neue Medium"/>
                 <a:sym typeface="Helvetica Neue Medium"/>
               </a:rPr>
-              <a:t>压缩资源图片</a:t>
-            </a:r>
-            <a:endParaRPr kumimoji="0" lang="en-US" altLang="zh-CN" sz="4000" b="1" i="0" u="none" strike="noStrike" cap="none" spc="0" normalizeH="0" baseline="0">
-              <a:ln>
-                <a:noFill/>
-              </a:ln>
-              <a:solidFill>
-                <a:srgbClr val="000000"/>
-              </a:solidFill>
-              <a:effectLst/>
-              <a:uFillTx/>
-              <a:latin typeface="Helvetica Neue Medium"/>
-              <a:ea typeface="Helvetica Neue Medium"/>
-              <a:cs typeface="Helvetica Neue Medium"/>
-              <a:sym typeface="Helvetica Neue Medium"/>
-            </a:endParaRPr>
+              <a:t>只要动画符合要求，基本很流畅，性能也好。</a:t>
+            </a:r>
           </a:p>
           <a:p>
             <a:pPr marL="0" marR="0" indent="0" algn="l" defTabSz="825500" rtl="0" fontAlgn="auto" latinLnBrk="0" hangingPunct="0">
@@ -5118,20 +5241,74 @@
               <a:buFontTx/>
               <a:buNone/>
             </a:pPr>
-            <a:endParaRPr kumimoji="0" lang="en-US" altLang="zh-CN" sz="4000" b="1" i="0" u="none" strike="noStrike" cap="none" spc="0" normalizeH="0" baseline="0">
-              <a:ln>
-                <a:noFill/>
-              </a:ln>
-              <a:solidFill>
-                <a:srgbClr val="000000"/>
-              </a:solidFill>
-              <a:effectLst/>
-              <a:uFillTx/>
-              <a:latin typeface="Helvetica Neue Medium"/>
-              <a:ea typeface="Helvetica Neue Medium"/>
-              <a:cs typeface="Helvetica Neue Medium"/>
-              <a:sym typeface="Helvetica Neue Medium"/>
-            </a:endParaRPr>
+            <a:r>
+              <a:rPr kumimoji="0" lang="en-US" altLang="zh-CN" sz="3600" b="1" i="0" u="none" strike="noStrike" cap="none" spc="0" normalizeH="0" baseline="0">
+                <a:ln>
+                  <a:noFill/>
+                </a:ln>
+                <a:solidFill>
+                  <a:srgbClr val="000000"/>
+                </a:solidFill>
+                <a:effectLst/>
+                <a:uFillTx/>
+                <a:latin typeface="Helvetica Neue Medium"/>
+                <a:ea typeface="Helvetica Neue Medium"/>
+                <a:cs typeface="Helvetica Neue Medium"/>
+                <a:sym typeface="Helvetica Neue Medium"/>
+              </a:rPr>
+              <a:t>6. </a:t>
+            </a:r>
+            <a:r>
+              <a:rPr kumimoji="0" lang="zh-CN" altLang="en-US" sz="3600" b="1" i="0" u="none" strike="noStrike" cap="none" spc="0" normalizeH="0" baseline="0">
+                <a:ln>
+                  <a:noFill/>
+                </a:ln>
+                <a:solidFill>
+                  <a:srgbClr val="000000"/>
+                </a:solidFill>
+                <a:effectLst/>
+                <a:uFillTx/>
+                <a:latin typeface="Helvetica Neue Medium"/>
+                <a:ea typeface="Helvetica Neue Medium"/>
+                <a:cs typeface="Helvetica Neue Medium"/>
+                <a:sym typeface="Helvetica Neue Medium"/>
+              </a:rPr>
+              <a:t>视觉只需输出一个</a:t>
+            </a:r>
+            <a:r>
+              <a:rPr kumimoji="0" lang="en-US" altLang="zh-CN" sz="3600" b="1" i="0" u="none" strike="noStrike" cap="none" spc="0" normalizeH="0" baseline="0">
+                <a:ln>
+                  <a:noFill/>
+                </a:ln>
+                <a:solidFill>
+                  <a:srgbClr val="000000"/>
+                </a:solidFill>
+                <a:effectLst/>
+                <a:uFillTx/>
+                <a:latin typeface="Helvetica Neue Medium"/>
+                <a:ea typeface="Helvetica Neue Medium"/>
+                <a:cs typeface="Helvetica Neue Medium"/>
+                <a:sym typeface="Helvetica Neue Medium"/>
+              </a:rPr>
+              <a:t>json</a:t>
+            </a:r>
+            <a:r>
+              <a:rPr kumimoji="0" lang="zh-CN" altLang="en-US" sz="3600" b="1" i="0" u="none" strike="noStrike" cap="none" spc="0" normalizeH="0" baseline="0">
+                <a:ln>
+                  <a:noFill/>
+                </a:ln>
+                <a:solidFill>
+                  <a:srgbClr val="000000"/>
+                </a:solidFill>
+                <a:effectLst/>
+                <a:uFillTx/>
+                <a:latin typeface="Helvetica Neue Medium"/>
+                <a:ea typeface="Helvetica Neue Medium"/>
+                <a:cs typeface="Helvetica Neue Medium"/>
+                <a:sym typeface="Helvetica Neue Medium"/>
+              </a:rPr>
+              <a:t>文件，便可多端复用，且效果基本一致。</a:t>
+            </a:r>
           </a:p>
           <a:p>
             <a:pPr marL="0" marR="0" indent="0" algn="l" defTabSz="825500" rtl="0" fontAlgn="auto" latinLnBrk="0" hangingPunct="0">
@@ -5149,24 +5326,7 @@
               <a:buFontTx/>
               <a:buNone/>
             </a:pPr>
-            <a:r>
-              <a:rPr kumimoji="0" lang="zh-CN" altLang="en-US" sz="4000" b="1" i="0" u="none" strike="noStrike" cap="none" spc="0" normalizeH="0" baseline="0">
-                <a:ln>
-                  <a:noFill/>
-                </a:ln>
-                <a:solidFill>
-                  <a:srgbClr val="000000"/>
-                </a:solidFill>
-                <a:effectLst/>
-                <a:uFillTx/>
-                <a:latin typeface="Helvetica Neue Medium"/>
-                <a:ea typeface="Helvetica Neue Medium"/>
-                <a:cs typeface="Helvetica Neue Medium"/>
-                <a:sym typeface="Helvetica Neue Medium"/>
-              </a:rPr>
-              <a:t>坑：</a:t>
-            </a:r>
-            <a:endParaRPr kumimoji="0" lang="en-US" altLang="zh-CN" sz="4000" b="1" i="0" u="none" strike="noStrike" cap="none" spc="0" normalizeH="0" baseline="0">
+            <a:endParaRPr kumimoji="0" lang="zh-CN" altLang="en-US" sz="3600" b="1" i="0" u="none" strike="noStrike" cap="none" spc="0" normalizeH="0" baseline="0">
               <a:ln>
                 <a:noFill/>
               </a:ln>
@@ -5197,109 +5357,7 @@
               <a:buFontTx/>
               <a:buNone/>
             </a:pPr>
-            <a:r>
-              <a:rPr kumimoji="0" lang="en-US" altLang="zh-CN" sz="4000" b="1" i="0" u="none" strike="noStrike" cap="none" spc="0" normalizeH="0" baseline="0">
-                <a:ln>
-                  <a:noFill/>
-                </a:ln>
-                <a:solidFill>
-                  <a:srgbClr val="000000"/>
-                </a:solidFill>
-                <a:effectLst/>
-                <a:uFillTx/>
-                <a:latin typeface="Helvetica Neue Medium"/>
-                <a:ea typeface="Helvetica Neue Medium"/>
-                <a:cs typeface="Helvetica Neue Medium"/>
-                <a:sym typeface="Helvetica Neue Medium"/>
-              </a:rPr>
-              <a:t>1. </a:t>
-            </a:r>
-            <a:r>
-              <a:rPr kumimoji="0" lang="zh-CN" altLang="en-US" sz="4000" b="1" i="0" u="none" strike="noStrike" cap="none" spc="0" normalizeH="0" baseline="0">
-                <a:ln>
-                  <a:noFill/>
-                </a:ln>
-                <a:solidFill>
-                  <a:srgbClr val="000000"/>
-                </a:solidFill>
-                <a:effectLst/>
-                <a:uFillTx/>
-                <a:latin typeface="Helvetica Neue Medium"/>
-                <a:ea typeface="Helvetica Neue Medium"/>
-                <a:cs typeface="Helvetica Neue Medium"/>
-                <a:sym typeface="Helvetica Neue Medium"/>
-              </a:rPr>
-              <a:t>视觉使用了</a:t>
-            </a:r>
-            <a:r>
-              <a:rPr kumimoji="0" lang="en-US" altLang="zh-CN" sz="4000" b="1" i="0" u="none" strike="noStrike" cap="none" spc="0" normalizeH="0" baseline="0">
-                <a:ln>
-                  <a:noFill/>
-                </a:ln>
-                <a:solidFill>
-                  <a:srgbClr val="000000"/>
-                </a:solidFill>
-                <a:effectLst/>
-                <a:uFillTx/>
-                <a:latin typeface="Helvetica Neue Medium"/>
-                <a:ea typeface="Helvetica Neue Medium"/>
-                <a:cs typeface="Helvetica Neue Medium"/>
-                <a:sym typeface="Helvetica Neue Medium"/>
-              </a:rPr>
-              <a:t>lottie</a:t>
-            </a:r>
-            <a:r>
-              <a:rPr kumimoji="0" lang="zh-CN" altLang="en-US" sz="4000" b="1" i="0" u="none" strike="noStrike" cap="none" spc="0" normalizeH="0" baseline="0">
-                <a:ln>
-                  <a:noFill/>
-                </a:ln>
-                <a:solidFill>
-                  <a:srgbClr val="000000"/>
-                </a:solidFill>
-                <a:effectLst/>
-                <a:uFillTx/>
-                <a:latin typeface="Helvetica Neue Medium"/>
-                <a:ea typeface="Helvetica Neue Medium"/>
-                <a:cs typeface="Helvetica Neue Medium"/>
-                <a:sym typeface="Helvetica Neue Medium"/>
-              </a:rPr>
-              <a:t>不支持的</a:t>
-            </a:r>
-            <a:r>
-              <a:rPr kumimoji="0" lang="en-US" altLang="zh-CN" sz="4000" b="1" i="0" u="none" strike="noStrike" cap="none" spc="0" normalizeH="0" baseline="0">
-                <a:ln>
-                  <a:noFill/>
-                </a:ln>
-                <a:solidFill>
-                  <a:srgbClr val="000000"/>
-                </a:solidFill>
-                <a:effectLst/>
-                <a:uFillTx/>
-                <a:latin typeface="Helvetica Neue Medium"/>
-                <a:ea typeface="Helvetica Neue Medium"/>
-                <a:cs typeface="Helvetica Neue Medium"/>
-                <a:sym typeface="Helvetica Neue Medium"/>
-              </a:rPr>
-              <a:t>AE</a:t>
-            </a:r>
-            <a:r>
-              <a:rPr kumimoji="0" lang="zh-CN" altLang="en-US" sz="4000" b="1" i="0" u="none" strike="noStrike" cap="none" spc="0" normalizeH="0" baseline="0">
-                <a:ln>
-                  <a:noFill/>
-                </a:ln>
-                <a:solidFill>
-                  <a:srgbClr val="000000"/>
-                </a:solidFill>
-                <a:effectLst/>
-                <a:uFillTx/>
-                <a:latin typeface="Helvetica Neue Medium"/>
-                <a:ea typeface="Helvetica Neue Medium"/>
-                <a:cs typeface="Helvetica Neue Medium"/>
-                <a:sym typeface="Helvetica Neue Medium"/>
-              </a:rPr>
-              <a:t>特性，导致动画播放有问题。</a:t>
-            </a:r>
-            <a:endParaRPr kumimoji="0" lang="en-US" altLang="zh-CN" sz="4000" b="1" i="0" u="none" strike="noStrike" cap="none" spc="0" normalizeH="0" baseline="0">
+            <a:endParaRPr kumimoji="0" lang="zh-CN" altLang="en-US" sz="3600" b="1" i="0" u="none" strike="noStrike" cap="none" spc="0" normalizeH="0" baseline="0">
               <a:ln>
                 <a:noFill/>
               </a:ln>
@@ -5331,7 +5389,7 @@
               <a:buNone/>
             </a:pPr>
             <a:r>
-              <a:rPr kumimoji="0" lang="en-US" altLang="zh-CN" sz="4000" b="1" i="0" u="none" strike="noStrike" cap="none" spc="0" normalizeH="0" baseline="0">
+              <a:rPr kumimoji="0" lang="zh-CN" altLang="en-US" sz="3600" b="1" i="0" u="none" strike="noStrike" cap="none" spc="0" normalizeH="0" baseline="0">
                 <a:ln>
                   <a:noFill/>
                 </a:ln>
@@ -5345,92 +5403,7 @@
                 <a:cs typeface="Helvetica Neue Medium"/>
                 <a:sym typeface="Helvetica Neue Medium"/>
               </a:rPr>
-              <a:t>2. </a:t>
-            </a:r>
-            <a:r>
-              <a:rPr kumimoji="0" lang="zh-CN" altLang="en-US" sz="4000" b="1" i="0" u="none" strike="noStrike" cap="none" spc="0" normalizeH="0" baseline="0">
-                <a:ln>
-                  <a:noFill/>
-                </a:ln>
-                <a:solidFill>
-                  <a:srgbClr val="000000"/>
-                </a:solidFill>
-                <a:effectLst/>
-                <a:uFillTx/>
-                <a:latin typeface="Helvetica Neue Medium"/>
-                <a:ea typeface="Helvetica Neue Medium"/>
-                <a:cs typeface="Helvetica Neue Medium"/>
-                <a:sym typeface="Helvetica Neue Medium"/>
-              </a:rPr>
-              <a:t>视觉导出的</a:t>
-            </a:r>
-            <a:r>
-              <a:rPr kumimoji="0" lang="en-US" altLang="zh-CN" sz="4000" b="1" i="0" u="none" strike="noStrike" cap="none" spc="0" normalizeH="0" baseline="0">
-                <a:ln>
-                  <a:noFill/>
-                </a:ln>
-                <a:solidFill>
-                  <a:srgbClr val="000000"/>
-                </a:solidFill>
-                <a:effectLst/>
-                <a:uFillTx/>
-                <a:latin typeface="Helvetica Neue Medium"/>
-                <a:ea typeface="Helvetica Neue Medium"/>
-                <a:cs typeface="Helvetica Neue Medium"/>
-                <a:sym typeface="Helvetica Neue Medium"/>
-              </a:rPr>
-              <a:t>json</a:t>
-            </a:r>
-            <a:r>
-              <a:rPr kumimoji="0" lang="zh-CN" altLang="en-US" sz="4000" b="1" i="0" u="none" strike="noStrike" cap="none" spc="0" normalizeH="0" baseline="0">
-                <a:ln>
-                  <a:noFill/>
-                </a:ln>
-                <a:solidFill>
-                  <a:srgbClr val="000000"/>
-                </a:solidFill>
-                <a:effectLst/>
-                <a:uFillTx/>
-                <a:latin typeface="Helvetica Neue Medium"/>
-                <a:ea typeface="Helvetica Neue Medium"/>
-                <a:cs typeface="Helvetica Neue Medium"/>
-                <a:sym typeface="Helvetica Neue Medium"/>
-              </a:rPr>
-              <a:t>文件有引用图片资源，需要对</a:t>
-            </a:r>
-            <a:r>
-              <a:rPr kumimoji="0" lang="en-US" altLang="zh-CN" sz="4000" b="1" i="0" u="none" strike="noStrike" cap="none" spc="0" normalizeH="0" baseline="0">
-                <a:ln>
-                  <a:noFill/>
-                </a:ln>
-                <a:solidFill>
-                  <a:srgbClr val="000000"/>
-                </a:solidFill>
-                <a:effectLst/>
-                <a:uFillTx/>
-                <a:latin typeface="Helvetica Neue Medium"/>
-                <a:ea typeface="Helvetica Neue Medium"/>
-                <a:cs typeface="Helvetica Neue Medium"/>
-                <a:sym typeface="Helvetica Neue Medium"/>
-              </a:rPr>
-              <a:t>json</a:t>
-            </a:r>
-            <a:r>
-              <a:rPr kumimoji="0" lang="zh-CN" altLang="en-US" sz="4000" b="1" i="0" u="none" strike="noStrike" cap="none" spc="0" normalizeH="0" baseline="0">
-                <a:ln>
-                  <a:noFill/>
-                </a:ln>
-                <a:solidFill>
-                  <a:srgbClr val="000000"/>
-                </a:solidFill>
-                <a:effectLst/>
-                <a:uFillTx/>
-                <a:latin typeface="Helvetica Neue Medium"/>
-                <a:ea typeface="Helvetica Neue Medium"/>
-                <a:cs typeface="Helvetica Neue Medium"/>
-                <a:sym typeface="Helvetica Neue Medium"/>
-              </a:rPr>
-              <a:t>做下处理。</a:t>
+              <a:t>缺点：</a:t>
             </a:r>
           </a:p>
           <a:p>
@@ -5450,7 +5423,7 @@
               <a:buNone/>
             </a:pPr>
             <a:r>
-              <a:rPr kumimoji="0" lang="en-US" altLang="zh-CN" sz="4000" b="1" i="0" u="none" strike="noStrike" cap="none" spc="0" normalizeH="0" baseline="0">
+              <a:rPr kumimoji="0" lang="en-US" altLang="zh-CN" sz="3600" b="1" i="0" u="none" strike="noStrike" cap="none" spc="0" normalizeH="0" baseline="0">
                 <a:ln>
                   <a:noFill/>
                 </a:ln>
@@ -5464,10 +5437,10 @@
                 <a:cs typeface="Helvetica Neue Medium"/>
                 <a:sym typeface="Helvetica Neue Medium"/>
               </a:rPr>
-              <a:t>3. </a:t>
-            </a:r>
-            <a:r>
-              <a:rPr kumimoji="0" lang="zh-CN" altLang="en-US" sz="4000" b="1" i="0" u="none" strike="noStrike" cap="none" spc="0" normalizeH="0" baseline="0">
+              <a:t>1. </a:t>
+            </a:r>
+            <a:r>
+              <a:rPr kumimoji="0" lang="zh-CN" altLang="en-US" sz="3600" b="1" i="0" u="none" strike="noStrike" cap="none" spc="0" normalizeH="0" baseline="0">
                 <a:ln>
                   <a:noFill/>
                 </a:ln>
@@ -5481,10 +5454,10 @@
                 <a:cs typeface="Helvetica Neue Medium"/>
                 <a:sym typeface="Helvetica Neue Medium"/>
               </a:rPr>
-              <a:t>前端</a:t>
-            </a:r>
-            <a:r>
-              <a:rPr kumimoji="0" lang="en-US" altLang="zh-CN" sz="4000" b="1" i="0" u="none" strike="noStrike" cap="none" spc="0" normalizeH="0" baseline="0">
+              <a:t>包很大，</a:t>
+            </a:r>
+            <a:r>
+              <a:rPr kumimoji="0" lang="en-US" altLang="zh-CN" sz="3600" b="1" i="0" u="none" strike="noStrike" cap="none" spc="0" normalizeH="0" baseline="0">
                 <a:ln>
                   <a:noFill/>
                 </a:ln>
@@ -5498,10 +5471,10 @@
                 <a:cs typeface="Helvetica Neue Medium"/>
                 <a:sym typeface="Helvetica Neue Medium"/>
               </a:rPr>
-              <a:t>lottie</a:t>
-            </a:r>
-            <a:r>
-              <a:rPr kumimoji="0" lang="zh-CN" altLang="en-US" sz="4000" b="1" i="0" u="none" strike="noStrike" cap="none" spc="0" normalizeH="0" baseline="0">
+              <a:t>json</a:t>
+            </a:r>
+            <a:r>
+              <a:rPr kumimoji="0" lang="zh-CN" altLang="en-US" sz="3600" b="1" i="0" u="none" strike="noStrike" cap="none" spc="0" normalizeH="0" baseline="0">
                 <a:ln>
                   <a:noFill/>
                 </a:ln>
@@ -5515,75 +5488,7 @@
                 <a:cs typeface="Helvetica Neue Medium"/>
                 <a:sym typeface="Helvetica Neue Medium"/>
               </a:rPr>
-              <a:t>包的版本和视觉的</a:t>
-            </a:r>
-            <a:r>
-              <a:rPr kumimoji="0" lang="en-US" altLang="zh-CN" sz="4000" b="1" i="0" u="none" strike="noStrike" cap="none" spc="0" normalizeH="0" baseline="0">
-                <a:ln>
-                  <a:noFill/>
-                </a:ln>
-                <a:solidFill>
-                  <a:srgbClr val="000000"/>
-                </a:solidFill>
-                <a:effectLst/>
-                <a:uFillTx/>
-                <a:latin typeface="Helvetica Neue Medium"/>
-                <a:ea typeface="Helvetica Neue Medium"/>
-                <a:cs typeface="Helvetica Neue Medium"/>
-                <a:sym typeface="Helvetica Neue Medium"/>
-              </a:rPr>
-              <a:t>bodymovin</a:t>
-            </a:r>
-            <a:r>
-              <a:rPr kumimoji="0" lang="zh-CN" altLang="en-US" sz="4000" b="1" i="0" u="none" strike="noStrike" cap="none" spc="0" normalizeH="0" baseline="0">
-                <a:ln>
-                  <a:noFill/>
-                </a:ln>
-                <a:solidFill>
-                  <a:srgbClr val="000000"/>
-                </a:solidFill>
-                <a:effectLst/>
-                <a:uFillTx/>
-                <a:latin typeface="Helvetica Neue Medium"/>
-                <a:ea typeface="Helvetica Neue Medium"/>
-                <a:cs typeface="Helvetica Neue Medium"/>
-                <a:sym typeface="Helvetica Neue Medium"/>
-              </a:rPr>
-              <a:t>插件版本不一致，导致</a:t>
-            </a:r>
-            <a:r>
-              <a:rPr kumimoji="0" lang="en-US" altLang="zh-CN" sz="4000" b="1" i="0" u="none" strike="noStrike" cap="none" spc="0" normalizeH="0" baseline="0">
-                <a:ln>
-                  <a:noFill/>
-                </a:ln>
-                <a:solidFill>
-                  <a:srgbClr val="000000"/>
-                </a:solidFill>
-                <a:effectLst/>
-                <a:uFillTx/>
-                <a:latin typeface="Helvetica Neue Medium"/>
-                <a:ea typeface="Helvetica Neue Medium"/>
-                <a:cs typeface="Helvetica Neue Medium"/>
-                <a:sym typeface="Helvetica Neue Medium"/>
-              </a:rPr>
-              <a:t>js</a:t>
-            </a:r>
-            <a:r>
-              <a:rPr kumimoji="0" lang="zh-CN" altLang="en-US" sz="4000" b="1" i="0" u="none" strike="noStrike" cap="none" spc="0" normalizeH="0" baseline="0">
-                <a:ln>
-                  <a:noFill/>
-                </a:ln>
-                <a:solidFill>
-                  <a:srgbClr val="000000"/>
-                </a:solidFill>
-                <a:effectLst/>
-                <a:uFillTx/>
-                <a:latin typeface="Helvetica Neue Medium"/>
-                <a:ea typeface="Helvetica Neue Medium"/>
-                <a:cs typeface="Helvetica Neue Medium"/>
-                <a:sym typeface="Helvetica Neue Medium"/>
-              </a:rPr>
-              <a:t>报错。</a:t>
+              <a:t>文件也很大。</a:t>
             </a:r>
           </a:p>
           <a:p>
@@ -5603,7 +5508,7 @@
               <a:buNone/>
             </a:pPr>
             <a:r>
-              <a:rPr kumimoji="0" lang="en-US" altLang="zh-CN" sz="4000" b="1" i="0" u="none" strike="noStrike" cap="none" spc="0" normalizeH="0" baseline="0">
+              <a:rPr kumimoji="0" lang="en-US" altLang="zh-CN" sz="3600" b="1" i="0" u="none" strike="noStrike" cap="none" spc="0" normalizeH="0" baseline="0">
                 <a:ln>
                   <a:noFill/>
                 </a:ln>
@@ -5617,26 +5522,26 @@
                 <a:cs typeface="Helvetica Neue Medium"/>
                 <a:sym typeface="Helvetica Neue Medium"/>
               </a:rPr>
-              <a:t>	</a:t>
-            </a:r>
-            <a:r>
-              <a:rPr kumimoji="0" lang="en-US" altLang="zh-CN" sz="4000" i="1" u="none" strike="noStrike" cap="none" spc="0" normalizeH="0" baseline="0">
+              <a:t>2. 对一些AE属性支持不够完全</a:t>
+            </a:r>
+            <a:r>
+              <a:rPr kumimoji="0" lang="zh-CN" altLang="en-US" sz="3600" b="1" i="0" u="none" strike="noStrike" cap="none" spc="0" normalizeH="0" baseline="0">
                 <a:ln>
                   <a:noFill/>
                 </a:ln>
                 <a:solidFill>
-                  <a:srgbClr val="FF0000"/>
+                  <a:srgbClr val="000000"/>
                 </a:solidFill>
                 <a:effectLst/>
                 <a:uFillTx/>
                 <a:latin typeface="Helvetica Neue Medium"/>
-                <a:ea typeface="Helvetica Neue Medium"/>
-                <a:cs typeface="Helvetica Neue Medium"/>
-                <a:sym typeface="Helvetica Neue Medium"/>
-              </a:rPr>
-              <a:t>Cannot read property 'length' of undefined</a:t>
-            </a:r>
-            <a:endParaRPr kumimoji="0" lang="en-US" altLang="zh-CN" sz="4000" i="1" u="none" strike="noStrike" cap="none" spc="0" normalizeH="0" baseline="0">
+                <a:ea typeface="宋体" charset="0"/>
+                <a:cs typeface="Helvetica Neue Medium"/>
+                <a:sym typeface="Helvetica Neue Medium"/>
+              </a:rPr>
+              <a:t>。</a:t>
+            </a:r>
+            <a:endParaRPr kumimoji="0" lang="en-US" altLang="zh-CN" sz="3600" b="1" i="0" u="none" strike="noStrike" cap="none" spc="0" normalizeH="0" baseline="0">
               <a:ln>
                 <a:noFill/>
               </a:ln>
@@ -5668,7 +5573,7 @@
               <a:buNone/>
             </a:pPr>
             <a:r>
-              <a:rPr kumimoji="0" lang="en-US" altLang="zh-CN" sz="4000" b="1" u="none" strike="noStrike" cap="none" spc="0" normalizeH="0" baseline="0">
+              <a:rPr kumimoji="0" lang="en-US" altLang="zh-CN" sz="3600" b="1" i="0" u="none" strike="noStrike" cap="none" spc="0" normalizeH="0" baseline="0">
                 <a:ln>
                   <a:noFill/>
                 </a:ln>
@@ -5682,10 +5587,10 @@
                 <a:cs typeface="Helvetica Neue Medium"/>
                 <a:sym typeface="Helvetica Neue Medium"/>
               </a:rPr>
-              <a:t>4. </a:t>
-            </a:r>
-            <a:r>
-              <a:rPr kumimoji="0" lang="zh-CN" altLang="en-US" sz="4000" b="1" u="none" strike="noStrike" cap="none" spc="0" normalizeH="0" baseline="0">
+              <a:t>3. </a:t>
+            </a:r>
+            <a:r>
+              <a:rPr kumimoji="0" lang="zh-CN" altLang="en-US" sz="3600" b="1" i="0" u="none" strike="noStrike" cap="none" spc="0" normalizeH="0" baseline="0">
                 <a:ln>
                   <a:noFill/>
                 </a:ln>
@@ -5699,10 +5604,10 @@
                 <a:cs typeface="Helvetica Neue Medium"/>
                 <a:sym typeface="Helvetica Neue Medium"/>
               </a:rPr>
-              <a:t>视觉使用了多处</a:t>
-            </a:r>
-            <a:r>
-              <a:rPr kumimoji="0" lang="en-US" altLang="zh-CN" sz="4000" b="1" u="none" strike="noStrike" cap="none" spc="0" normalizeH="0" baseline="0">
+              <a:t>太依赖视觉，需要其给动效</a:t>
+            </a:r>
+            <a:r>
+              <a:rPr kumimoji="0" lang="en-US" altLang="zh-CN" sz="3600" b="1" i="0" u="none" strike="noStrike" cap="none" spc="0" normalizeH="0" baseline="0">
                 <a:ln>
                   <a:noFill/>
                 </a:ln>
@@ -5716,10 +5621,10 @@
                 <a:cs typeface="Helvetica Neue Medium"/>
                 <a:sym typeface="Helvetica Neue Medium"/>
               </a:rPr>
-              <a:t>mask</a:t>
-            </a:r>
-            <a:r>
-              <a:rPr kumimoji="0" lang="zh-CN" altLang="en-US" sz="4000" b="1" u="none" strike="noStrike" cap="none" spc="0" normalizeH="0" baseline="0">
+              <a:t>json</a:t>
+            </a:r>
+            <a:r>
+              <a:rPr kumimoji="0" lang="zh-CN" altLang="en-US" sz="3600" b="1" i="0" u="none" strike="noStrike" cap="none" spc="0" normalizeH="0" baseline="0">
                 <a:ln>
                   <a:noFill/>
                 </a:ln>
@@ -5729,11 +5634,76 @@
                 <a:effectLst/>
                 <a:uFillTx/>
                 <a:latin typeface="Helvetica Neue Medium"/>
+                <a:ea typeface="宋体" charset="0"/>
+                <a:cs typeface="Helvetica Neue Medium"/>
+                <a:sym typeface="Helvetica Neue Medium"/>
+              </a:rPr>
+              <a:t>。</a:t>
+            </a:r>
+            <a:endParaRPr kumimoji="0" lang="en-US" altLang="zh-CN" sz="3600" b="1" i="0" u="none" strike="noStrike" cap="none" spc="0" normalizeH="0" baseline="0">
+              <a:ln>
+                <a:noFill/>
+              </a:ln>
+              <a:solidFill>
+                <a:srgbClr val="000000"/>
+              </a:solidFill>
+              <a:effectLst/>
+              <a:uFillTx/>
+              <a:latin typeface="Helvetica Neue Medium"/>
+              <a:ea typeface="Helvetica Neue Medium"/>
+              <a:cs typeface="Helvetica Neue Medium"/>
+              <a:sym typeface="Helvetica Neue Medium"/>
+            </a:endParaRPr>
+          </a:p>
+          <a:p>
+            <a:pPr marL="0" marR="0" indent="0" algn="l" defTabSz="825500" rtl="0" fontAlgn="auto" latinLnBrk="0" hangingPunct="0">
+              <a:lnSpc>
+                <a:spcPct val="100000"/>
+              </a:lnSpc>
+              <a:spcBef>
+                <a:spcPts val="0"/>
+              </a:spcBef>
+              <a:spcAft>
+                <a:spcPts val="0"/>
+              </a:spcAft>
+              <a:buClrTx/>
+              <a:buSzTx/>
+              <a:buFontTx/>
+              <a:buNone/>
+            </a:pPr>
+            <a:r>
+              <a:rPr kumimoji="0" lang="en-US" altLang="zh-CN" sz="3600" b="1" i="0" u="none" strike="noStrike" cap="none" spc="0" normalizeH="0" baseline="0">
+                <a:ln>
+                  <a:noFill/>
+                </a:ln>
+                <a:solidFill>
+                  <a:srgbClr val="000000"/>
+                </a:solidFill>
+                <a:effectLst/>
+                <a:uFillTx/>
+                <a:latin typeface="Helvetica Neue Medium"/>
                 <a:ea typeface="Helvetica Neue Medium"/>
                 <a:cs typeface="Helvetica Neue Medium"/>
                 <a:sym typeface="Helvetica Neue Medium"/>
               </a:rPr>
-              <a:t>导致的性能问题。</a:t>
+              <a:t>4. </a:t>
+            </a:r>
+            <a:r>
+              <a:rPr kumimoji="0" lang="zh-CN" altLang="en-US" sz="3600" b="1" i="0" u="none" strike="noStrike" cap="none" spc="0" normalizeH="0" baseline="0">
+                <a:ln>
+                  <a:noFill/>
+                </a:ln>
+                <a:solidFill>
+                  <a:srgbClr val="000000"/>
+                </a:solidFill>
+                <a:effectLst/>
+                <a:uFillTx/>
+                <a:latin typeface="Helvetica Neue Medium"/>
+                <a:ea typeface="Helvetica Neue Medium"/>
+                <a:cs typeface="Helvetica Neue Medium"/>
+                <a:sym typeface="Helvetica Neue Medium"/>
+              </a:rPr>
+              <a:t>对视觉的动效实现有较高要求，否则及其影响性能（基本不能用）。</a:t>
             </a:r>
           </a:p>
         </p:txBody>
@@ -5920,7 +5890,7 @@
         <p:spPr>
           <a:xfrm>
             <a:off x="1144625" y="689667"/>
-            <a:ext cx="1604645" cy="932180"/>
+            <a:ext cx="8290560" cy="932180"/>
           </a:xfrm>
           <a:prstGeom prst="rect">
             <a:avLst/>
@@ -5949,6 +5919,18 @@
           <a:p>
             <a:pPr algn="l"/>
             <a:r>
+              <a:rPr lang="zh-CN" altLang="en-US" sz="5400" b="1">
+                <a:solidFill>
+                  <a:schemeClr val="bg1"/>
+                </a:solidFill>
+                <a:latin typeface="Helvetica Neue Medium"/>
+                <a:ea typeface="Helvetica Neue Medium"/>
+                <a:cs typeface="Helvetica Neue Medium"/>
+                <a:sym typeface="Helvetica Neue Medium"/>
+              </a:rPr>
+              <a:t>考拉豆</a:t>
+            </a:r>
+            <a:r>
               <a:rPr lang="en-US" altLang="zh-CN" sz="5400" b="1">
                 <a:solidFill>
                   <a:schemeClr val="bg1"/>
@@ -5958,8 +5940,54 @@
                 <a:cs typeface="Helvetica Neue Medium"/>
                 <a:sym typeface="Helvetica Neue Medium"/>
               </a:rPr>
-              <a:t>Q&amp;A</a:t>
-            </a:r>
+              <a:t>lottie</a:t>
+            </a:r>
+            <a:r>
+              <a:rPr lang="zh-CN" altLang="en-US" sz="5400" b="1">
+                <a:solidFill>
+                  <a:schemeClr val="bg1"/>
+                </a:solidFill>
+                <a:latin typeface="Helvetica Neue Medium"/>
+                <a:ea typeface="Helvetica Neue Medium"/>
+                <a:cs typeface="Helvetica Neue Medium"/>
+                <a:sym typeface="Helvetica Neue Medium"/>
+              </a:rPr>
+              <a:t>使用</a:t>
+            </a:r>
+            <a:r>
+              <a:rPr lang="en-US" altLang="zh-CN" sz="5400" b="1">
+                <a:solidFill>
+                  <a:schemeClr val="bg1"/>
+                </a:solidFill>
+                <a:latin typeface="Helvetica Neue Medium"/>
+                <a:ea typeface="Helvetica Neue Medium"/>
+                <a:cs typeface="Helvetica Neue Medium"/>
+                <a:sym typeface="Helvetica Neue Medium"/>
+              </a:rPr>
+              <a:t>-</a:t>
+            </a:r>
+            <a:r>
+              <a:rPr lang="zh-CN" altLang="en-US" sz="5400" b="1">
+                <a:solidFill>
+                  <a:schemeClr val="bg1"/>
+                </a:solidFill>
+                <a:latin typeface="Helvetica Neue Medium"/>
+                <a:ea typeface="Helvetica Neue Medium"/>
+                <a:cs typeface="Helvetica Neue Medium"/>
+                <a:sym typeface="Helvetica Neue Medium"/>
+                <a:hlinkClick r:id="rId4" action="ppaction://hlinkfile"/>
+              </a:rPr>
+              <a:t>先看效果</a:t>
+            </a:r>
+            <a:endParaRPr lang="zh-CN" altLang="en-US" sz="5400" b="1">
+              <a:solidFill>
+                <a:schemeClr val="bg1"/>
+              </a:solidFill>
+              <a:latin typeface="Helvetica Neue Medium"/>
+              <a:ea typeface="Helvetica Neue Medium"/>
+              <a:cs typeface="Helvetica Neue Medium"/>
+              <a:sym typeface="Helvetica Neue Medium"/>
+            </a:endParaRPr>
           </a:p>
         </p:txBody>
       </p:sp>
@@ -5972,7 +6000,7 @@
           <p:nvPr/>
         </p:nvPicPr>
         <p:blipFill>
-          <a:blip r:embed="rId4"/>
+          <a:blip r:embed="rId5"/>
           <a:stretch>
             <a:fillRect/>
           </a:stretch>
@@ -6031,691 +6059,30 @@
           </a:p>
         </p:txBody>
       </p:sp>
-      <p:sp>
-        <p:nvSpPr>
-          <p:cNvPr id="2" name="文本框 1"/>
-          <p:cNvSpPr txBox="1"/>
+      <p:pic>
+        <p:nvPicPr>
+          <p:cNvPr id="3" name="图片 2" descr="lottie_size"/>
+          <p:cNvPicPr>
+            <a:picLocks noChangeAspect="1"/>
+          </p:cNvPicPr>
           <p:nvPr/>
-        </p:nvSpPr>
+        </p:nvPicPr>
+        <p:blipFill>
+          <a:blip r:embed="rId6"/>
+          <a:stretch>
+            <a:fillRect/>
+          </a:stretch>
+        </p:blipFill>
         <p:spPr>
           <a:xfrm>
-            <a:off x="1144905" y="3359785"/>
-            <a:ext cx="21876385" cy="5641340"/>
+            <a:off x="205105" y="2840990"/>
+            <a:ext cx="24178895" cy="10222230"/>
           </a:xfrm>
           <a:prstGeom prst="rect">
             <a:avLst/>
           </a:prstGeom>
-          <a:noFill/>
-          <a:ln w="12700" cap="flat">
-            <a:noFill/>
-            <a:miter lim="400000"/>
-          </a:ln>
-        </p:spPr>
-        <p:style>
-          <a:lnRef idx="0">
-            <a:scrgbClr r="0" g="0" b="0"/>
-          </a:lnRef>
-          <a:fillRef idx="0">
-            <a:scrgbClr r="0" g="0" b="0"/>
-          </a:fillRef>
-          <a:effectRef idx="0">
-            <a:scrgbClr r="0" g="0" b="0"/>
-          </a:effectRef>
-          <a:fontRef idx="none"/>
-        </p:style>
-        <p:txBody>
-          <a:bodyPr rot="0" vertOverflow="overflow" horzOverflow="overflow" vert="horz" wrap="square" lIns="50800" tIns="50800" rIns="50800" bIns="50800" numCol="1" spcCol="38100" rtlCol="0" anchor="ctr" forceAA="0">
-            <a:spAutoFit/>
-          </a:bodyPr>
-          <a:lstStyle/>
-          <a:p>
-            <a:pPr marL="0" marR="0" indent="0" algn="l" defTabSz="825500" rtl="0" fontAlgn="auto" latinLnBrk="0" hangingPunct="0">
-              <a:lnSpc>
-                <a:spcPct val="100000"/>
-              </a:lnSpc>
-              <a:spcBef>
-                <a:spcPts val="0"/>
-              </a:spcBef>
-              <a:spcAft>
-                <a:spcPts val="0"/>
-              </a:spcAft>
-              <a:buClrTx/>
-              <a:buSzTx/>
-              <a:buFontTx/>
-              <a:buNone/>
-            </a:pPr>
-            <a:r>
-              <a:rPr kumimoji="0" lang="en-US" altLang="zh-CN" sz="4000" b="1" i="0" u="none" strike="noStrike" cap="none" spc="0" normalizeH="0" baseline="0">
-                <a:ln>
-                  <a:noFill/>
-                </a:ln>
-                <a:solidFill>
-                  <a:srgbClr val="000000"/>
-                </a:solidFill>
-                <a:effectLst/>
-                <a:uFillTx/>
-                <a:latin typeface="Helvetica Neue Medium"/>
-                <a:ea typeface="Helvetica Neue Medium"/>
-                <a:cs typeface="Helvetica Neue Medium"/>
-                <a:sym typeface="Helvetica Neue Medium"/>
-              </a:rPr>
-              <a:t>1. </a:t>
-            </a:r>
-            <a:r>
-              <a:rPr kumimoji="0" lang="zh-CN" altLang="en-US" sz="4000" b="1" i="0" u="none" strike="noStrike" cap="none" spc="0" normalizeH="0" baseline="0">
-                <a:ln>
-                  <a:noFill/>
-                </a:ln>
-                <a:solidFill>
-                  <a:srgbClr val="000000"/>
-                </a:solidFill>
-                <a:effectLst/>
-                <a:uFillTx/>
-                <a:latin typeface="Helvetica Neue Medium"/>
-                <a:ea typeface="Helvetica Neue Medium"/>
-                <a:cs typeface="Helvetica Neue Medium"/>
-                <a:sym typeface="Helvetica Neue Medium"/>
-              </a:rPr>
-              <a:t>为什么会和视觉</a:t>
-            </a:r>
-            <a:r>
-              <a:rPr kumimoji="0" lang="en-US" altLang="zh-CN" sz="4000" b="1" i="0" u="none" strike="noStrike" cap="none" spc="0" normalizeH="0" baseline="0">
-                <a:ln>
-                  <a:noFill/>
-                </a:ln>
-                <a:solidFill>
-                  <a:srgbClr val="000000"/>
-                </a:solidFill>
-                <a:effectLst/>
-                <a:uFillTx/>
-                <a:latin typeface="Helvetica Neue Medium"/>
-                <a:ea typeface="Helvetica Neue Medium"/>
-                <a:cs typeface="Helvetica Neue Medium"/>
-                <a:sym typeface="Helvetica Neue Medium"/>
-              </a:rPr>
-              <a:t>AE</a:t>
-            </a:r>
-            <a:r>
-              <a:rPr kumimoji="0" lang="zh-CN" altLang="en-US" sz="4000" b="1" i="0" u="none" strike="noStrike" cap="none" spc="0" normalizeH="0" baseline="0">
-                <a:ln>
-                  <a:noFill/>
-                </a:ln>
-                <a:solidFill>
-                  <a:srgbClr val="000000"/>
-                </a:solidFill>
-                <a:effectLst/>
-                <a:uFillTx/>
-                <a:latin typeface="Helvetica Neue Medium"/>
-                <a:ea typeface="Helvetica Neue Medium"/>
-                <a:cs typeface="Helvetica Neue Medium"/>
-                <a:sym typeface="Helvetica Neue Medium"/>
-              </a:rPr>
-              <a:t>的效果不一致，甚至有卡顿？</a:t>
-            </a:r>
-          </a:p>
-          <a:p>
-            <a:pPr marL="0" marR="0" indent="0" algn="l" defTabSz="825500" rtl="0" fontAlgn="auto" latinLnBrk="0" hangingPunct="0">
-              <a:lnSpc>
-                <a:spcPct val="100000"/>
-              </a:lnSpc>
-              <a:spcBef>
-                <a:spcPts val="0"/>
-              </a:spcBef>
-              <a:spcAft>
-                <a:spcPts val="0"/>
-              </a:spcAft>
-              <a:buClrTx/>
-              <a:buSzTx/>
-              <a:buFontTx/>
-              <a:buNone/>
-            </a:pPr>
-            <a:r>
-              <a:rPr kumimoji="0" lang="en-US" altLang="zh-CN" sz="4000" b="1" i="0" u="none" strike="noStrike" cap="none" spc="0" normalizeH="0" baseline="0">
-                <a:ln>
-                  <a:noFill/>
-                </a:ln>
-                <a:solidFill>
-                  <a:srgbClr val="000000"/>
-                </a:solidFill>
-                <a:effectLst/>
-                <a:uFillTx/>
-                <a:latin typeface="Helvetica Neue Medium"/>
-                <a:ea typeface="Helvetica Neue Medium"/>
-                <a:cs typeface="Helvetica Neue Medium"/>
-                <a:sym typeface="Helvetica Neue Medium"/>
-              </a:rPr>
-              <a:t>	</a:t>
-            </a:r>
-            <a:r>
-              <a:rPr kumimoji="0" lang="zh-CN" altLang="en-US" sz="4000" b="1" i="0" u="none" strike="noStrike" cap="none" spc="0" normalizeH="0" baseline="0">
-                <a:ln>
-                  <a:noFill/>
-                </a:ln>
-                <a:solidFill>
-                  <a:srgbClr val="000000"/>
-                </a:solidFill>
-                <a:effectLst/>
-                <a:uFillTx/>
-                <a:latin typeface="Helvetica Neue Medium"/>
-                <a:ea typeface="Helvetica Neue Medium"/>
-                <a:cs typeface="Helvetica Neue Medium"/>
-                <a:sym typeface="Helvetica Neue Medium"/>
-                <a:hlinkClick r:id="rId5" action="ppaction://hlinkfile"/>
-              </a:rPr>
-              <a:t>一般是使用了</a:t>
-            </a:r>
-            <a:r>
-              <a:rPr kumimoji="0" lang="en-US" altLang="zh-CN" sz="4000" b="1" i="0" u="none" strike="noStrike" cap="none" spc="0" normalizeH="0" baseline="0">
-                <a:ln>
-                  <a:noFill/>
-                </a:ln>
-                <a:solidFill>
-                  <a:srgbClr val="000000"/>
-                </a:solidFill>
-                <a:effectLst/>
-                <a:uFillTx/>
-                <a:latin typeface="Helvetica Neue Medium"/>
-                <a:ea typeface="Helvetica Neue Medium"/>
-                <a:cs typeface="Helvetica Neue Medium"/>
-                <a:sym typeface="Helvetica Neue Medium"/>
-                <a:hlinkClick r:id="rId5" action="ppaction://hlinkfile"/>
-              </a:rPr>
-              <a:t>lottie</a:t>
-            </a:r>
-            <a:r>
-              <a:rPr kumimoji="0" lang="zh-CN" altLang="en-US" sz="4000" b="1" i="0" u="none" strike="noStrike" cap="none" spc="0" normalizeH="0" baseline="0">
-                <a:ln>
-                  <a:noFill/>
-                </a:ln>
-                <a:solidFill>
-                  <a:srgbClr val="000000"/>
-                </a:solidFill>
-                <a:effectLst/>
-                <a:uFillTx/>
-                <a:latin typeface="Helvetica Neue Medium"/>
-                <a:ea typeface="Helvetica Neue Medium"/>
-                <a:cs typeface="Helvetica Neue Medium"/>
-                <a:sym typeface="Helvetica Neue Medium"/>
-                <a:hlinkClick r:id="rId5" action="ppaction://hlinkfile"/>
-              </a:rPr>
-              <a:t>不支持的特性，或视觉没按规范制作动画，导致</a:t>
-            </a:r>
-            <a:r>
-              <a:rPr kumimoji="0" lang="en-US" altLang="zh-CN" sz="4000" b="1" i="0" u="none" strike="noStrike" cap="none" spc="0" normalizeH="0" baseline="0">
-                <a:ln>
-                  <a:noFill/>
-                </a:ln>
-                <a:solidFill>
-                  <a:srgbClr val="000000"/>
-                </a:solidFill>
-                <a:effectLst/>
-                <a:uFillTx/>
-                <a:latin typeface="Helvetica Neue Medium"/>
-                <a:ea typeface="Helvetica Neue Medium"/>
-                <a:cs typeface="Helvetica Neue Medium"/>
-                <a:sym typeface="Helvetica Neue Medium"/>
-                <a:hlinkClick r:id="rId5" action="ppaction://hlinkfile"/>
-              </a:rPr>
-              <a:t>lottie</a:t>
-            </a:r>
-            <a:r>
-              <a:rPr kumimoji="0" lang="zh-CN" altLang="en-US" sz="4000" b="1" i="0" u="none" strike="noStrike" cap="none" spc="0" normalizeH="0" baseline="0">
-                <a:ln>
-                  <a:noFill/>
-                </a:ln>
-                <a:solidFill>
-                  <a:srgbClr val="000000"/>
-                </a:solidFill>
-                <a:effectLst/>
-                <a:uFillTx/>
-                <a:latin typeface="Helvetica Neue Medium"/>
-                <a:ea typeface="Helvetica Neue Medium"/>
-                <a:cs typeface="Helvetica Neue Medium"/>
-                <a:sym typeface="Helvetica Neue Medium"/>
-                <a:hlinkClick r:id="rId5" action="ppaction://hlinkfile"/>
-              </a:rPr>
-              <a:t>性能问题。</a:t>
-            </a:r>
-          </a:p>
-          <a:p>
-            <a:pPr marL="0" marR="0" indent="0" algn="l" defTabSz="825500" rtl="0" fontAlgn="auto" latinLnBrk="0" hangingPunct="0">
-              <a:lnSpc>
-                <a:spcPct val="100000"/>
-              </a:lnSpc>
-              <a:spcBef>
-                <a:spcPts val="0"/>
-              </a:spcBef>
-              <a:spcAft>
-                <a:spcPts val="0"/>
-              </a:spcAft>
-              <a:buClrTx/>
-              <a:buSzTx/>
-              <a:buFontTx/>
-              <a:buNone/>
-            </a:pPr>
-            <a:endParaRPr kumimoji="0" lang="zh-CN" altLang="en-US" sz="4000" b="1" i="0" u="none" strike="noStrike" cap="none" spc="0" normalizeH="0" baseline="0">
-              <a:ln>
-                <a:noFill/>
-              </a:ln>
-              <a:solidFill>
-                <a:srgbClr val="000000"/>
-              </a:solidFill>
-              <a:effectLst/>
-              <a:uFillTx/>
-              <a:latin typeface="Helvetica Neue Medium"/>
-              <a:ea typeface="Helvetica Neue Medium"/>
-              <a:cs typeface="Helvetica Neue Medium"/>
-              <a:sym typeface="Helvetica Neue Medium"/>
-            </a:endParaRPr>
-          </a:p>
-          <a:p>
-            <a:pPr marL="0" marR="0" indent="0" algn="l" defTabSz="825500" rtl="0" fontAlgn="auto" latinLnBrk="0" hangingPunct="0">
-              <a:lnSpc>
-                <a:spcPct val="100000"/>
-              </a:lnSpc>
-              <a:spcBef>
-                <a:spcPts val="0"/>
-              </a:spcBef>
-              <a:spcAft>
-                <a:spcPts val="0"/>
-              </a:spcAft>
-              <a:buClrTx/>
-              <a:buSzTx/>
-              <a:buFontTx/>
-              <a:buNone/>
-            </a:pPr>
-            <a:r>
-              <a:rPr kumimoji="0" lang="en-US" altLang="zh-CN" sz="4000" b="1" i="0" u="none" strike="noStrike" cap="none" spc="0" normalizeH="0" baseline="0">
-                <a:ln>
-                  <a:noFill/>
-                </a:ln>
-                <a:solidFill>
-                  <a:srgbClr val="000000"/>
-                </a:solidFill>
-                <a:effectLst/>
-                <a:uFillTx/>
-                <a:latin typeface="Helvetica Neue Medium"/>
-                <a:ea typeface="Helvetica Neue Medium"/>
-                <a:cs typeface="Helvetica Neue Medium"/>
-                <a:sym typeface="Helvetica Neue Medium"/>
-              </a:rPr>
-              <a:t>2. </a:t>
-            </a:r>
-            <a:r>
-              <a:rPr kumimoji="0" lang="zh-CN" altLang="en-US" sz="4000" b="1" i="0" u="none" strike="noStrike" cap="none" spc="0" normalizeH="0" baseline="0">
-                <a:ln>
-                  <a:noFill/>
-                </a:ln>
-                <a:solidFill>
-                  <a:srgbClr val="000000"/>
-                </a:solidFill>
-                <a:effectLst/>
-                <a:uFillTx/>
-                <a:latin typeface="Helvetica Neue Medium"/>
-                <a:ea typeface="Helvetica Neue Medium"/>
-                <a:cs typeface="Helvetica Neue Medium"/>
-                <a:sym typeface="Helvetica Neue Medium"/>
-              </a:rPr>
-              <a:t>为什么不用vue-lottie？</a:t>
-            </a:r>
-          </a:p>
-          <a:p>
-            <a:pPr marL="0" marR="0" indent="0" algn="l" defTabSz="825500" rtl="0" fontAlgn="auto" latinLnBrk="0" hangingPunct="0">
-              <a:lnSpc>
-                <a:spcPct val="100000"/>
-              </a:lnSpc>
-              <a:spcBef>
-                <a:spcPts val="0"/>
-              </a:spcBef>
-              <a:spcAft>
-                <a:spcPts val="0"/>
-              </a:spcAft>
-              <a:buClrTx/>
-              <a:buSzTx/>
-              <a:buFontTx/>
-              <a:buNone/>
-            </a:pPr>
-            <a:r>
-              <a:rPr kumimoji="0" lang="en-US" altLang="zh-CN" sz="4000" b="1" i="0" u="none" strike="noStrike" cap="none" spc="0" normalizeH="0" baseline="0">
-                <a:ln>
-                  <a:noFill/>
-                </a:ln>
-                <a:solidFill>
-                  <a:srgbClr val="000000"/>
-                </a:solidFill>
-                <a:effectLst/>
-                <a:uFillTx/>
-                <a:latin typeface="Helvetica Neue Medium"/>
-                <a:ea typeface="Helvetica Neue Medium"/>
-                <a:cs typeface="Helvetica Neue Medium"/>
-                <a:sym typeface="Helvetica Neue Medium"/>
-              </a:rPr>
-              <a:t>	</a:t>
-            </a:r>
-            <a:r>
-              <a:rPr kumimoji="0" lang="zh-CN" altLang="en-US" sz="4000" b="1" i="0" u="none" strike="noStrike" cap="none" spc="0" normalizeH="0" baseline="0">
-                <a:ln>
-                  <a:noFill/>
-                </a:ln>
-                <a:solidFill>
-                  <a:srgbClr val="000000"/>
-                </a:solidFill>
-                <a:effectLst/>
-                <a:uFillTx/>
-                <a:latin typeface="Helvetica Neue Medium"/>
-                <a:ea typeface="Helvetica Neue Medium"/>
-                <a:cs typeface="Helvetica Neue Medium"/>
-                <a:sym typeface="Helvetica Neue Medium"/>
-                <a:hlinkClick r:id="rId6" action="ppaction://hlinkfile"/>
-              </a:rPr>
-              <a:t>看代码</a:t>
-            </a:r>
-          </a:p>
-          <a:p>
-            <a:pPr marL="0" marR="0" indent="0" algn="l" defTabSz="825500" rtl="0" fontAlgn="auto" latinLnBrk="0" hangingPunct="0">
-              <a:lnSpc>
-                <a:spcPct val="100000"/>
-              </a:lnSpc>
-              <a:spcBef>
-                <a:spcPts val="0"/>
-              </a:spcBef>
-              <a:spcAft>
-                <a:spcPts val="0"/>
-              </a:spcAft>
-              <a:buClrTx/>
-              <a:buSzTx/>
-              <a:buFontTx/>
-              <a:buNone/>
-            </a:pPr>
-            <a:endParaRPr kumimoji="0" lang="zh-CN" altLang="en-US" sz="4000" b="1" i="0" u="none" strike="noStrike" cap="none" spc="0" normalizeH="0" baseline="0">
-              <a:ln>
-                <a:noFill/>
-              </a:ln>
-              <a:solidFill>
-                <a:srgbClr val="000000"/>
-              </a:solidFill>
-              <a:effectLst/>
-              <a:uFillTx/>
-              <a:latin typeface="Helvetica Neue Medium"/>
-              <a:ea typeface="Helvetica Neue Medium"/>
-              <a:cs typeface="Helvetica Neue Medium"/>
-              <a:sym typeface="Helvetica Neue Medium"/>
-            </a:endParaRPr>
-          </a:p>
-          <a:p>
-            <a:pPr marL="0" marR="0" indent="0" algn="l" defTabSz="825500" rtl="0" fontAlgn="auto" latinLnBrk="0" hangingPunct="0">
-              <a:lnSpc>
-                <a:spcPct val="100000"/>
-              </a:lnSpc>
-              <a:spcBef>
-                <a:spcPts val="0"/>
-              </a:spcBef>
-              <a:spcAft>
-                <a:spcPts val="0"/>
-              </a:spcAft>
-              <a:buClrTx/>
-              <a:buSzTx/>
-              <a:buFontTx/>
-              <a:buNone/>
-            </a:pPr>
-            <a:r>
-              <a:rPr kumimoji="0" lang="en-US" altLang="zh-CN" sz="4000" b="1" i="0" u="none" strike="noStrike" cap="none" spc="0" normalizeH="0" baseline="0">
-                <a:ln>
-                  <a:noFill/>
-                </a:ln>
-                <a:solidFill>
-                  <a:srgbClr val="000000"/>
-                </a:solidFill>
-                <a:effectLst/>
-                <a:uFillTx/>
-                <a:latin typeface="Helvetica Neue Medium"/>
-                <a:ea typeface="Helvetica Neue Medium"/>
-                <a:cs typeface="Helvetica Neue Medium"/>
-                <a:sym typeface="Helvetica Neue Medium"/>
-              </a:rPr>
-              <a:t>3. </a:t>
-            </a:r>
-            <a:r>
-              <a:rPr kumimoji="0" lang="zh-CN" altLang="en-US" sz="4000" b="1" i="0" u="none" strike="noStrike" cap="none" spc="0" normalizeH="0" baseline="0">
-                <a:ln>
-                  <a:noFill/>
-                </a:ln>
-                <a:solidFill>
-                  <a:srgbClr val="000000"/>
-                </a:solidFill>
-                <a:effectLst/>
-                <a:uFillTx/>
-                <a:latin typeface="Helvetica Neue Medium"/>
-                <a:ea typeface="Helvetica Neue Medium"/>
-                <a:cs typeface="Helvetica Neue Medium"/>
-                <a:sym typeface="Helvetica Neue Medium"/>
-              </a:rPr>
-              <a:t>什么情况下适合用</a:t>
-            </a:r>
-            <a:r>
-              <a:rPr kumimoji="0" lang="en-US" altLang="zh-CN" sz="4000" b="1" i="0" u="none" strike="noStrike" cap="none" spc="0" normalizeH="0" baseline="0">
-                <a:ln>
-                  <a:noFill/>
-                </a:ln>
-                <a:solidFill>
-                  <a:srgbClr val="000000"/>
-                </a:solidFill>
-                <a:effectLst/>
-                <a:uFillTx/>
-                <a:latin typeface="Helvetica Neue Medium"/>
-                <a:ea typeface="Helvetica Neue Medium"/>
-                <a:cs typeface="Helvetica Neue Medium"/>
-                <a:sym typeface="Helvetica Neue Medium"/>
-              </a:rPr>
-              <a:t>lottie</a:t>
-            </a:r>
-            <a:r>
-              <a:rPr kumimoji="0" lang="zh-CN" altLang="en-US" sz="4000" b="1" i="0" u="none" strike="noStrike" cap="none" spc="0" normalizeH="0" baseline="0">
-                <a:ln>
-                  <a:noFill/>
-                </a:ln>
-                <a:solidFill>
-                  <a:srgbClr val="000000"/>
-                </a:solidFill>
-                <a:effectLst/>
-                <a:uFillTx/>
-                <a:latin typeface="Helvetica Neue Medium"/>
-                <a:ea typeface="宋体" charset="0"/>
-                <a:cs typeface="Helvetica Neue Medium"/>
-                <a:sym typeface="Helvetica Neue Medium"/>
-              </a:rPr>
-              <a:t>？</a:t>
-            </a:r>
-          </a:p>
-          <a:p>
-            <a:pPr marL="0" marR="0" indent="0" algn="l" defTabSz="825500" rtl="0" fontAlgn="auto" latinLnBrk="0" hangingPunct="0">
-              <a:lnSpc>
-                <a:spcPct val="100000"/>
-              </a:lnSpc>
-              <a:spcBef>
-                <a:spcPts val="0"/>
-              </a:spcBef>
-              <a:spcAft>
-                <a:spcPts val="0"/>
-              </a:spcAft>
-              <a:buClrTx/>
-              <a:buSzTx/>
-              <a:buFontTx/>
-              <a:buNone/>
-            </a:pPr>
-            <a:r>
-              <a:rPr kumimoji="0" lang="en-US" altLang="zh-CN" sz="4000" b="1" i="0" u="none" strike="noStrike" cap="none" spc="0" normalizeH="0" baseline="0">
-                <a:ln>
-                  <a:noFill/>
-                </a:ln>
-                <a:solidFill>
-                  <a:srgbClr val="000000"/>
-                </a:solidFill>
-                <a:effectLst/>
-                <a:uFillTx/>
-                <a:latin typeface="Helvetica Neue Medium"/>
-                <a:ea typeface="宋体" charset="0"/>
-                <a:cs typeface="Helvetica Neue Medium"/>
-                <a:sym typeface="Helvetica Neue Medium"/>
-              </a:rPr>
-              <a:t>	lottie</a:t>
-            </a:r>
-            <a:r>
-              <a:rPr kumimoji="0" lang="zh-CN" altLang="en-US" sz="4000" b="1" i="0" u="none" strike="noStrike" cap="none" spc="0" normalizeH="0" baseline="0">
-                <a:ln>
-                  <a:noFill/>
-                </a:ln>
-                <a:solidFill>
-                  <a:srgbClr val="000000"/>
-                </a:solidFill>
-                <a:effectLst/>
-                <a:uFillTx/>
-                <a:latin typeface="Helvetica Neue Medium"/>
-                <a:ea typeface="宋体" charset="0"/>
-                <a:cs typeface="Helvetica Neue Medium"/>
-                <a:sym typeface="Helvetica Neue Medium"/>
-              </a:rPr>
-              <a:t>本身很大，且如果</a:t>
-            </a:r>
-            <a:r>
-              <a:rPr kumimoji="0" lang="en-US" altLang="zh-CN" sz="4000" b="1" i="0" u="none" strike="noStrike" cap="none" spc="0" normalizeH="0" baseline="0">
-                <a:ln>
-                  <a:noFill/>
-                </a:ln>
-                <a:solidFill>
-                  <a:srgbClr val="000000"/>
-                </a:solidFill>
-                <a:effectLst/>
-                <a:uFillTx/>
-                <a:latin typeface="Helvetica Neue Medium"/>
-                <a:ea typeface="宋体" charset="0"/>
-                <a:cs typeface="Helvetica Neue Medium"/>
-                <a:sym typeface="Helvetica Neue Medium"/>
-              </a:rPr>
-              <a:t>AE</a:t>
-            </a:r>
-            <a:r>
-              <a:rPr kumimoji="0" lang="zh-CN" altLang="en-US" sz="4000" b="1" i="0" u="none" strike="noStrike" cap="none" spc="0" normalizeH="0" baseline="0">
-                <a:ln>
-                  <a:noFill/>
-                </a:ln>
-                <a:solidFill>
-                  <a:srgbClr val="000000"/>
-                </a:solidFill>
-                <a:effectLst/>
-                <a:uFillTx/>
-                <a:latin typeface="Helvetica Neue Medium"/>
-                <a:ea typeface="宋体" charset="0"/>
-                <a:cs typeface="Helvetica Neue Medium"/>
-                <a:sym typeface="Helvetica Neue Medium"/>
-              </a:rPr>
-              <a:t>动画不规范，容易有性能问题。</a:t>
-            </a:r>
-            <a:r>
-              <a:rPr kumimoji="0" lang="en-US" altLang="zh-CN" sz="4000" b="1" i="0" u="none" strike="noStrike" cap="none" spc="0" normalizeH="0" baseline="0">
-                <a:ln>
-                  <a:noFill/>
-                </a:ln>
-                <a:solidFill>
-                  <a:srgbClr val="000000"/>
-                </a:solidFill>
-                <a:effectLst/>
-                <a:uFillTx/>
-                <a:latin typeface="Helvetica Neue Medium"/>
-                <a:ea typeface="宋体" charset="0"/>
-                <a:cs typeface="Helvetica Neue Medium"/>
-                <a:sym typeface="Helvetica Neue Medium"/>
-              </a:rPr>
-              <a:t>——</a:t>
-            </a:r>
-            <a:r>
-              <a:rPr kumimoji="0" lang="zh-CN" altLang="en-US" sz="4000" b="1" i="0" u="none" strike="noStrike" cap="none" spc="0" normalizeH="0" baseline="0">
-                <a:ln>
-                  <a:noFill/>
-                </a:ln>
-                <a:solidFill>
-                  <a:srgbClr val="000000"/>
-                </a:solidFill>
-                <a:effectLst/>
-                <a:uFillTx/>
-                <a:latin typeface="Helvetica Neue Medium"/>
-                <a:ea typeface="宋体" charset="0"/>
-                <a:cs typeface="Helvetica Neue Medium"/>
-                <a:sym typeface="Helvetica Neue Medium"/>
-              </a:rPr>
-              <a:t>简单动画考虑直接用</a:t>
-            </a:r>
-            <a:r>
-              <a:rPr kumimoji="0" lang="en-US" altLang="zh-CN" sz="4000" b="1" i="0" u="none" strike="noStrike" cap="none" spc="0" normalizeH="0" baseline="0">
-                <a:ln>
-                  <a:noFill/>
-                </a:ln>
-                <a:solidFill>
-                  <a:srgbClr val="000000"/>
-                </a:solidFill>
-                <a:effectLst/>
-                <a:uFillTx/>
-                <a:latin typeface="Helvetica Neue Medium"/>
-                <a:ea typeface="宋体" charset="0"/>
-                <a:cs typeface="Helvetica Neue Medium"/>
-                <a:sym typeface="Helvetica Neue Medium"/>
-              </a:rPr>
-              <a:t>css</a:t>
-            </a:r>
-            <a:r>
-              <a:rPr kumimoji="0" lang="zh-CN" altLang="en-US" sz="4000" b="1" i="0" u="none" strike="noStrike" cap="none" spc="0" normalizeH="0" baseline="0">
-                <a:ln>
-                  <a:noFill/>
-                </a:ln>
-                <a:solidFill>
-                  <a:srgbClr val="000000"/>
-                </a:solidFill>
-                <a:effectLst/>
-                <a:uFillTx/>
-                <a:latin typeface="Helvetica Neue Medium"/>
-                <a:ea typeface="宋体" charset="0"/>
-                <a:cs typeface="Helvetica Neue Medium"/>
-                <a:sym typeface="Helvetica Neue Medium"/>
-              </a:rPr>
-              <a:t>处理，复杂动画可以考虑</a:t>
-            </a:r>
-            <a:r>
-              <a:rPr kumimoji="0" lang="en-US" altLang="zh-CN" sz="4000" b="1" i="0" u="none" strike="noStrike" cap="none" spc="0" normalizeH="0" baseline="0">
-                <a:ln>
-                  <a:noFill/>
-                </a:ln>
-                <a:solidFill>
-                  <a:srgbClr val="000000"/>
-                </a:solidFill>
-                <a:effectLst/>
-                <a:uFillTx/>
-                <a:latin typeface="Helvetica Neue Medium"/>
-                <a:ea typeface="宋体" charset="0"/>
-                <a:cs typeface="Helvetica Neue Medium"/>
-                <a:sym typeface="Helvetica Neue Medium"/>
-              </a:rPr>
-              <a:t>lottie</a:t>
-            </a:r>
-            <a:r>
-              <a:rPr kumimoji="0" lang="zh-CN" altLang="en-US" sz="4000" b="1" i="0" u="none" strike="noStrike" cap="none" spc="0" normalizeH="0" baseline="0">
-                <a:ln>
-                  <a:noFill/>
-                </a:ln>
-                <a:solidFill>
-                  <a:srgbClr val="000000"/>
-                </a:solidFill>
-                <a:effectLst/>
-                <a:uFillTx/>
-                <a:latin typeface="Helvetica Neue Medium"/>
-                <a:ea typeface="宋体" charset="0"/>
-                <a:cs typeface="Helvetica Neue Medium"/>
-                <a:sym typeface="Helvetica Neue Medium"/>
-              </a:rPr>
-              <a:t>。</a:t>
-            </a:r>
-          </a:p>
-        </p:txBody>
-      </p:sp>
+        </p:spPr>
+      </p:pic>
     </p:spTree>
   </p:cSld>
   <p:clrMapOvr>
@@ -6898,7 +6265,7 @@
         <p:spPr>
           <a:xfrm>
             <a:off x="1144625" y="689667"/>
-            <a:ext cx="1475740" cy="932180"/>
+            <a:ext cx="8290560" cy="932180"/>
           </a:xfrm>
           <a:prstGeom prst="rect">
             <a:avLst/>
@@ -6936,7 +6303,55 @@
                 <a:cs typeface="Helvetica Neue Medium"/>
                 <a:sym typeface="Helvetica Neue Medium"/>
               </a:rPr>
-              <a:t>总结</a:t>
+              <a:t>考拉豆</a:t>
+            </a:r>
+            <a:r>
+              <a:rPr lang="en-US" altLang="zh-CN" sz="5400" b="1">
+                <a:solidFill>
+                  <a:schemeClr val="bg1"/>
+                </a:solidFill>
+                <a:latin typeface="Helvetica Neue Medium"/>
+                <a:ea typeface="Helvetica Neue Medium"/>
+                <a:cs typeface="Helvetica Neue Medium"/>
+                <a:sym typeface="Helvetica Neue Medium"/>
+              </a:rPr>
+              <a:t>lottie</a:t>
+            </a:r>
+            <a:r>
+              <a:rPr lang="zh-CN" altLang="en-US" sz="5400" b="1">
+                <a:solidFill>
+                  <a:schemeClr val="bg1"/>
+                </a:solidFill>
+                <a:latin typeface="Helvetica Neue Medium"/>
+                <a:ea typeface="Helvetica Neue Medium"/>
+                <a:cs typeface="Helvetica Neue Medium"/>
+                <a:sym typeface="Helvetica Neue Medium"/>
+              </a:rPr>
+              <a:t>使用</a:t>
+            </a:r>
+            <a:r>
+              <a:rPr lang="en-US" altLang="zh-CN" sz="5400" b="1">
+                <a:solidFill>
+                  <a:schemeClr val="bg1"/>
+                </a:solidFill>
+                <a:latin typeface="Helvetica Neue Medium"/>
+                <a:ea typeface="Helvetica Neue Medium"/>
+                <a:cs typeface="Helvetica Neue Medium"/>
+                <a:sym typeface="Helvetica Neue Medium"/>
+              </a:rPr>
+              <a:t>-</a:t>
+            </a:r>
+            <a:r>
+              <a:rPr lang="zh-CN" altLang="en-US" sz="5400" b="1">
+                <a:solidFill>
+                  <a:schemeClr val="bg1"/>
+                </a:solidFill>
+                <a:latin typeface="Helvetica Neue Medium"/>
+                <a:ea typeface="Helvetica Neue Medium"/>
+                <a:cs typeface="Helvetica Neue Medium"/>
+                <a:sym typeface="Helvetica Neue Medium"/>
+              </a:rPr>
+              <a:t>踩过的坑</a:t>
             </a:r>
           </a:p>
         </p:txBody>
@@ -7017,8 +6432,8 @@
         </p:nvSpPr>
         <p:spPr>
           <a:xfrm>
-            <a:off x="1144905" y="3440113"/>
-            <a:ext cx="20107275" cy="3179445"/>
+            <a:off x="1144905" y="3579813"/>
+            <a:ext cx="20654645" cy="8103870"/>
           </a:xfrm>
           <a:prstGeom prst="rect">
             <a:avLst/>
@@ -7063,6 +6478,40 @@
               <a:buNone/>
             </a:pPr>
             <a:r>
+              <a:rPr kumimoji="0" lang="zh-CN" altLang="en-US" sz="4000" b="1" i="0" u="none" strike="noStrike" cap="none" spc="0" normalizeH="0" baseline="0">
+                <a:ln>
+                  <a:noFill/>
+                </a:ln>
+                <a:solidFill>
+                  <a:srgbClr val="000000"/>
+                </a:solidFill>
+                <a:effectLst/>
+                <a:uFillTx/>
+                <a:latin typeface="Helvetica Neue Medium"/>
+                <a:ea typeface="Helvetica Neue Medium"/>
+                <a:cs typeface="Helvetica Neue Medium"/>
+                <a:sym typeface="Helvetica Neue Medium"/>
+              </a:rPr>
+              <a:t>优化：</a:t>
+            </a:r>
+          </a:p>
+          <a:p>
+            <a:pPr marL="0" marR="0" indent="0" algn="l" defTabSz="825500" rtl="0" fontAlgn="auto" latinLnBrk="0" hangingPunct="0">
+              <a:lnSpc>
+                <a:spcPct val="100000"/>
+              </a:lnSpc>
+              <a:spcBef>
+                <a:spcPts val="0"/>
+              </a:spcBef>
+              <a:spcAft>
+                <a:spcPts val="0"/>
+              </a:spcAft>
+              <a:buClrTx/>
+              <a:buSzTx/>
+              <a:buFontTx/>
+              <a:buNone/>
+            </a:pPr>
+            <a:r>
               <a:rPr kumimoji="0" lang="en-US" altLang="zh-CN" sz="4000" b="1" i="0" u="none" strike="noStrike" cap="none" spc="0" normalizeH="0" baseline="0">
                 <a:ln>
                   <a:noFill/>
@@ -7094,7 +6543,7 @@
                 <a:cs typeface="Helvetica Neue Medium"/>
                 <a:sym typeface="Helvetica Neue Medium"/>
               </a:rPr>
-              <a:t>确实能极大节省开发时间，但是太过依赖视觉（除非自己能搞</a:t>
+              <a:t>只引用</a:t>
             </a:r>
             <a:r>
               <a:rPr kumimoji="0" lang="en-US" altLang="zh-CN" sz="4000" b="1" i="0" u="none" strike="noStrike" cap="none" spc="0" normalizeH="0" baseline="0">
@@ -7111,7 +6560,55 @@
                 <a:cs typeface="Helvetica Neue Medium"/>
                 <a:sym typeface="Helvetica Neue Medium"/>
               </a:rPr>
-              <a:t>AE</a:t>
+              <a:t>lottie_svg</a:t>
+            </a:r>
+            <a:endParaRPr kumimoji="0" lang="zh-CN" altLang="en-US" sz="4000" b="1" i="0" u="none" strike="noStrike" cap="none" spc="0" normalizeH="0" baseline="0">
+              <a:ln>
+                <a:noFill/>
+              </a:ln>
+              <a:solidFill>
+                <a:srgbClr val="000000"/>
+              </a:solidFill>
+              <a:effectLst/>
+              <a:uFillTx/>
+              <a:latin typeface="Helvetica Neue Medium"/>
+              <a:ea typeface="Helvetica Neue Medium"/>
+              <a:cs typeface="Helvetica Neue Medium"/>
+              <a:sym typeface="Helvetica Neue Medium"/>
+            </a:endParaRPr>
+          </a:p>
+          <a:p>
+            <a:pPr marL="0" marR="0" indent="0" algn="l" defTabSz="825500" rtl="0" fontAlgn="auto" latinLnBrk="0" hangingPunct="0">
+              <a:lnSpc>
+                <a:spcPct val="100000"/>
+              </a:lnSpc>
+              <a:spcBef>
+                <a:spcPts val="0"/>
+              </a:spcBef>
+              <a:spcAft>
+                <a:spcPts val="0"/>
+              </a:spcAft>
+              <a:buClrTx/>
+              <a:buSzTx/>
+              <a:buFontTx/>
+              <a:buNone/>
+            </a:pPr>
+            <a:r>
+              <a:rPr kumimoji="0" lang="en-US" altLang="zh-CN" sz="4000" b="1" i="0" u="none" strike="noStrike" cap="none" spc="0" normalizeH="0" baseline="0">
+                <a:ln>
+                  <a:noFill/>
+                </a:ln>
+                <a:solidFill>
+                  <a:srgbClr val="000000"/>
+                </a:solidFill>
+                <a:effectLst/>
+                <a:uFillTx/>
+                <a:latin typeface="Helvetica Neue Medium"/>
+                <a:ea typeface="Helvetica Neue Medium"/>
+                <a:cs typeface="Helvetica Neue Medium"/>
+                <a:sym typeface="Helvetica Neue Medium"/>
+              </a:rPr>
+              <a:t>2. </a:t>
             </a:r>
             <a:r>
               <a:rPr kumimoji="0" lang="zh-CN" altLang="en-US" sz="4000" b="1" i="0" u="none" strike="noStrike" cap="none" spc="0" normalizeH="0" baseline="0">
@@ -7128,7 +6625,1349 @@
                 <a:cs typeface="Helvetica Neue Medium"/>
                 <a:sym typeface="Helvetica Neue Medium"/>
               </a:rPr>
-              <a:t>）。</a:t>
+              <a:t>代码分割</a:t>
+            </a:r>
+          </a:p>
+          <a:p>
+            <a:pPr marL="0" marR="0" indent="0" algn="l" defTabSz="825500" rtl="0" fontAlgn="auto" latinLnBrk="0" hangingPunct="0">
+              <a:lnSpc>
+                <a:spcPct val="100000"/>
+              </a:lnSpc>
+              <a:spcBef>
+                <a:spcPts val="0"/>
+              </a:spcBef>
+              <a:spcAft>
+                <a:spcPts val="0"/>
+              </a:spcAft>
+              <a:buClrTx/>
+              <a:buSzTx/>
+              <a:buFontTx/>
+              <a:buNone/>
+            </a:pPr>
+            <a:r>
+              <a:rPr kumimoji="0" lang="en-US" altLang="zh-CN" sz="4000" b="1" i="0" u="none" strike="noStrike" cap="none" spc="0" normalizeH="0" baseline="0">
+                <a:ln>
+                  <a:noFill/>
+                </a:ln>
+                <a:solidFill>
+                  <a:srgbClr val="000000"/>
+                </a:solidFill>
+                <a:effectLst/>
+                <a:uFillTx/>
+                <a:latin typeface="Helvetica Neue Medium"/>
+                <a:ea typeface="Helvetica Neue Medium"/>
+                <a:cs typeface="Helvetica Neue Medium"/>
+                <a:sym typeface="Helvetica Neue Medium"/>
+              </a:rPr>
+              <a:t>3. </a:t>
+            </a:r>
+            <a:r>
+              <a:rPr kumimoji="0" lang="zh-CN" altLang="en-US" sz="4000" b="1" i="0" u="none" strike="noStrike" cap="none" spc="0" normalizeH="0" baseline="0">
+                <a:ln>
+                  <a:noFill/>
+                </a:ln>
+                <a:solidFill>
+                  <a:srgbClr val="000000"/>
+                </a:solidFill>
+                <a:effectLst/>
+                <a:uFillTx/>
+                <a:latin typeface="Helvetica Neue Medium"/>
+                <a:ea typeface="Helvetica Neue Medium"/>
+                <a:cs typeface="Helvetica Neue Medium"/>
+                <a:sym typeface="Helvetica Neue Medium"/>
+              </a:rPr>
+              <a:t>播放结束后销毁</a:t>
+            </a:r>
+          </a:p>
+          <a:p>
+            <a:pPr marL="0" marR="0" indent="0" algn="l" defTabSz="825500" rtl="0" fontAlgn="auto" latinLnBrk="0" hangingPunct="0">
+              <a:lnSpc>
+                <a:spcPct val="100000"/>
+              </a:lnSpc>
+              <a:spcBef>
+                <a:spcPts val="0"/>
+              </a:spcBef>
+              <a:spcAft>
+                <a:spcPts val="0"/>
+              </a:spcAft>
+              <a:buClrTx/>
+              <a:buSzTx/>
+              <a:buFontTx/>
+              <a:buNone/>
+            </a:pPr>
+            <a:r>
+              <a:rPr kumimoji="0" lang="en-US" altLang="zh-CN" sz="4000" b="1" i="0" u="none" strike="noStrike" cap="none" spc="0" normalizeH="0" baseline="0">
+                <a:ln>
+                  <a:noFill/>
+                </a:ln>
+                <a:solidFill>
+                  <a:srgbClr val="000000"/>
+                </a:solidFill>
+                <a:effectLst/>
+                <a:uFillTx/>
+                <a:latin typeface="Helvetica Neue Medium"/>
+                <a:ea typeface="Helvetica Neue Medium"/>
+                <a:cs typeface="Helvetica Neue Medium"/>
+                <a:sym typeface="Helvetica Neue Medium"/>
+              </a:rPr>
+              <a:t>4. </a:t>
+            </a:r>
+            <a:r>
+              <a:rPr kumimoji="0" lang="zh-CN" altLang="en-US" sz="4000" b="1" i="0" u="none" strike="noStrike" cap="none" spc="0" normalizeH="0" baseline="0">
+                <a:ln>
+                  <a:noFill/>
+                </a:ln>
+                <a:solidFill>
+                  <a:srgbClr val="000000"/>
+                </a:solidFill>
+                <a:effectLst/>
+                <a:uFillTx/>
+                <a:latin typeface="Helvetica Neue Medium"/>
+                <a:ea typeface="Helvetica Neue Medium"/>
+                <a:cs typeface="Helvetica Neue Medium"/>
+                <a:sym typeface="Helvetica Neue Medium"/>
+              </a:rPr>
+              <a:t>尽可能降低质量，提高性能。</a:t>
+            </a:r>
+          </a:p>
+          <a:p>
+            <a:pPr marL="0" marR="0" indent="0" algn="l" defTabSz="825500" rtl="0" fontAlgn="auto" latinLnBrk="0" hangingPunct="0">
+              <a:lnSpc>
+                <a:spcPct val="100000"/>
+              </a:lnSpc>
+              <a:spcBef>
+                <a:spcPts val="0"/>
+              </a:spcBef>
+              <a:spcAft>
+                <a:spcPts val="0"/>
+              </a:spcAft>
+              <a:buClrTx/>
+              <a:buSzTx/>
+              <a:buFontTx/>
+              <a:buNone/>
+            </a:pPr>
+            <a:r>
+              <a:rPr kumimoji="0" lang="en-US" altLang="zh-CN" sz="4000" b="1" i="0" u="none" strike="noStrike" cap="none" spc="0" normalizeH="0" baseline="0">
+                <a:ln>
+                  <a:noFill/>
+                </a:ln>
+                <a:solidFill>
+                  <a:srgbClr val="000000"/>
+                </a:solidFill>
+                <a:effectLst/>
+                <a:uFillTx/>
+                <a:latin typeface="Helvetica Neue Medium"/>
+                <a:ea typeface="Helvetica Neue Medium"/>
+                <a:cs typeface="Helvetica Neue Medium"/>
+                <a:sym typeface="Helvetica Neue Medium"/>
+              </a:rPr>
+              <a:t>5. </a:t>
+            </a:r>
+            <a:r>
+              <a:rPr kumimoji="0" lang="zh-CN" altLang="en-US" sz="4000" b="1" i="0" u="none" strike="noStrike" cap="none" spc="0" normalizeH="0" baseline="0">
+                <a:ln>
+                  <a:noFill/>
+                </a:ln>
+                <a:solidFill>
+                  <a:srgbClr val="000000"/>
+                </a:solidFill>
+                <a:effectLst/>
+                <a:uFillTx/>
+                <a:latin typeface="Helvetica Neue Medium"/>
+                <a:ea typeface="Helvetica Neue Medium"/>
+                <a:cs typeface="Helvetica Neue Medium"/>
+                <a:sym typeface="Helvetica Neue Medium"/>
+              </a:rPr>
+              <a:t>压缩资源图片</a:t>
+            </a:r>
+            <a:endParaRPr kumimoji="0" lang="en-US" altLang="zh-CN" sz="4000" b="1" i="0" u="none" strike="noStrike" cap="none" spc="0" normalizeH="0" baseline="0">
+              <a:ln>
+                <a:noFill/>
+              </a:ln>
+              <a:solidFill>
+                <a:srgbClr val="000000"/>
+              </a:solidFill>
+              <a:effectLst/>
+              <a:uFillTx/>
+              <a:latin typeface="Helvetica Neue Medium"/>
+              <a:ea typeface="Helvetica Neue Medium"/>
+              <a:cs typeface="Helvetica Neue Medium"/>
+              <a:sym typeface="Helvetica Neue Medium"/>
+            </a:endParaRPr>
+          </a:p>
+          <a:p>
+            <a:pPr marL="0" marR="0" indent="0" algn="l" defTabSz="825500" rtl="0" fontAlgn="auto" latinLnBrk="0" hangingPunct="0">
+              <a:lnSpc>
+                <a:spcPct val="100000"/>
+              </a:lnSpc>
+              <a:spcBef>
+                <a:spcPts val="0"/>
+              </a:spcBef>
+              <a:spcAft>
+                <a:spcPts val="0"/>
+              </a:spcAft>
+              <a:buClrTx/>
+              <a:buSzTx/>
+              <a:buFontTx/>
+              <a:buNone/>
+            </a:pPr>
+            <a:endParaRPr kumimoji="0" lang="en-US" altLang="zh-CN" sz="4000" b="1" i="0" u="none" strike="noStrike" cap="none" spc="0" normalizeH="0" baseline="0">
+              <a:ln>
+                <a:noFill/>
+              </a:ln>
+              <a:solidFill>
+                <a:srgbClr val="000000"/>
+              </a:solidFill>
+              <a:effectLst/>
+              <a:uFillTx/>
+              <a:latin typeface="Helvetica Neue Medium"/>
+              <a:ea typeface="Helvetica Neue Medium"/>
+              <a:cs typeface="Helvetica Neue Medium"/>
+              <a:sym typeface="Helvetica Neue Medium"/>
+            </a:endParaRPr>
+          </a:p>
+          <a:p>
+            <a:pPr marL="0" marR="0" indent="0" algn="l" defTabSz="825500" rtl="0" fontAlgn="auto" latinLnBrk="0" hangingPunct="0">
+              <a:lnSpc>
+                <a:spcPct val="100000"/>
+              </a:lnSpc>
+              <a:spcBef>
+                <a:spcPts val="0"/>
+              </a:spcBef>
+              <a:spcAft>
+                <a:spcPts val="0"/>
+              </a:spcAft>
+              <a:buClrTx/>
+              <a:buSzTx/>
+              <a:buFontTx/>
+              <a:buNone/>
+            </a:pPr>
+            <a:r>
+              <a:rPr kumimoji="0" lang="zh-CN" altLang="en-US" sz="4000" b="1" i="0" u="none" strike="noStrike" cap="none" spc="0" normalizeH="0" baseline="0">
+                <a:ln>
+                  <a:noFill/>
+                </a:ln>
+                <a:solidFill>
+                  <a:srgbClr val="000000"/>
+                </a:solidFill>
+                <a:effectLst/>
+                <a:uFillTx/>
+                <a:latin typeface="Helvetica Neue Medium"/>
+                <a:ea typeface="Helvetica Neue Medium"/>
+                <a:cs typeface="Helvetica Neue Medium"/>
+                <a:sym typeface="Helvetica Neue Medium"/>
+              </a:rPr>
+              <a:t>坑：</a:t>
+            </a:r>
+            <a:endParaRPr kumimoji="0" lang="en-US" altLang="zh-CN" sz="4000" b="1" i="0" u="none" strike="noStrike" cap="none" spc="0" normalizeH="0" baseline="0">
+              <a:ln>
+                <a:noFill/>
+              </a:ln>
+              <a:solidFill>
+                <a:srgbClr val="000000"/>
+              </a:solidFill>
+              <a:effectLst/>
+              <a:uFillTx/>
+              <a:latin typeface="Helvetica Neue Medium"/>
+              <a:ea typeface="Helvetica Neue Medium"/>
+              <a:cs typeface="Helvetica Neue Medium"/>
+              <a:sym typeface="Helvetica Neue Medium"/>
+            </a:endParaRPr>
+          </a:p>
+          <a:p>
+            <a:pPr marL="0" marR="0" indent="0" algn="l" defTabSz="825500" rtl="0" fontAlgn="auto" latinLnBrk="0" hangingPunct="0">
+              <a:lnSpc>
+                <a:spcPct val="100000"/>
+              </a:lnSpc>
+              <a:spcBef>
+                <a:spcPts val="0"/>
+              </a:spcBef>
+              <a:spcAft>
+                <a:spcPts val="0"/>
+              </a:spcAft>
+              <a:buClrTx/>
+              <a:buSzTx/>
+              <a:buFontTx/>
+              <a:buNone/>
+            </a:pPr>
+            <a:r>
+              <a:rPr kumimoji="0" lang="en-US" altLang="zh-CN" sz="4000" b="1" i="0" u="none" strike="noStrike" cap="none" spc="0" normalizeH="0" baseline="0">
+                <a:ln>
+                  <a:noFill/>
+                </a:ln>
+                <a:solidFill>
+                  <a:srgbClr val="000000"/>
+                </a:solidFill>
+                <a:effectLst/>
+                <a:uFillTx/>
+                <a:latin typeface="Helvetica Neue Medium"/>
+                <a:ea typeface="Helvetica Neue Medium"/>
+                <a:cs typeface="Helvetica Neue Medium"/>
+                <a:sym typeface="Helvetica Neue Medium"/>
+              </a:rPr>
+              <a:t>1. </a:t>
+            </a:r>
+            <a:r>
+              <a:rPr kumimoji="0" lang="zh-CN" altLang="en-US" sz="4000" b="1" i="0" u="none" strike="noStrike" cap="none" spc="0" normalizeH="0" baseline="0">
+                <a:ln>
+                  <a:noFill/>
+                </a:ln>
+                <a:solidFill>
+                  <a:srgbClr val="000000"/>
+                </a:solidFill>
+                <a:effectLst/>
+                <a:uFillTx/>
+                <a:latin typeface="Helvetica Neue Medium"/>
+                <a:ea typeface="Helvetica Neue Medium"/>
+                <a:cs typeface="Helvetica Neue Medium"/>
+                <a:sym typeface="Helvetica Neue Medium"/>
+              </a:rPr>
+              <a:t>视觉使用了</a:t>
+            </a:r>
+            <a:r>
+              <a:rPr kumimoji="0" lang="en-US" altLang="zh-CN" sz="4000" b="1" i="0" u="none" strike="noStrike" cap="none" spc="0" normalizeH="0" baseline="0">
+                <a:ln>
+                  <a:noFill/>
+                </a:ln>
+                <a:solidFill>
+                  <a:srgbClr val="000000"/>
+                </a:solidFill>
+                <a:effectLst/>
+                <a:uFillTx/>
+                <a:latin typeface="Helvetica Neue Medium"/>
+                <a:ea typeface="Helvetica Neue Medium"/>
+                <a:cs typeface="Helvetica Neue Medium"/>
+                <a:sym typeface="Helvetica Neue Medium"/>
+              </a:rPr>
+              <a:t>lottie</a:t>
+            </a:r>
+            <a:r>
+              <a:rPr kumimoji="0" lang="zh-CN" altLang="en-US" sz="4000" b="1" i="0" u="none" strike="noStrike" cap="none" spc="0" normalizeH="0" baseline="0">
+                <a:ln>
+                  <a:noFill/>
+                </a:ln>
+                <a:solidFill>
+                  <a:srgbClr val="000000"/>
+                </a:solidFill>
+                <a:effectLst/>
+                <a:uFillTx/>
+                <a:latin typeface="Helvetica Neue Medium"/>
+                <a:ea typeface="Helvetica Neue Medium"/>
+                <a:cs typeface="Helvetica Neue Medium"/>
+                <a:sym typeface="Helvetica Neue Medium"/>
+              </a:rPr>
+              <a:t>不支持的</a:t>
+            </a:r>
+            <a:r>
+              <a:rPr kumimoji="0" lang="en-US" altLang="zh-CN" sz="4000" b="1" i="0" u="none" strike="noStrike" cap="none" spc="0" normalizeH="0" baseline="0">
+                <a:ln>
+                  <a:noFill/>
+                </a:ln>
+                <a:solidFill>
+                  <a:srgbClr val="000000"/>
+                </a:solidFill>
+                <a:effectLst/>
+                <a:uFillTx/>
+                <a:latin typeface="Helvetica Neue Medium"/>
+                <a:ea typeface="Helvetica Neue Medium"/>
+                <a:cs typeface="Helvetica Neue Medium"/>
+                <a:sym typeface="Helvetica Neue Medium"/>
+              </a:rPr>
+              <a:t>AE</a:t>
+            </a:r>
+            <a:r>
+              <a:rPr kumimoji="0" lang="zh-CN" altLang="en-US" sz="4000" b="1" i="0" u="none" strike="noStrike" cap="none" spc="0" normalizeH="0" baseline="0">
+                <a:ln>
+                  <a:noFill/>
+                </a:ln>
+                <a:solidFill>
+                  <a:srgbClr val="000000"/>
+                </a:solidFill>
+                <a:effectLst/>
+                <a:uFillTx/>
+                <a:latin typeface="Helvetica Neue Medium"/>
+                <a:ea typeface="Helvetica Neue Medium"/>
+                <a:cs typeface="Helvetica Neue Medium"/>
+                <a:sym typeface="Helvetica Neue Medium"/>
+              </a:rPr>
+              <a:t>特性，导致动画播放有问题。</a:t>
+            </a:r>
+            <a:endParaRPr kumimoji="0" lang="en-US" altLang="zh-CN" sz="4000" b="1" i="0" u="none" strike="noStrike" cap="none" spc="0" normalizeH="0" baseline="0">
+              <a:ln>
+                <a:noFill/>
+              </a:ln>
+              <a:solidFill>
+                <a:srgbClr val="000000"/>
+              </a:solidFill>
+              <a:effectLst/>
+              <a:uFillTx/>
+              <a:latin typeface="Helvetica Neue Medium"/>
+              <a:ea typeface="Helvetica Neue Medium"/>
+              <a:cs typeface="Helvetica Neue Medium"/>
+              <a:sym typeface="Helvetica Neue Medium"/>
+            </a:endParaRPr>
+          </a:p>
+          <a:p>
+            <a:pPr marL="0" marR="0" indent="0" algn="l" defTabSz="825500" rtl="0" fontAlgn="auto" latinLnBrk="0" hangingPunct="0">
+              <a:lnSpc>
+                <a:spcPct val="100000"/>
+              </a:lnSpc>
+              <a:spcBef>
+                <a:spcPts val="0"/>
+              </a:spcBef>
+              <a:spcAft>
+                <a:spcPts val="0"/>
+              </a:spcAft>
+              <a:buClrTx/>
+              <a:buSzTx/>
+              <a:buFontTx/>
+              <a:buNone/>
+            </a:pPr>
+            <a:r>
+              <a:rPr kumimoji="0" lang="en-US" altLang="zh-CN" sz="4000" b="1" i="0" u="none" strike="noStrike" cap="none" spc="0" normalizeH="0" baseline="0">
+                <a:ln>
+                  <a:noFill/>
+                </a:ln>
+                <a:solidFill>
+                  <a:srgbClr val="000000"/>
+                </a:solidFill>
+                <a:effectLst/>
+                <a:uFillTx/>
+                <a:latin typeface="Helvetica Neue Medium"/>
+                <a:ea typeface="Helvetica Neue Medium"/>
+                <a:cs typeface="Helvetica Neue Medium"/>
+                <a:sym typeface="Helvetica Neue Medium"/>
+              </a:rPr>
+              <a:t>2. </a:t>
+            </a:r>
+            <a:r>
+              <a:rPr kumimoji="0" lang="zh-CN" altLang="en-US" sz="4000" b="1" i="0" u="none" strike="noStrike" cap="none" spc="0" normalizeH="0" baseline="0">
+                <a:ln>
+                  <a:noFill/>
+                </a:ln>
+                <a:solidFill>
+                  <a:srgbClr val="000000"/>
+                </a:solidFill>
+                <a:effectLst/>
+                <a:uFillTx/>
+                <a:latin typeface="Helvetica Neue Medium"/>
+                <a:ea typeface="Helvetica Neue Medium"/>
+                <a:cs typeface="Helvetica Neue Medium"/>
+                <a:sym typeface="Helvetica Neue Medium"/>
+              </a:rPr>
+              <a:t>视觉导出的</a:t>
+            </a:r>
+            <a:r>
+              <a:rPr kumimoji="0" lang="en-US" altLang="zh-CN" sz="4000" b="1" i="0" u="none" strike="noStrike" cap="none" spc="0" normalizeH="0" baseline="0">
+                <a:ln>
+                  <a:noFill/>
+                </a:ln>
+                <a:solidFill>
+                  <a:srgbClr val="000000"/>
+                </a:solidFill>
+                <a:effectLst/>
+                <a:uFillTx/>
+                <a:latin typeface="Helvetica Neue Medium"/>
+                <a:ea typeface="Helvetica Neue Medium"/>
+                <a:cs typeface="Helvetica Neue Medium"/>
+                <a:sym typeface="Helvetica Neue Medium"/>
+              </a:rPr>
+              <a:t>json</a:t>
+            </a:r>
+            <a:r>
+              <a:rPr kumimoji="0" lang="zh-CN" altLang="en-US" sz="4000" b="1" i="0" u="none" strike="noStrike" cap="none" spc="0" normalizeH="0" baseline="0">
+                <a:ln>
+                  <a:noFill/>
+                </a:ln>
+                <a:solidFill>
+                  <a:srgbClr val="000000"/>
+                </a:solidFill>
+                <a:effectLst/>
+                <a:uFillTx/>
+                <a:latin typeface="Helvetica Neue Medium"/>
+                <a:ea typeface="Helvetica Neue Medium"/>
+                <a:cs typeface="Helvetica Neue Medium"/>
+                <a:sym typeface="Helvetica Neue Medium"/>
+              </a:rPr>
+              <a:t>文件有引用图片资源，需要对</a:t>
+            </a:r>
+            <a:r>
+              <a:rPr kumimoji="0" lang="en-US" altLang="zh-CN" sz="4000" b="1" i="0" u="none" strike="noStrike" cap="none" spc="0" normalizeH="0" baseline="0">
+                <a:ln>
+                  <a:noFill/>
+                </a:ln>
+                <a:solidFill>
+                  <a:srgbClr val="000000"/>
+                </a:solidFill>
+                <a:effectLst/>
+                <a:uFillTx/>
+                <a:latin typeface="Helvetica Neue Medium"/>
+                <a:ea typeface="Helvetica Neue Medium"/>
+                <a:cs typeface="Helvetica Neue Medium"/>
+                <a:sym typeface="Helvetica Neue Medium"/>
+              </a:rPr>
+              <a:t>json</a:t>
+            </a:r>
+            <a:r>
+              <a:rPr kumimoji="0" lang="zh-CN" altLang="en-US" sz="4000" b="1" i="0" u="none" strike="noStrike" cap="none" spc="0" normalizeH="0" baseline="0">
+                <a:ln>
+                  <a:noFill/>
+                </a:ln>
+                <a:solidFill>
+                  <a:srgbClr val="000000"/>
+                </a:solidFill>
+                <a:effectLst/>
+                <a:uFillTx/>
+                <a:latin typeface="Helvetica Neue Medium"/>
+                <a:ea typeface="Helvetica Neue Medium"/>
+                <a:cs typeface="Helvetica Neue Medium"/>
+                <a:sym typeface="Helvetica Neue Medium"/>
+              </a:rPr>
+              <a:t>做下处理。</a:t>
+            </a:r>
+          </a:p>
+          <a:p>
+            <a:pPr marL="0" marR="0" indent="0" algn="l" defTabSz="825500" rtl="0" fontAlgn="auto" latinLnBrk="0" hangingPunct="0">
+              <a:lnSpc>
+                <a:spcPct val="100000"/>
+              </a:lnSpc>
+              <a:spcBef>
+                <a:spcPts val="0"/>
+              </a:spcBef>
+              <a:spcAft>
+                <a:spcPts val="0"/>
+              </a:spcAft>
+              <a:buClrTx/>
+              <a:buSzTx/>
+              <a:buFontTx/>
+              <a:buNone/>
+            </a:pPr>
+            <a:r>
+              <a:rPr kumimoji="0" lang="en-US" altLang="zh-CN" sz="4000" b="1" i="0" u="none" strike="noStrike" cap="none" spc="0" normalizeH="0" baseline="0">
+                <a:ln>
+                  <a:noFill/>
+                </a:ln>
+                <a:solidFill>
+                  <a:srgbClr val="000000"/>
+                </a:solidFill>
+                <a:effectLst/>
+                <a:uFillTx/>
+                <a:latin typeface="Helvetica Neue Medium"/>
+                <a:ea typeface="Helvetica Neue Medium"/>
+                <a:cs typeface="Helvetica Neue Medium"/>
+                <a:sym typeface="Helvetica Neue Medium"/>
+              </a:rPr>
+              <a:t>3. </a:t>
+            </a:r>
+            <a:r>
+              <a:rPr kumimoji="0" lang="zh-CN" altLang="en-US" sz="4000" b="1" i="0" u="none" strike="noStrike" cap="none" spc="0" normalizeH="0" baseline="0">
+                <a:ln>
+                  <a:noFill/>
+                </a:ln>
+                <a:solidFill>
+                  <a:srgbClr val="000000"/>
+                </a:solidFill>
+                <a:effectLst/>
+                <a:uFillTx/>
+                <a:latin typeface="Helvetica Neue Medium"/>
+                <a:ea typeface="Helvetica Neue Medium"/>
+                <a:cs typeface="Helvetica Neue Medium"/>
+                <a:sym typeface="Helvetica Neue Medium"/>
+              </a:rPr>
+              <a:t>前端</a:t>
+            </a:r>
+            <a:r>
+              <a:rPr kumimoji="0" lang="en-US" altLang="zh-CN" sz="4000" b="1" i="0" u="none" strike="noStrike" cap="none" spc="0" normalizeH="0" baseline="0">
+                <a:ln>
+                  <a:noFill/>
+                </a:ln>
+                <a:solidFill>
+                  <a:srgbClr val="000000"/>
+                </a:solidFill>
+                <a:effectLst/>
+                <a:uFillTx/>
+                <a:latin typeface="Helvetica Neue Medium"/>
+                <a:ea typeface="Helvetica Neue Medium"/>
+                <a:cs typeface="Helvetica Neue Medium"/>
+                <a:sym typeface="Helvetica Neue Medium"/>
+              </a:rPr>
+              <a:t>lottie</a:t>
+            </a:r>
+            <a:r>
+              <a:rPr kumimoji="0" lang="zh-CN" altLang="en-US" sz="4000" b="1" i="0" u="none" strike="noStrike" cap="none" spc="0" normalizeH="0" baseline="0">
+                <a:ln>
+                  <a:noFill/>
+                </a:ln>
+                <a:solidFill>
+                  <a:srgbClr val="000000"/>
+                </a:solidFill>
+                <a:effectLst/>
+                <a:uFillTx/>
+                <a:latin typeface="Helvetica Neue Medium"/>
+                <a:ea typeface="Helvetica Neue Medium"/>
+                <a:cs typeface="Helvetica Neue Medium"/>
+                <a:sym typeface="Helvetica Neue Medium"/>
+              </a:rPr>
+              <a:t>包的版本和视觉的</a:t>
+            </a:r>
+            <a:r>
+              <a:rPr kumimoji="0" lang="en-US" altLang="zh-CN" sz="4000" b="1" i="0" u="none" strike="noStrike" cap="none" spc="0" normalizeH="0" baseline="0">
+                <a:ln>
+                  <a:noFill/>
+                </a:ln>
+                <a:solidFill>
+                  <a:srgbClr val="000000"/>
+                </a:solidFill>
+                <a:effectLst/>
+                <a:uFillTx/>
+                <a:latin typeface="Helvetica Neue Medium"/>
+                <a:ea typeface="Helvetica Neue Medium"/>
+                <a:cs typeface="Helvetica Neue Medium"/>
+                <a:sym typeface="Helvetica Neue Medium"/>
+              </a:rPr>
+              <a:t>bodymovin</a:t>
+            </a:r>
+            <a:r>
+              <a:rPr kumimoji="0" lang="zh-CN" altLang="en-US" sz="4000" b="1" i="0" u="none" strike="noStrike" cap="none" spc="0" normalizeH="0" baseline="0">
+                <a:ln>
+                  <a:noFill/>
+                </a:ln>
+                <a:solidFill>
+                  <a:srgbClr val="000000"/>
+                </a:solidFill>
+                <a:effectLst/>
+                <a:uFillTx/>
+                <a:latin typeface="Helvetica Neue Medium"/>
+                <a:ea typeface="Helvetica Neue Medium"/>
+                <a:cs typeface="Helvetica Neue Medium"/>
+                <a:sym typeface="Helvetica Neue Medium"/>
+              </a:rPr>
+              <a:t>插件版本不一致，导致</a:t>
+            </a:r>
+            <a:r>
+              <a:rPr kumimoji="0" lang="en-US" altLang="zh-CN" sz="4000" b="1" i="0" u="none" strike="noStrike" cap="none" spc="0" normalizeH="0" baseline="0">
+                <a:ln>
+                  <a:noFill/>
+                </a:ln>
+                <a:solidFill>
+                  <a:srgbClr val="000000"/>
+                </a:solidFill>
+                <a:effectLst/>
+                <a:uFillTx/>
+                <a:latin typeface="Helvetica Neue Medium"/>
+                <a:ea typeface="Helvetica Neue Medium"/>
+                <a:cs typeface="Helvetica Neue Medium"/>
+                <a:sym typeface="Helvetica Neue Medium"/>
+              </a:rPr>
+              <a:t>js</a:t>
+            </a:r>
+            <a:r>
+              <a:rPr kumimoji="0" lang="zh-CN" altLang="en-US" sz="4000" b="1" i="0" u="none" strike="noStrike" cap="none" spc="0" normalizeH="0" baseline="0">
+                <a:ln>
+                  <a:noFill/>
+                </a:ln>
+                <a:solidFill>
+                  <a:srgbClr val="000000"/>
+                </a:solidFill>
+                <a:effectLst/>
+                <a:uFillTx/>
+                <a:latin typeface="Helvetica Neue Medium"/>
+                <a:ea typeface="Helvetica Neue Medium"/>
+                <a:cs typeface="Helvetica Neue Medium"/>
+                <a:sym typeface="Helvetica Neue Medium"/>
+              </a:rPr>
+              <a:t>报错。</a:t>
+            </a:r>
+          </a:p>
+          <a:p>
+            <a:pPr marL="0" marR="0" indent="0" algn="l" defTabSz="825500" rtl="0" fontAlgn="auto" latinLnBrk="0" hangingPunct="0">
+              <a:lnSpc>
+                <a:spcPct val="100000"/>
+              </a:lnSpc>
+              <a:spcBef>
+                <a:spcPts val="0"/>
+              </a:spcBef>
+              <a:spcAft>
+                <a:spcPts val="0"/>
+              </a:spcAft>
+              <a:buClrTx/>
+              <a:buSzTx/>
+              <a:buFontTx/>
+              <a:buNone/>
+            </a:pPr>
+            <a:r>
+              <a:rPr kumimoji="0" lang="en-US" altLang="zh-CN" sz="4000" b="1" i="0" u="none" strike="noStrike" cap="none" spc="0" normalizeH="0" baseline="0">
+                <a:ln>
+                  <a:noFill/>
+                </a:ln>
+                <a:solidFill>
+                  <a:srgbClr val="000000"/>
+                </a:solidFill>
+                <a:effectLst/>
+                <a:uFillTx/>
+                <a:latin typeface="Helvetica Neue Medium"/>
+                <a:ea typeface="Helvetica Neue Medium"/>
+                <a:cs typeface="Helvetica Neue Medium"/>
+                <a:sym typeface="Helvetica Neue Medium"/>
+              </a:rPr>
+              <a:t>	</a:t>
+            </a:r>
+            <a:r>
+              <a:rPr kumimoji="0" lang="en-US" altLang="zh-CN" sz="4000" i="1" u="none" strike="noStrike" cap="none" spc="0" normalizeH="0" baseline="0">
+                <a:ln>
+                  <a:noFill/>
+                </a:ln>
+                <a:solidFill>
+                  <a:srgbClr val="FF0000"/>
+                </a:solidFill>
+                <a:effectLst/>
+                <a:uFillTx/>
+                <a:latin typeface="Helvetica Neue Medium"/>
+                <a:ea typeface="Helvetica Neue Medium"/>
+                <a:cs typeface="Helvetica Neue Medium"/>
+                <a:sym typeface="Helvetica Neue Medium"/>
+              </a:rPr>
+              <a:t>Cannot read property 'length' of undefined</a:t>
+            </a:r>
+            <a:endParaRPr kumimoji="0" lang="en-US" altLang="zh-CN" sz="4000" i="1" u="none" strike="noStrike" cap="none" spc="0" normalizeH="0" baseline="0">
+              <a:ln>
+                <a:noFill/>
+              </a:ln>
+              <a:solidFill>
+                <a:srgbClr val="000000"/>
+              </a:solidFill>
+              <a:effectLst/>
+              <a:uFillTx/>
+              <a:latin typeface="Helvetica Neue Medium"/>
+              <a:ea typeface="Helvetica Neue Medium"/>
+              <a:cs typeface="Helvetica Neue Medium"/>
+              <a:sym typeface="Helvetica Neue Medium"/>
+            </a:endParaRPr>
+          </a:p>
+          <a:p>
+            <a:pPr marL="0" marR="0" indent="0" algn="l" defTabSz="825500" rtl="0" fontAlgn="auto" latinLnBrk="0" hangingPunct="0">
+              <a:lnSpc>
+                <a:spcPct val="100000"/>
+              </a:lnSpc>
+              <a:spcBef>
+                <a:spcPts val="0"/>
+              </a:spcBef>
+              <a:spcAft>
+                <a:spcPts val="0"/>
+              </a:spcAft>
+              <a:buClrTx/>
+              <a:buSzTx/>
+              <a:buFontTx/>
+              <a:buNone/>
+            </a:pPr>
+            <a:r>
+              <a:rPr kumimoji="0" lang="en-US" altLang="zh-CN" sz="4000" b="1" u="none" strike="noStrike" cap="none" spc="0" normalizeH="0" baseline="0">
+                <a:ln>
+                  <a:noFill/>
+                </a:ln>
+                <a:solidFill>
+                  <a:srgbClr val="000000"/>
+                </a:solidFill>
+                <a:effectLst/>
+                <a:uFillTx/>
+                <a:latin typeface="Helvetica Neue Medium"/>
+                <a:ea typeface="Helvetica Neue Medium"/>
+                <a:cs typeface="Helvetica Neue Medium"/>
+                <a:sym typeface="Helvetica Neue Medium"/>
+              </a:rPr>
+              <a:t>4. </a:t>
+            </a:r>
+            <a:r>
+              <a:rPr kumimoji="0" lang="zh-CN" altLang="en-US" sz="4000" b="1" u="none" strike="noStrike" cap="none" spc="0" normalizeH="0" baseline="0">
+                <a:ln>
+                  <a:noFill/>
+                </a:ln>
+                <a:solidFill>
+                  <a:srgbClr val="000000"/>
+                </a:solidFill>
+                <a:effectLst/>
+                <a:uFillTx/>
+                <a:latin typeface="Helvetica Neue Medium"/>
+                <a:ea typeface="Helvetica Neue Medium"/>
+                <a:cs typeface="Helvetica Neue Medium"/>
+                <a:sym typeface="Helvetica Neue Medium"/>
+              </a:rPr>
+              <a:t>视觉使用了多处</a:t>
+            </a:r>
+            <a:r>
+              <a:rPr kumimoji="0" lang="en-US" altLang="zh-CN" sz="4000" b="1" u="none" strike="noStrike" cap="none" spc="0" normalizeH="0" baseline="0">
+                <a:ln>
+                  <a:noFill/>
+                </a:ln>
+                <a:solidFill>
+                  <a:srgbClr val="000000"/>
+                </a:solidFill>
+                <a:effectLst/>
+                <a:uFillTx/>
+                <a:latin typeface="Helvetica Neue Medium"/>
+                <a:ea typeface="Helvetica Neue Medium"/>
+                <a:cs typeface="Helvetica Neue Medium"/>
+                <a:sym typeface="Helvetica Neue Medium"/>
+              </a:rPr>
+              <a:t>mask</a:t>
+            </a:r>
+            <a:r>
+              <a:rPr kumimoji="0" lang="zh-CN" altLang="en-US" sz="4000" b="1" u="none" strike="noStrike" cap="none" spc="0" normalizeH="0" baseline="0">
+                <a:ln>
+                  <a:noFill/>
+                </a:ln>
+                <a:solidFill>
+                  <a:srgbClr val="000000"/>
+                </a:solidFill>
+                <a:effectLst/>
+                <a:uFillTx/>
+                <a:latin typeface="Helvetica Neue Medium"/>
+                <a:ea typeface="Helvetica Neue Medium"/>
+                <a:cs typeface="Helvetica Neue Medium"/>
+                <a:sym typeface="Helvetica Neue Medium"/>
+              </a:rPr>
+              <a:t>导致的性能问题。</a:t>
+            </a:r>
+          </a:p>
+        </p:txBody>
+      </p:sp>
+    </p:spTree>
+  </p:cSld>
+  <p:clrMapOvr>
+    <a:masterClrMapping/>
+  </p:clrMapOvr>
+  <p:transition spd="slow"/>
+</p:sld>
+</file>
+
+<file path=ppt/slides/slide13.xml><?xml version="1.0" encoding="utf-8"?>
+<p:sld xmlns:a="http://schemas.openxmlformats.org/drawingml/2006/main" xmlns:r="http://schemas.openxmlformats.org/officeDocument/2006/relationships" xmlns:p="http://schemas.openxmlformats.org/presentationml/2006/main">
+  <p:cSld>
+    <p:spTree>
+      <p:nvGrpSpPr>
+        <p:cNvPr id="1" name=""/>
+        <p:cNvGrpSpPr/>
+        <p:nvPr/>
+      </p:nvGrpSpPr>
+      <p:grpSpPr>
+        <a:xfrm>
+          <a:off x="0" y="0"/>
+          <a:ext cx="0" cy="0"/>
+          <a:chOff x="0" y="0"/>
+          <a:chExt cx="0" cy="0"/>
+        </a:xfrm>
+      </p:grpSpPr>
+      <p:sp>
+        <p:nvSpPr>
+          <p:cNvPr id="139" name="Shape 139"/>
+          <p:cNvSpPr/>
+          <p:nvPr/>
+        </p:nvSpPr>
+        <p:spPr>
+          <a:xfrm>
+            <a:off x="1233525" y="6619706"/>
+            <a:ext cx="102657" cy="570734"/>
+          </a:xfrm>
+          <a:prstGeom prst="rect">
+            <a:avLst/>
+          </a:prstGeom>
+          <a:ln w="12700">
+            <a:miter lim="400000"/>
+          </a:ln>
+        </p:spPr>
+        <p:txBody>
+          <a:bodyPr wrap="none" lIns="50800" tIns="50800" rIns="50800" bIns="50800">
+            <a:spAutoFit/>
+          </a:bodyPr>
+          <a:lstStyle/>
+          <a:p>
+            <a:pPr algn="l">
+              <a:lnSpc>
+                <a:spcPct val="160000"/>
+              </a:lnSpc>
+              <a:defRPr sz="2200">
+                <a:latin typeface="+mj-lt"/>
+                <a:ea typeface="+mj-ea"/>
+                <a:cs typeface="+mj-cs"/>
+                <a:sym typeface="Helvetica Neue" panose="02000503000000020004"/>
+              </a:defRPr>
+            </a:pPr>
+            <a:endParaRPr sz="3000" dirty="0"/>
+          </a:p>
+        </p:txBody>
+      </p:sp>
+      <p:sp>
+        <p:nvSpPr>
+          <p:cNvPr id="140" name="Shape 140"/>
+          <p:cNvSpPr/>
+          <p:nvPr/>
+        </p:nvSpPr>
+        <p:spPr>
+          <a:xfrm>
+            <a:off x="7218696" y="6619706"/>
+            <a:ext cx="102657" cy="570734"/>
+          </a:xfrm>
+          <a:prstGeom prst="rect">
+            <a:avLst/>
+          </a:prstGeom>
+          <a:ln w="12700">
+            <a:miter lim="400000"/>
+          </a:ln>
+        </p:spPr>
+        <p:txBody>
+          <a:bodyPr wrap="none" lIns="50800" tIns="50800" rIns="50800" bIns="50800">
+            <a:spAutoFit/>
+          </a:bodyPr>
+          <a:lstStyle/>
+          <a:p>
+            <a:pPr algn="l">
+              <a:lnSpc>
+                <a:spcPct val="160000"/>
+              </a:lnSpc>
+              <a:defRPr sz="2200">
+                <a:latin typeface="+mj-lt"/>
+                <a:ea typeface="+mj-ea"/>
+                <a:cs typeface="+mj-cs"/>
+                <a:sym typeface="Helvetica Neue" panose="02000503000000020004"/>
+              </a:defRPr>
+            </a:pPr>
+            <a:endParaRPr sz="3000" dirty="0"/>
+          </a:p>
+        </p:txBody>
+      </p:sp>
+      <p:sp>
+        <p:nvSpPr>
+          <p:cNvPr id="141" name="Shape 141"/>
+          <p:cNvSpPr/>
+          <p:nvPr/>
+        </p:nvSpPr>
+        <p:spPr>
+          <a:xfrm>
+            <a:off x="13216566" y="6619706"/>
+            <a:ext cx="102657" cy="570734"/>
+          </a:xfrm>
+          <a:prstGeom prst="rect">
+            <a:avLst/>
+          </a:prstGeom>
+          <a:ln w="12700">
+            <a:miter lim="400000"/>
+          </a:ln>
+        </p:spPr>
+        <p:txBody>
+          <a:bodyPr wrap="none" lIns="50800" tIns="50800" rIns="50800" bIns="50800">
+            <a:spAutoFit/>
+          </a:bodyPr>
+          <a:lstStyle/>
+          <a:p>
+            <a:pPr algn="l">
+              <a:lnSpc>
+                <a:spcPct val="160000"/>
+              </a:lnSpc>
+              <a:defRPr sz="2200">
+                <a:latin typeface="+mj-lt"/>
+                <a:ea typeface="+mj-ea"/>
+                <a:cs typeface="+mj-cs"/>
+                <a:sym typeface="Helvetica Neue" panose="02000503000000020004"/>
+              </a:defRPr>
+            </a:pPr>
+            <a:endParaRPr sz="3000" dirty="0"/>
+          </a:p>
+        </p:txBody>
+      </p:sp>
+      <p:pic>
+        <p:nvPicPr>
+          <p:cNvPr id="142" name="pasted-image.pdf"/>
+          <p:cNvPicPr>
+            <a:picLocks noChangeAspect="1"/>
+          </p:cNvPicPr>
+          <p:nvPr/>
+        </p:nvPicPr>
+        <p:blipFill>
+          <a:blip r:embed="rId3"/>
+          <a:srcRect b="82595"/>
+          <a:stretch>
+            <a:fillRect/>
+          </a:stretch>
+        </p:blipFill>
+        <p:spPr>
+          <a:xfrm>
+            <a:off x="0" y="-37844"/>
+            <a:ext cx="24383841" cy="2387243"/>
+          </a:xfrm>
+          <a:prstGeom prst="rect">
+            <a:avLst/>
+          </a:prstGeom>
+          <a:ln w="12700">
+            <a:miter lim="400000"/>
+            <a:headEnd/>
+            <a:tailEnd/>
+          </a:ln>
+        </p:spPr>
+      </p:pic>
+      <p:sp>
+        <p:nvSpPr>
+          <p:cNvPr id="143" name="Shape 143" descr="NETEASE…"/>
+          <p:cNvSpPr/>
+          <p:nvPr/>
+        </p:nvSpPr>
+        <p:spPr>
+          <a:xfrm>
+            <a:off x="1144625" y="689667"/>
+            <a:ext cx="1604645" cy="932180"/>
+          </a:xfrm>
+          <a:prstGeom prst="rect">
+            <a:avLst/>
+          </a:prstGeom>
+          <a:ln w="12700">
+            <a:miter lim="400000"/>
+          </a:ln>
+        </p:spPr>
+        <p:txBody>
+          <a:bodyPr wrap="none" lIns="50800" tIns="50800" rIns="50800" bIns="50800" anchor="ctr">
+            <a:spAutoFit/>
+          </a:bodyPr>
+          <a:lstStyle>
+            <a:lvl1pPr algn="l">
+              <a:defRPr sz="5000">
+                <a:solidFill>
+                  <a:srgbClr val="FFFFFF"/>
+                </a:solidFill>
+                <a:latin typeface="PingFang SC Regular"/>
+                <a:ea typeface="PingFang SC Regular"/>
+                <a:cs typeface="PingFang SC Regular"/>
+                <a:sym typeface="PingFang SC Regular"/>
+              </a:defRPr>
+            </a:lvl1pPr>
+          </a:lstStyle>
+          <a:p>
+            <a:pPr algn="l"/>
+            <a:r>
+              <a:rPr lang="en-US" altLang="zh-CN" sz="5400" b="1">
+                <a:solidFill>
+                  <a:schemeClr val="bg1"/>
+                </a:solidFill>
+                <a:latin typeface="Helvetica Neue Medium"/>
+                <a:ea typeface="Helvetica Neue Medium"/>
+                <a:cs typeface="Helvetica Neue Medium"/>
+                <a:sym typeface="Helvetica Neue Medium"/>
+              </a:rPr>
+              <a:t>Q&amp;A</a:t>
+            </a:r>
+          </a:p>
+        </p:txBody>
+      </p:sp>
+      <p:pic>
+        <p:nvPicPr>
+          <p:cNvPr id="144" name="pasted-image.pdf"/>
+          <p:cNvPicPr>
+            <a:picLocks noChangeAspect="1"/>
+          </p:cNvPicPr>
+          <p:nvPr/>
+        </p:nvPicPr>
+        <p:blipFill>
+          <a:blip r:embed="rId4"/>
+          <a:stretch>
+            <a:fillRect/>
+          </a:stretch>
+        </p:blipFill>
+        <p:spPr>
+          <a:xfrm>
+            <a:off x="19446721" y="813865"/>
+            <a:ext cx="3670301" cy="683785"/>
+          </a:xfrm>
+          <a:prstGeom prst="rect">
+            <a:avLst/>
+          </a:prstGeom>
+          <a:ln w="12700">
+            <a:miter lim="400000"/>
+            <a:headEnd/>
+            <a:tailEnd/>
+          </a:ln>
+        </p:spPr>
+      </p:pic>
+      <p:sp>
+        <p:nvSpPr>
+          <p:cNvPr id="146" name="Shape 146"/>
+          <p:cNvSpPr/>
+          <p:nvPr/>
+        </p:nvSpPr>
+        <p:spPr>
+          <a:xfrm>
+            <a:off x="19214438" y="6619706"/>
+            <a:ext cx="102657" cy="570734"/>
+          </a:xfrm>
+          <a:prstGeom prst="rect">
+            <a:avLst/>
+          </a:prstGeom>
+          <a:ln w="12700">
+            <a:miter lim="400000"/>
+          </a:ln>
+        </p:spPr>
+        <p:txBody>
+          <a:bodyPr wrap="none" lIns="50800" tIns="50800" rIns="50800" bIns="50800">
+            <a:spAutoFit/>
+          </a:bodyPr>
+          <a:lstStyle/>
+          <a:p>
+            <a:pPr algn="l">
+              <a:lnSpc>
+                <a:spcPct val="160000"/>
+              </a:lnSpc>
+              <a:defRPr sz="2200">
+                <a:latin typeface="+mj-lt"/>
+                <a:ea typeface="+mj-ea"/>
+                <a:cs typeface="+mj-cs"/>
+                <a:sym typeface="Helvetica Neue" panose="02000503000000020004"/>
+              </a:defRPr>
+            </a:pPr>
+            <a:endParaRPr sz="3000" dirty="0"/>
+          </a:p>
+        </p:txBody>
+      </p:sp>
+      <p:sp>
+        <p:nvSpPr>
+          <p:cNvPr id="2" name="文本框 1"/>
+          <p:cNvSpPr txBox="1"/>
+          <p:nvPr/>
+        </p:nvSpPr>
+        <p:spPr>
+          <a:xfrm>
+            <a:off x="1144905" y="3359785"/>
+            <a:ext cx="21876385" cy="5641340"/>
+          </a:xfrm>
+          <a:prstGeom prst="rect">
+            <a:avLst/>
+          </a:prstGeom>
+          <a:noFill/>
+          <a:ln w="12700" cap="flat">
+            <a:noFill/>
+            <a:miter lim="400000"/>
+          </a:ln>
+        </p:spPr>
+        <p:style>
+          <a:lnRef idx="0">
+            <a:scrgbClr r="0" g="0" b="0"/>
+          </a:lnRef>
+          <a:fillRef idx="0">
+            <a:scrgbClr r="0" g="0" b="0"/>
+          </a:fillRef>
+          <a:effectRef idx="0">
+            <a:scrgbClr r="0" g="0" b="0"/>
+          </a:effectRef>
+          <a:fontRef idx="none"/>
+        </p:style>
+        <p:txBody>
+          <a:bodyPr rot="0" vertOverflow="overflow" horzOverflow="overflow" vert="horz" wrap="square" lIns="50800" tIns="50800" rIns="50800" bIns="50800" numCol="1" spcCol="38100" rtlCol="0" anchor="ctr" forceAA="0">
+            <a:spAutoFit/>
+          </a:bodyPr>
+          <a:lstStyle/>
+          <a:p>
+            <a:pPr marL="0" marR="0" indent="0" algn="l" defTabSz="825500" rtl="0" fontAlgn="auto" latinLnBrk="0" hangingPunct="0">
+              <a:lnSpc>
+                <a:spcPct val="100000"/>
+              </a:lnSpc>
+              <a:spcBef>
+                <a:spcPts val="0"/>
+              </a:spcBef>
+              <a:spcAft>
+                <a:spcPts val="0"/>
+              </a:spcAft>
+              <a:buClrTx/>
+              <a:buSzTx/>
+              <a:buFontTx/>
+              <a:buNone/>
+            </a:pPr>
+            <a:r>
+              <a:rPr kumimoji="0" lang="en-US" altLang="zh-CN" sz="4000" b="1" i="0" u="none" strike="noStrike" cap="none" spc="0" normalizeH="0" baseline="0">
+                <a:ln>
+                  <a:noFill/>
+                </a:ln>
+                <a:solidFill>
+                  <a:srgbClr val="000000"/>
+                </a:solidFill>
+                <a:effectLst/>
+                <a:uFillTx/>
+                <a:latin typeface="Helvetica Neue Medium"/>
+                <a:ea typeface="Helvetica Neue Medium"/>
+                <a:cs typeface="Helvetica Neue Medium"/>
+                <a:sym typeface="Helvetica Neue Medium"/>
+              </a:rPr>
+              <a:t>1. </a:t>
+            </a:r>
+            <a:r>
+              <a:rPr kumimoji="0" lang="zh-CN" altLang="en-US" sz="4000" b="1" i="0" u="none" strike="noStrike" cap="none" spc="0" normalizeH="0" baseline="0">
+                <a:ln>
+                  <a:noFill/>
+                </a:ln>
+                <a:solidFill>
+                  <a:srgbClr val="000000"/>
+                </a:solidFill>
+                <a:effectLst/>
+                <a:uFillTx/>
+                <a:latin typeface="Helvetica Neue Medium"/>
+                <a:ea typeface="Helvetica Neue Medium"/>
+                <a:cs typeface="Helvetica Neue Medium"/>
+                <a:sym typeface="Helvetica Neue Medium"/>
+              </a:rPr>
+              <a:t>为什么会和视觉</a:t>
+            </a:r>
+            <a:r>
+              <a:rPr kumimoji="0" lang="en-US" altLang="zh-CN" sz="4000" b="1" i="0" u="none" strike="noStrike" cap="none" spc="0" normalizeH="0" baseline="0">
+                <a:ln>
+                  <a:noFill/>
+                </a:ln>
+                <a:solidFill>
+                  <a:srgbClr val="000000"/>
+                </a:solidFill>
+                <a:effectLst/>
+                <a:uFillTx/>
+                <a:latin typeface="Helvetica Neue Medium"/>
+                <a:ea typeface="Helvetica Neue Medium"/>
+                <a:cs typeface="Helvetica Neue Medium"/>
+                <a:sym typeface="Helvetica Neue Medium"/>
+              </a:rPr>
+              <a:t>AE</a:t>
+            </a:r>
+            <a:r>
+              <a:rPr kumimoji="0" lang="zh-CN" altLang="en-US" sz="4000" b="1" i="0" u="none" strike="noStrike" cap="none" spc="0" normalizeH="0" baseline="0">
+                <a:ln>
+                  <a:noFill/>
+                </a:ln>
+                <a:solidFill>
+                  <a:srgbClr val="000000"/>
+                </a:solidFill>
+                <a:effectLst/>
+                <a:uFillTx/>
+                <a:latin typeface="Helvetica Neue Medium"/>
+                <a:ea typeface="Helvetica Neue Medium"/>
+                <a:cs typeface="Helvetica Neue Medium"/>
+                <a:sym typeface="Helvetica Neue Medium"/>
+              </a:rPr>
+              <a:t>的效果不一致，甚至有卡顿？</a:t>
+            </a:r>
+          </a:p>
+          <a:p>
+            <a:pPr marL="0" marR="0" indent="0" algn="l" defTabSz="825500" rtl="0" fontAlgn="auto" latinLnBrk="0" hangingPunct="0">
+              <a:lnSpc>
+                <a:spcPct val="100000"/>
+              </a:lnSpc>
+              <a:spcBef>
+                <a:spcPts val="0"/>
+              </a:spcBef>
+              <a:spcAft>
+                <a:spcPts val="0"/>
+              </a:spcAft>
+              <a:buClrTx/>
+              <a:buSzTx/>
+              <a:buFontTx/>
+              <a:buNone/>
+            </a:pPr>
+            <a:r>
+              <a:rPr kumimoji="0" lang="en-US" altLang="zh-CN" sz="4000" b="1" i="0" u="none" strike="noStrike" cap="none" spc="0" normalizeH="0" baseline="0">
+                <a:ln>
+                  <a:noFill/>
+                </a:ln>
+                <a:solidFill>
+                  <a:srgbClr val="000000"/>
+                </a:solidFill>
+                <a:effectLst/>
+                <a:uFillTx/>
+                <a:latin typeface="Helvetica Neue Medium"/>
+                <a:ea typeface="Helvetica Neue Medium"/>
+                <a:cs typeface="Helvetica Neue Medium"/>
+                <a:sym typeface="Helvetica Neue Medium"/>
+              </a:rPr>
+              <a:t>	</a:t>
+            </a:r>
+            <a:r>
+              <a:rPr kumimoji="0" lang="zh-CN" altLang="en-US" sz="4000" b="1" i="0" u="none" strike="noStrike" cap="none" spc="0" normalizeH="0" baseline="0">
+                <a:ln>
+                  <a:noFill/>
+                </a:ln>
+                <a:solidFill>
+                  <a:srgbClr val="000000"/>
+                </a:solidFill>
+                <a:effectLst/>
+                <a:uFillTx/>
+                <a:latin typeface="Helvetica Neue Medium"/>
+                <a:ea typeface="Helvetica Neue Medium"/>
+                <a:cs typeface="Helvetica Neue Medium"/>
+                <a:sym typeface="Helvetica Neue Medium"/>
+                <a:hlinkClick r:id="rId5" action="ppaction://hlinkfile"/>
+              </a:rPr>
+              <a:t>一般是使用了</a:t>
+            </a:r>
+            <a:r>
+              <a:rPr kumimoji="0" lang="en-US" altLang="zh-CN" sz="4000" b="1" i="0" u="none" strike="noStrike" cap="none" spc="0" normalizeH="0" baseline="0">
+                <a:ln>
+                  <a:noFill/>
+                </a:ln>
+                <a:solidFill>
+                  <a:srgbClr val="000000"/>
+                </a:solidFill>
+                <a:effectLst/>
+                <a:uFillTx/>
+                <a:latin typeface="Helvetica Neue Medium"/>
+                <a:ea typeface="Helvetica Neue Medium"/>
+                <a:cs typeface="Helvetica Neue Medium"/>
+                <a:sym typeface="Helvetica Neue Medium"/>
+                <a:hlinkClick r:id="rId5" action="ppaction://hlinkfile"/>
+              </a:rPr>
+              <a:t>lottie</a:t>
+            </a:r>
+            <a:r>
+              <a:rPr kumimoji="0" lang="zh-CN" altLang="en-US" sz="4000" b="1" i="0" u="none" strike="noStrike" cap="none" spc="0" normalizeH="0" baseline="0">
+                <a:ln>
+                  <a:noFill/>
+                </a:ln>
+                <a:solidFill>
+                  <a:srgbClr val="000000"/>
+                </a:solidFill>
+                <a:effectLst/>
+                <a:uFillTx/>
+                <a:latin typeface="Helvetica Neue Medium"/>
+                <a:ea typeface="Helvetica Neue Medium"/>
+                <a:cs typeface="Helvetica Neue Medium"/>
+                <a:sym typeface="Helvetica Neue Medium"/>
+                <a:hlinkClick r:id="rId5" action="ppaction://hlinkfile"/>
+              </a:rPr>
+              <a:t>不支持的特性，或视觉没按规范制作动画，导致</a:t>
+            </a:r>
+            <a:r>
+              <a:rPr kumimoji="0" lang="en-US" altLang="zh-CN" sz="4000" b="1" i="0" u="none" strike="noStrike" cap="none" spc="0" normalizeH="0" baseline="0">
+                <a:ln>
+                  <a:noFill/>
+                </a:ln>
+                <a:solidFill>
+                  <a:srgbClr val="000000"/>
+                </a:solidFill>
+                <a:effectLst/>
+                <a:uFillTx/>
+                <a:latin typeface="Helvetica Neue Medium"/>
+                <a:ea typeface="Helvetica Neue Medium"/>
+                <a:cs typeface="Helvetica Neue Medium"/>
+                <a:sym typeface="Helvetica Neue Medium"/>
+                <a:hlinkClick r:id="rId5" action="ppaction://hlinkfile"/>
+              </a:rPr>
+              <a:t>lottie</a:t>
+            </a:r>
+            <a:r>
+              <a:rPr kumimoji="0" lang="zh-CN" altLang="en-US" sz="4000" b="1" i="0" u="none" strike="noStrike" cap="none" spc="0" normalizeH="0" baseline="0">
+                <a:ln>
+                  <a:noFill/>
+                </a:ln>
+                <a:solidFill>
+                  <a:srgbClr val="000000"/>
+                </a:solidFill>
+                <a:effectLst/>
+                <a:uFillTx/>
+                <a:latin typeface="Helvetica Neue Medium"/>
+                <a:ea typeface="Helvetica Neue Medium"/>
+                <a:cs typeface="Helvetica Neue Medium"/>
+                <a:sym typeface="Helvetica Neue Medium"/>
+                <a:hlinkClick r:id="rId5" action="ppaction://hlinkfile"/>
+              </a:rPr>
+              <a:t>性能问题。</a:t>
             </a:r>
           </a:p>
           <a:p>
@@ -7210,8 +8049,25 @@
                 <a:cs typeface="Helvetica Neue Medium"/>
                 <a:sym typeface="Helvetica Neue Medium"/>
               </a:rPr>
-              <a:t>性能好的前提是，</a:t>
-            </a:r>
+              <a:t>为什么不用vue-lottie？</a:t>
+            </a:r>
+          </a:p>
+          <a:p>
+            <a:pPr marL="0" marR="0" indent="0" algn="l" defTabSz="825500" rtl="0" fontAlgn="auto" latinLnBrk="0" hangingPunct="0">
+              <a:lnSpc>
+                <a:spcPct val="100000"/>
+              </a:lnSpc>
+              <a:spcBef>
+                <a:spcPts val="0"/>
+              </a:spcBef>
+              <a:spcAft>
+                <a:spcPts val="0"/>
+              </a:spcAft>
+              <a:buClrTx/>
+              <a:buSzTx/>
+              <a:buFontTx/>
+              <a:buNone/>
+            </a:pPr>
             <a:r>
               <a:rPr kumimoji="0" lang="en-US" altLang="zh-CN" sz="4000" b="1" i="0" u="none" strike="noStrike" cap="none" spc="0" normalizeH="0" baseline="0">
                 <a:ln>
@@ -7227,7 +8083,7 @@
                 <a:cs typeface="Helvetica Neue Medium"/>
                 <a:sym typeface="Helvetica Neue Medium"/>
               </a:rPr>
-              <a:t>AE</a:t>
+              <a:t>	</a:t>
             </a:r>
             <a:r>
               <a:rPr kumimoji="0" lang="zh-CN" altLang="en-US" sz="4000" b="1" i="0" u="none" strike="noStrike" cap="none" spc="0" normalizeH="0" baseline="0">
@@ -7243,42 +8099,9 @@
                 <a:ea typeface="Helvetica Neue Medium"/>
                 <a:cs typeface="Helvetica Neue Medium"/>
                 <a:sym typeface="Helvetica Neue Medium"/>
-              </a:rPr>
-              <a:t>动画制作规范，不然还不如用</a:t>
-            </a:r>
-            <a:r>
-              <a:rPr kumimoji="0" lang="en-US" altLang="zh-CN" sz="4000" b="1" i="0" u="none" strike="noStrike" cap="none" spc="0" normalizeH="0" baseline="0">
-                <a:ln>
-                  <a:noFill/>
-                </a:ln>
-                <a:solidFill>
-                  <a:srgbClr val="000000"/>
-                </a:solidFill>
-                <a:effectLst/>
-                <a:uFillTx/>
-                <a:latin typeface="Helvetica Neue Medium"/>
-                <a:ea typeface="Helvetica Neue Medium"/>
-                <a:cs typeface="Helvetica Neue Medium"/>
-                <a:sym typeface="Helvetica Neue Medium"/>
-              </a:rPr>
-              <a:t>GIF</a:t>
-            </a:r>
-            <a:r>
-              <a:rPr kumimoji="0" lang="zh-CN" altLang="en-US" sz="4000" b="1" i="0" u="none" strike="noStrike" cap="none" spc="0" normalizeH="0" baseline="0">
-                <a:ln>
-                  <a:noFill/>
-                </a:ln>
-                <a:solidFill>
-                  <a:srgbClr val="000000"/>
-                </a:solidFill>
-                <a:effectLst/>
-                <a:uFillTx/>
-                <a:latin typeface="Helvetica Neue Medium"/>
-                <a:ea typeface="Helvetica Neue Medium"/>
-                <a:cs typeface="Helvetica Neue Medium"/>
-                <a:sym typeface="Helvetica Neue Medium"/>
-              </a:rPr>
-              <a:t>或逐帧播放。</a:t>
+                <a:hlinkClick r:id="rId6" action="ppaction://hlinkfile"/>
+              </a:rPr>
+              <a:t>看代码</a:t>
             </a:r>
           </a:p>
           <a:p>
@@ -7360,7 +8183,7 @@
                 <a:cs typeface="Helvetica Neue Medium"/>
                 <a:sym typeface="Helvetica Neue Medium"/>
               </a:rPr>
-              <a:t>前期在视觉制作</a:t>
+              <a:t>什么情况下适合用</a:t>
             </a:r>
             <a:r>
               <a:rPr kumimoji="0" lang="en-US" altLang="zh-CN" sz="4000" b="1" i="0" u="none" strike="noStrike" cap="none" spc="0" normalizeH="0" baseline="0">
@@ -7377,7 +8200,7 @@
                 <a:cs typeface="Helvetica Neue Medium"/>
                 <a:sym typeface="Helvetica Neue Medium"/>
               </a:rPr>
-              <a:t>AE</a:t>
+              <a:t>lottie</a:t>
             </a:r>
             <a:r>
               <a:rPr kumimoji="0" lang="zh-CN" altLang="en-US" sz="4000" b="1" i="0" u="none" strike="noStrike" cap="none" spc="0" normalizeH="0" baseline="0">
@@ -7390,11 +8213,198 @@
                 <a:effectLst/>
                 <a:uFillTx/>
                 <a:latin typeface="Helvetica Neue Medium"/>
-                <a:ea typeface="Helvetica Neue Medium"/>
-                <a:cs typeface="Helvetica Neue Medium"/>
-                <a:sym typeface="Helvetica Neue Medium"/>
-              </a:rPr>
-              <a:t>动效时，就应保证质量，不然后期改动还是费时间。</a:t>
+                <a:ea typeface="宋体" charset="0"/>
+                <a:cs typeface="Helvetica Neue Medium"/>
+                <a:sym typeface="Helvetica Neue Medium"/>
+              </a:rPr>
+              <a:t>？</a:t>
+            </a:r>
+          </a:p>
+          <a:p>
+            <a:pPr marL="0" marR="0" indent="0" algn="l" defTabSz="825500" rtl="0" fontAlgn="auto" latinLnBrk="0" hangingPunct="0">
+              <a:lnSpc>
+                <a:spcPct val="100000"/>
+              </a:lnSpc>
+              <a:spcBef>
+                <a:spcPts val="0"/>
+              </a:spcBef>
+              <a:spcAft>
+                <a:spcPts val="0"/>
+              </a:spcAft>
+              <a:buClrTx/>
+              <a:buSzTx/>
+              <a:buFontTx/>
+              <a:buNone/>
+            </a:pPr>
+            <a:r>
+              <a:rPr kumimoji="0" lang="en-US" altLang="zh-CN" sz="4000" b="1" i="0" u="none" strike="noStrike" cap="none" spc="0" normalizeH="0" baseline="0">
+                <a:ln>
+                  <a:noFill/>
+                </a:ln>
+                <a:solidFill>
+                  <a:srgbClr val="000000"/>
+                </a:solidFill>
+                <a:effectLst/>
+                <a:uFillTx/>
+                <a:latin typeface="Helvetica Neue Medium"/>
+                <a:ea typeface="宋体" charset="0"/>
+                <a:cs typeface="Helvetica Neue Medium"/>
+                <a:sym typeface="Helvetica Neue Medium"/>
+              </a:rPr>
+              <a:t>	lottie</a:t>
+            </a:r>
+            <a:r>
+              <a:rPr kumimoji="0" lang="zh-CN" altLang="en-US" sz="4000" b="1" i="0" u="none" strike="noStrike" cap="none" spc="0" normalizeH="0" baseline="0">
+                <a:ln>
+                  <a:noFill/>
+                </a:ln>
+                <a:solidFill>
+                  <a:srgbClr val="000000"/>
+                </a:solidFill>
+                <a:effectLst/>
+                <a:uFillTx/>
+                <a:latin typeface="Helvetica Neue Medium"/>
+                <a:ea typeface="宋体" charset="0"/>
+                <a:cs typeface="Helvetica Neue Medium"/>
+                <a:sym typeface="Helvetica Neue Medium"/>
+              </a:rPr>
+              <a:t>本身很大，且如果</a:t>
+            </a:r>
+            <a:r>
+              <a:rPr kumimoji="0" lang="en-US" altLang="zh-CN" sz="4000" b="1" i="0" u="none" strike="noStrike" cap="none" spc="0" normalizeH="0" baseline="0">
+                <a:ln>
+                  <a:noFill/>
+                </a:ln>
+                <a:solidFill>
+                  <a:srgbClr val="000000"/>
+                </a:solidFill>
+                <a:effectLst/>
+                <a:uFillTx/>
+                <a:latin typeface="Helvetica Neue Medium"/>
+                <a:ea typeface="宋体" charset="0"/>
+                <a:cs typeface="Helvetica Neue Medium"/>
+                <a:sym typeface="Helvetica Neue Medium"/>
+              </a:rPr>
+              <a:t>AE</a:t>
+            </a:r>
+            <a:r>
+              <a:rPr kumimoji="0" lang="zh-CN" altLang="en-US" sz="4000" b="1" i="0" u="none" strike="noStrike" cap="none" spc="0" normalizeH="0" baseline="0">
+                <a:ln>
+                  <a:noFill/>
+                </a:ln>
+                <a:solidFill>
+                  <a:srgbClr val="000000"/>
+                </a:solidFill>
+                <a:effectLst/>
+                <a:uFillTx/>
+                <a:latin typeface="Helvetica Neue Medium"/>
+                <a:ea typeface="宋体" charset="0"/>
+                <a:cs typeface="Helvetica Neue Medium"/>
+                <a:sym typeface="Helvetica Neue Medium"/>
+              </a:rPr>
+              <a:t>动画不规范，容易有性能问题。</a:t>
+            </a:r>
+            <a:r>
+              <a:rPr kumimoji="0" lang="en-US" altLang="zh-CN" sz="4000" b="1" i="0" u="none" strike="noStrike" cap="none" spc="0" normalizeH="0" baseline="0">
+                <a:ln>
+                  <a:noFill/>
+                </a:ln>
+                <a:solidFill>
+                  <a:srgbClr val="000000"/>
+                </a:solidFill>
+                <a:effectLst/>
+                <a:uFillTx/>
+                <a:latin typeface="Helvetica Neue Medium"/>
+                <a:ea typeface="宋体" charset="0"/>
+                <a:cs typeface="Helvetica Neue Medium"/>
+                <a:sym typeface="Helvetica Neue Medium"/>
+              </a:rPr>
+              <a:t>——</a:t>
+            </a:r>
+            <a:r>
+              <a:rPr kumimoji="0" lang="zh-CN" altLang="en-US" sz="4000" b="1" i="0" u="none" strike="noStrike" cap="none" spc="0" normalizeH="0" baseline="0">
+                <a:ln>
+                  <a:noFill/>
+                </a:ln>
+                <a:solidFill>
+                  <a:srgbClr val="000000"/>
+                </a:solidFill>
+                <a:effectLst/>
+                <a:uFillTx/>
+                <a:latin typeface="Helvetica Neue Medium"/>
+                <a:ea typeface="宋体" charset="0"/>
+                <a:cs typeface="Helvetica Neue Medium"/>
+                <a:sym typeface="Helvetica Neue Medium"/>
+              </a:rPr>
+              <a:t>简单动画考虑直接用</a:t>
+            </a:r>
+            <a:r>
+              <a:rPr kumimoji="0" lang="en-US" altLang="zh-CN" sz="4000" b="1" i="0" u="none" strike="noStrike" cap="none" spc="0" normalizeH="0" baseline="0">
+                <a:ln>
+                  <a:noFill/>
+                </a:ln>
+                <a:solidFill>
+                  <a:srgbClr val="000000"/>
+                </a:solidFill>
+                <a:effectLst/>
+                <a:uFillTx/>
+                <a:latin typeface="Helvetica Neue Medium"/>
+                <a:ea typeface="宋体" charset="0"/>
+                <a:cs typeface="Helvetica Neue Medium"/>
+                <a:sym typeface="Helvetica Neue Medium"/>
+              </a:rPr>
+              <a:t>css</a:t>
+            </a:r>
+            <a:r>
+              <a:rPr kumimoji="0" lang="zh-CN" altLang="en-US" sz="4000" b="1" i="0" u="none" strike="noStrike" cap="none" spc="0" normalizeH="0" baseline="0">
+                <a:ln>
+                  <a:noFill/>
+                </a:ln>
+                <a:solidFill>
+                  <a:srgbClr val="000000"/>
+                </a:solidFill>
+                <a:effectLst/>
+                <a:uFillTx/>
+                <a:latin typeface="Helvetica Neue Medium"/>
+                <a:ea typeface="宋体" charset="0"/>
+                <a:cs typeface="Helvetica Neue Medium"/>
+                <a:sym typeface="Helvetica Neue Medium"/>
+              </a:rPr>
+              <a:t>处理，复杂动画可以考虑</a:t>
+            </a:r>
+            <a:r>
+              <a:rPr kumimoji="0" lang="en-US" altLang="zh-CN" sz="4000" b="1" i="0" u="none" strike="noStrike" cap="none" spc="0" normalizeH="0" baseline="0">
+                <a:ln>
+                  <a:noFill/>
+                </a:ln>
+                <a:solidFill>
+                  <a:srgbClr val="000000"/>
+                </a:solidFill>
+                <a:effectLst/>
+                <a:uFillTx/>
+                <a:latin typeface="Helvetica Neue Medium"/>
+                <a:ea typeface="宋体" charset="0"/>
+                <a:cs typeface="Helvetica Neue Medium"/>
+                <a:sym typeface="Helvetica Neue Medium"/>
+              </a:rPr>
+              <a:t>lottie</a:t>
+            </a:r>
+            <a:r>
+              <a:rPr kumimoji="0" lang="zh-CN" altLang="en-US" sz="4000" b="1" i="0" u="none" strike="noStrike" cap="none" spc="0" normalizeH="0" baseline="0">
+                <a:ln>
+                  <a:noFill/>
+                </a:ln>
+                <a:solidFill>
+                  <a:srgbClr val="000000"/>
+                </a:solidFill>
+                <a:effectLst/>
+                <a:uFillTx/>
+                <a:latin typeface="Helvetica Neue Medium"/>
+                <a:ea typeface="宋体" charset="0"/>
+                <a:cs typeface="Helvetica Neue Medium"/>
+                <a:sym typeface="Helvetica Neue Medium"/>
+              </a:rPr>
+              <a:t>。</a:t>
             </a:r>
           </a:p>
         </p:txBody>
@@ -7408,7 +8418,367 @@
 </p:sld>
 </file>
 
-<file path=ppt/slides/slide13.xml><?xml version="1.0" encoding="utf-8"?>
+<file path=ppt/slides/slide14.xml><?xml version="1.0" encoding="utf-8"?>
+<p:sld xmlns:a="http://schemas.openxmlformats.org/drawingml/2006/main" xmlns:r="http://schemas.openxmlformats.org/officeDocument/2006/relationships" xmlns:p="http://schemas.openxmlformats.org/presentationml/2006/main">
+  <p:cSld>
+    <p:spTree>
+      <p:nvGrpSpPr>
+        <p:cNvPr id="1" name=""/>
+        <p:cNvGrpSpPr/>
+        <p:nvPr/>
+      </p:nvGrpSpPr>
+      <p:grpSpPr>
+        <a:xfrm>
+          <a:off x="0" y="0"/>
+          <a:ext cx="0" cy="0"/>
+          <a:chOff x="0" y="0"/>
+          <a:chExt cx="0" cy="0"/>
+        </a:xfrm>
+      </p:grpSpPr>
+      <p:sp>
+        <p:nvSpPr>
+          <p:cNvPr id="139" name="Shape 139"/>
+          <p:cNvSpPr/>
+          <p:nvPr/>
+        </p:nvSpPr>
+        <p:spPr>
+          <a:xfrm>
+            <a:off x="1233525" y="6619706"/>
+            <a:ext cx="102657" cy="570734"/>
+          </a:xfrm>
+          <a:prstGeom prst="rect">
+            <a:avLst/>
+          </a:prstGeom>
+          <a:ln w="12700">
+            <a:miter lim="400000"/>
+          </a:ln>
+        </p:spPr>
+        <p:txBody>
+          <a:bodyPr wrap="none" lIns="50800" tIns="50800" rIns="50800" bIns="50800">
+            <a:spAutoFit/>
+          </a:bodyPr>
+          <a:lstStyle/>
+          <a:p>
+            <a:pPr algn="l">
+              <a:lnSpc>
+                <a:spcPct val="160000"/>
+              </a:lnSpc>
+              <a:defRPr sz="2200">
+                <a:latin typeface="+mj-lt"/>
+                <a:ea typeface="+mj-ea"/>
+                <a:cs typeface="+mj-cs"/>
+                <a:sym typeface="Helvetica Neue" panose="02000503000000020004"/>
+              </a:defRPr>
+            </a:pPr>
+            <a:endParaRPr sz="3000" dirty="0"/>
+          </a:p>
+        </p:txBody>
+      </p:sp>
+      <p:sp>
+        <p:nvSpPr>
+          <p:cNvPr id="140" name="Shape 140"/>
+          <p:cNvSpPr/>
+          <p:nvPr/>
+        </p:nvSpPr>
+        <p:spPr>
+          <a:xfrm>
+            <a:off x="7218696" y="6619706"/>
+            <a:ext cx="102657" cy="570734"/>
+          </a:xfrm>
+          <a:prstGeom prst="rect">
+            <a:avLst/>
+          </a:prstGeom>
+          <a:ln w="12700">
+            <a:miter lim="400000"/>
+          </a:ln>
+        </p:spPr>
+        <p:txBody>
+          <a:bodyPr wrap="none" lIns="50800" tIns="50800" rIns="50800" bIns="50800">
+            <a:spAutoFit/>
+          </a:bodyPr>
+          <a:lstStyle/>
+          <a:p>
+            <a:pPr algn="l">
+              <a:lnSpc>
+                <a:spcPct val="160000"/>
+              </a:lnSpc>
+              <a:defRPr sz="2200">
+                <a:latin typeface="+mj-lt"/>
+                <a:ea typeface="+mj-ea"/>
+                <a:cs typeface="+mj-cs"/>
+                <a:sym typeface="Helvetica Neue" panose="02000503000000020004"/>
+              </a:defRPr>
+            </a:pPr>
+            <a:endParaRPr sz="3000" dirty="0"/>
+          </a:p>
+        </p:txBody>
+      </p:sp>
+      <p:sp>
+        <p:nvSpPr>
+          <p:cNvPr id="141" name="Shape 141"/>
+          <p:cNvSpPr/>
+          <p:nvPr/>
+        </p:nvSpPr>
+        <p:spPr>
+          <a:xfrm>
+            <a:off x="13216566" y="6619706"/>
+            <a:ext cx="102657" cy="570734"/>
+          </a:xfrm>
+          <a:prstGeom prst="rect">
+            <a:avLst/>
+          </a:prstGeom>
+          <a:ln w="12700">
+            <a:miter lim="400000"/>
+          </a:ln>
+        </p:spPr>
+        <p:txBody>
+          <a:bodyPr wrap="none" lIns="50800" tIns="50800" rIns="50800" bIns="50800">
+            <a:spAutoFit/>
+          </a:bodyPr>
+          <a:lstStyle/>
+          <a:p>
+            <a:pPr algn="l">
+              <a:lnSpc>
+                <a:spcPct val="160000"/>
+              </a:lnSpc>
+              <a:defRPr sz="2200">
+                <a:latin typeface="+mj-lt"/>
+                <a:ea typeface="+mj-ea"/>
+                <a:cs typeface="+mj-cs"/>
+                <a:sym typeface="Helvetica Neue" panose="02000503000000020004"/>
+              </a:defRPr>
+            </a:pPr>
+            <a:endParaRPr sz="3000" dirty="0"/>
+          </a:p>
+        </p:txBody>
+      </p:sp>
+      <p:pic>
+        <p:nvPicPr>
+          <p:cNvPr id="142" name="pasted-image.pdf"/>
+          <p:cNvPicPr>
+            <a:picLocks noChangeAspect="1"/>
+          </p:cNvPicPr>
+          <p:nvPr/>
+        </p:nvPicPr>
+        <p:blipFill>
+          <a:blip r:embed="rId3"/>
+          <a:srcRect b="82595"/>
+          <a:stretch>
+            <a:fillRect/>
+          </a:stretch>
+        </p:blipFill>
+        <p:spPr>
+          <a:xfrm>
+            <a:off x="0" y="-37844"/>
+            <a:ext cx="24383841" cy="2387243"/>
+          </a:xfrm>
+          <a:prstGeom prst="rect">
+            <a:avLst/>
+          </a:prstGeom>
+          <a:ln w="12700">
+            <a:miter lim="400000"/>
+            <a:headEnd/>
+            <a:tailEnd/>
+          </a:ln>
+        </p:spPr>
+      </p:pic>
+      <p:sp>
+        <p:nvSpPr>
+          <p:cNvPr id="143" name="Shape 143" descr="NETEASE…"/>
+          <p:cNvSpPr/>
+          <p:nvPr/>
+        </p:nvSpPr>
+        <p:spPr>
+          <a:xfrm>
+            <a:off x="1144625" y="689667"/>
+            <a:ext cx="1475740" cy="932180"/>
+          </a:xfrm>
+          <a:prstGeom prst="rect">
+            <a:avLst/>
+          </a:prstGeom>
+          <a:ln w="12700">
+            <a:miter lim="400000"/>
+          </a:ln>
+        </p:spPr>
+        <p:txBody>
+          <a:bodyPr wrap="none" lIns="50800" tIns="50800" rIns="50800" bIns="50800" anchor="ctr">
+            <a:spAutoFit/>
+          </a:bodyPr>
+          <a:lstStyle>
+            <a:lvl1pPr algn="l">
+              <a:defRPr sz="5000">
+                <a:solidFill>
+                  <a:srgbClr val="FFFFFF"/>
+                </a:solidFill>
+                <a:latin typeface="PingFang SC Regular"/>
+                <a:ea typeface="PingFang SC Regular"/>
+                <a:cs typeface="PingFang SC Regular"/>
+                <a:sym typeface="PingFang SC Regular"/>
+              </a:defRPr>
+            </a:lvl1pPr>
+          </a:lstStyle>
+          <a:p>
+            <a:pPr algn="l"/>
+            <a:r>
+              <a:rPr lang="zh-CN" altLang="en-US" sz="5400" b="1">
+                <a:solidFill>
+                  <a:schemeClr val="bg1"/>
+                </a:solidFill>
+                <a:latin typeface="Helvetica Neue Medium"/>
+                <a:ea typeface="Helvetica Neue Medium"/>
+                <a:cs typeface="Helvetica Neue Medium"/>
+                <a:sym typeface="Helvetica Neue Medium"/>
+              </a:rPr>
+              <a:t>总结</a:t>
+            </a:r>
+          </a:p>
+        </p:txBody>
+      </p:sp>
+      <p:pic>
+        <p:nvPicPr>
+          <p:cNvPr id="144" name="pasted-image.pdf"/>
+          <p:cNvPicPr>
+            <a:picLocks noChangeAspect="1"/>
+          </p:cNvPicPr>
+          <p:nvPr/>
+        </p:nvPicPr>
+        <p:blipFill>
+          <a:blip r:embed="rId4"/>
+          <a:stretch>
+            <a:fillRect/>
+          </a:stretch>
+        </p:blipFill>
+        <p:spPr>
+          <a:xfrm>
+            <a:off x="19446721" y="813865"/>
+            <a:ext cx="3670301" cy="683785"/>
+          </a:xfrm>
+          <a:prstGeom prst="rect">
+            <a:avLst/>
+          </a:prstGeom>
+          <a:ln w="12700">
+            <a:miter lim="400000"/>
+            <a:headEnd/>
+            <a:tailEnd/>
+          </a:ln>
+        </p:spPr>
+      </p:pic>
+      <p:sp>
+        <p:nvSpPr>
+          <p:cNvPr id="146" name="Shape 146"/>
+          <p:cNvSpPr/>
+          <p:nvPr/>
+        </p:nvSpPr>
+        <p:spPr>
+          <a:xfrm>
+            <a:off x="19214438" y="6619706"/>
+            <a:ext cx="102657" cy="570734"/>
+          </a:xfrm>
+          <a:prstGeom prst="rect">
+            <a:avLst/>
+          </a:prstGeom>
+          <a:ln w="12700">
+            <a:miter lim="400000"/>
+          </a:ln>
+        </p:spPr>
+        <p:txBody>
+          <a:bodyPr wrap="none" lIns="50800" tIns="50800" rIns="50800" bIns="50800">
+            <a:spAutoFit/>
+          </a:bodyPr>
+          <a:lstStyle/>
+          <a:p>
+            <a:pPr algn="l">
+              <a:lnSpc>
+                <a:spcPct val="160000"/>
+              </a:lnSpc>
+              <a:defRPr sz="2200">
+                <a:latin typeface="+mj-lt"/>
+                <a:ea typeface="+mj-ea"/>
+                <a:cs typeface="+mj-cs"/>
+                <a:sym typeface="Helvetica Neue" panose="02000503000000020004"/>
+              </a:defRPr>
+            </a:pPr>
+            <a:endParaRPr sz="3000" dirty="0"/>
+          </a:p>
+        </p:txBody>
+      </p:sp>
+      <p:sp>
+        <p:nvSpPr>
+          <p:cNvPr id="2" name="文本框 1"/>
+          <p:cNvSpPr txBox="1"/>
+          <p:nvPr/>
+        </p:nvSpPr>
+        <p:spPr>
+          <a:xfrm>
+            <a:off x="1144905" y="4362987"/>
+            <a:ext cx="20107275" cy="1333698"/>
+          </a:xfrm>
+          <a:prstGeom prst="rect">
+            <a:avLst/>
+          </a:prstGeom>
+          <a:noFill/>
+          <a:ln w="12700" cap="flat">
+            <a:noFill/>
+            <a:miter lim="400000"/>
+          </a:ln>
+        </p:spPr>
+        <p:style>
+          <a:lnRef idx="0">
+            <a:scrgbClr r="0" g="0" b="0"/>
+          </a:lnRef>
+          <a:fillRef idx="0">
+            <a:scrgbClr r="0" g="0" b="0"/>
+          </a:fillRef>
+          <a:effectRef idx="0">
+            <a:scrgbClr r="0" g="0" b="0"/>
+          </a:effectRef>
+          <a:fontRef idx="none"/>
+        </p:style>
+        <p:txBody>
+          <a:bodyPr rot="0" vertOverflow="overflow" horzOverflow="overflow" vert="horz" wrap="square" lIns="50800" tIns="50800" rIns="50800" bIns="50800" numCol="1" spcCol="38100" rtlCol="0" anchor="ctr" forceAA="0">
+            <a:spAutoFit/>
+          </a:bodyPr>
+          <a:lstStyle/>
+          <a:p>
+            <a:pPr marL="742950" indent="-742950" algn="l">
+              <a:buAutoNum type="arabicPeriod"/>
+            </a:pPr>
+            <a:r>
+              <a:rPr lang="zh-CN" altLang="en-US" sz="4000" b="1" dirty="0"/>
+              <a:t>始终以相同顺序初始化对象</a:t>
+            </a:r>
+            <a:endParaRPr lang="en-US" altLang="zh-CN" sz="4000" b="1" dirty="0"/>
+          </a:p>
+          <a:p>
+            <a:pPr marL="742950" indent="-742950" algn="l">
+              <a:buAutoNum type="arabicPeriod"/>
+            </a:pPr>
+            <a:r>
+              <a:rPr lang="zh-CN" altLang="en-US" sz="4000" b="1" dirty="0"/>
+              <a:t>性能优化的必要性 </a:t>
+            </a:r>
+            <a:r>
+              <a:rPr lang="en-US" altLang="zh-CN" sz="4000" b="1" dirty="0"/>
+              <a:t>– </a:t>
+            </a:r>
+            <a:r>
+              <a:rPr lang="zh-CN" altLang="en-US" sz="4000" b="1"/>
+              <a:t>深度还没达到</a:t>
+            </a:r>
+            <a:endParaRPr lang="en-US" altLang="zh-CN" sz="4000" b="1" dirty="0"/>
+          </a:p>
+        </p:txBody>
+      </p:sp>
+    </p:spTree>
+  </p:cSld>
+  <p:clrMapOvr>
+    <a:masterClrMapping/>
+  </p:clrMapOvr>
+  <p:transition spd="slow"/>
+</p:sld>
+</file>
+
+<file path=ppt/slides/slide15.xml><?xml version="1.0" encoding="utf-8"?>
 <p:sld xmlns:a="http://schemas.openxmlformats.org/drawingml/2006/main" xmlns:r="http://schemas.openxmlformats.org/officeDocument/2006/relationships" xmlns:p="http://schemas.openxmlformats.org/presentationml/2006/main">
   <p:cSld>
     <p:spTree>
@@ -7876,8 +9246,8 @@
         </p:nvSpPr>
         <p:spPr>
           <a:xfrm>
-            <a:off x="1336675" y="3625961"/>
-            <a:ext cx="4195059" cy="7538859"/>
+            <a:off x="1336675" y="4387708"/>
+            <a:ext cx="5887830" cy="6015365"/>
           </a:xfrm>
           <a:prstGeom prst="rect">
             <a:avLst/>
@@ -7922,12 +9292,8 @@
               <a:buAutoNum type="arabicPeriod"/>
             </a:pPr>
             <a:r>
-              <a:rPr lang="en-US" altLang="zh-CN" sz="6600" b="1" dirty="0"/>
-              <a:t>V8 </a:t>
-            </a:r>
-            <a:r>
               <a:rPr lang="zh-CN" altLang="en-US" sz="6600" b="1" dirty="0"/>
-              <a:t>简介</a:t>
+              <a:t>引擎介绍</a:t>
             </a:r>
             <a:endParaRPr kumimoji="0" lang="zh-CN" altLang="en-US" sz="6600" b="1" i="0" u="none" strike="noStrike" cap="none" spc="0" normalizeH="0" baseline="0" dirty="0">
               <a:ln>
@@ -7961,60 +9327,8 @@
               <a:buAutoNum type="arabicPeriod"/>
             </a:pPr>
             <a:r>
-              <a:rPr kumimoji="0" lang="zh-CN" altLang="en-US" sz="6600" b="1" i="0" u="none" strike="noStrike" cap="none" spc="0" normalizeH="0" baseline="0" dirty="0">
-                <a:ln>
-                  <a:noFill/>
-                </a:ln>
-                <a:solidFill>
-                  <a:srgbClr val="000000"/>
-                </a:solidFill>
-                <a:effectLst/>
-                <a:uFillTx/>
-                <a:latin typeface="Helvetica Neue Medium"/>
-                <a:ea typeface="Helvetica Neue Medium"/>
-                <a:cs typeface="Helvetica Neue Medium"/>
-                <a:sym typeface="Helvetica Neue Medium"/>
-              </a:rPr>
-              <a:t>性能</a:t>
-            </a:r>
-            <a:r>
               <a:rPr lang="zh-CN" altLang="en-US" sz="6600" b="1" dirty="0"/>
-              <a:t>分析</a:t>
-            </a:r>
-            <a:endParaRPr kumimoji="0" lang="zh-CN" altLang="en-US" sz="6600" b="1" i="0" u="none" strike="noStrike" cap="none" spc="0" normalizeH="0" baseline="0" dirty="0">
-              <a:ln>
-                <a:noFill/>
-              </a:ln>
-              <a:solidFill>
-                <a:srgbClr val="000000"/>
-              </a:solidFill>
-              <a:effectLst/>
-              <a:uFillTx/>
-              <a:latin typeface="Helvetica Neue Medium"/>
-              <a:ea typeface="Helvetica Neue Medium"/>
-              <a:cs typeface="Helvetica Neue Medium"/>
-              <a:sym typeface="Helvetica Neue Medium"/>
-            </a:endParaRPr>
-          </a:p>
-          <a:p>
-            <a:pPr marL="514350" marR="0" indent="-514350" algn="l" defTabSz="825500" rtl="0" fontAlgn="auto" latinLnBrk="0" hangingPunct="0">
-              <a:lnSpc>
-                <a:spcPct val="150000"/>
-              </a:lnSpc>
-              <a:spcBef>
-                <a:spcPts val="0"/>
-              </a:spcBef>
-              <a:spcAft>
-                <a:spcPts val="0"/>
-              </a:spcAft>
-              <a:buClrTx/>
-              <a:buSzTx/>
-              <a:buFontTx/>
-              <a:buAutoNum type="arabicPeriod"/>
-            </a:pPr>
-            <a:r>
-              <a:rPr lang="zh-CN" altLang="en-US" sz="6600" b="1" dirty="0"/>
-              <a:t>性能优化</a:t>
+              <a:t>性能优化机制</a:t>
             </a:r>
             <a:endParaRPr lang="en-US" altLang="zh-CN" sz="6600" b="1" dirty="0"/>
           </a:p>
@@ -8297,7 +9611,7 @@
         </p:nvSpPr>
         <p:spPr>
           <a:xfrm>
-            <a:off x="1144625" y="688963"/>
+            <a:off x="1144625" y="688962"/>
             <a:ext cx="11765832" cy="933589"/>
           </a:xfrm>
           <a:prstGeom prst="rect">
@@ -8326,28 +9640,18 @@
           </a:lstStyle>
           <a:p>
             <a:r>
-              <a:rPr lang="en-US" altLang="zh-CN" sz="5400" b="1" dirty="0">
-                <a:solidFill>
-                  <a:schemeClr val="bg1"/>
-                </a:solidFill>
-                <a:latin typeface="Helvetica Neue Medium"/>
-                <a:ea typeface="Helvetica Neue Medium"/>
-                <a:cs typeface="Helvetica Neue Medium"/>
-                <a:sym typeface="Helvetica Neue Medium"/>
-              </a:rPr>
-              <a:t>V8 </a:t>
+              <a:rPr lang="zh-CN" altLang="en-US" sz="5400" b="1" dirty="0"/>
+              <a:t>引擎介绍</a:t>
             </a:r>
             <a:r>
               <a:rPr lang="zh-CN" altLang="en-US" sz="5400" b="1" dirty="0">
                 <a:solidFill>
-                  <a:schemeClr val="bg1"/>
-                </a:solidFill>
-                <a:latin typeface="Helvetica Neue Medium"/>
-                <a:ea typeface="Helvetica Neue Medium"/>
-                <a:cs typeface="Helvetica Neue Medium"/>
-                <a:sym typeface="Helvetica Neue Medium"/>
-              </a:rPr>
-              <a:t>简介 </a:t>
+                  <a:srgbClr val="000000"/>
+                </a:solidFill>
+                <a:latin typeface="Helvetica Neue Medium"/>
+                <a:sym typeface="Helvetica Neue Medium"/>
+              </a:rPr>
+              <a:t> </a:t>
             </a:r>
             <a:r>
               <a:rPr lang="en-US" altLang="zh-CN" sz="5400" b="1" dirty="0">
@@ -8758,7 +10062,7 @@
         <p:spPr>
           <a:xfrm>
             <a:off x="1144625" y="688963"/>
-            <a:ext cx="4680769" cy="933589"/>
+            <a:ext cx="4991751" cy="933589"/>
           </a:xfrm>
           <a:prstGeom prst="rect">
             <a:avLst/>
@@ -8786,28 +10090,8 @@
           </a:lstStyle>
           <a:p>
             <a:r>
-              <a:rPr lang="en-US" altLang="zh-CN" sz="5400" b="1" dirty="0">
-                <a:solidFill>
-                  <a:schemeClr val="bg1"/>
-                </a:solidFill>
-                <a:latin typeface="Helvetica Neue Medium"/>
-                <a:ea typeface="Helvetica Neue Medium"/>
-                <a:cs typeface="Helvetica Neue Medium"/>
-                <a:sym typeface="Helvetica Neue Medium"/>
-              </a:rPr>
-              <a:t>V8 </a:t>
-            </a:r>
-            <a:r>
-              <a:rPr lang="zh-CN" altLang="en-US" sz="5400" b="1" dirty="0">
-                <a:solidFill>
-                  <a:schemeClr val="bg1"/>
-                </a:solidFill>
-                <a:latin typeface="Helvetica Neue Medium"/>
-                <a:ea typeface="Helvetica Neue Medium"/>
-                <a:cs typeface="Helvetica Neue Medium"/>
-                <a:sym typeface="Helvetica Neue Medium"/>
-              </a:rPr>
-              <a:t>简介 </a:t>
+              <a:rPr lang="zh-CN" altLang="en-US" sz="5400" b="1" dirty="0"/>
+              <a:t>引擎介绍 </a:t>
             </a:r>
             <a:r>
               <a:rPr lang="en-US" altLang="zh-CN" sz="5400" b="1" dirty="0">
@@ -8912,8 +10196,8 @@
         </p:nvSpPr>
         <p:spPr>
           <a:xfrm>
-            <a:off x="1336675" y="3754697"/>
-            <a:ext cx="19996785" cy="4411464"/>
+            <a:off x="1336675" y="4678026"/>
+            <a:ext cx="19996785" cy="2564805"/>
           </a:xfrm>
           <a:prstGeom prst="rect">
             <a:avLst/>
@@ -9017,107 +10301,7 @@
             </a:r>
             <a:r>
               <a:rPr lang="zh-CN" altLang="en-US" sz="4000" b="1" dirty="0"/>
-              <a:t>，以及其他一些软件中。</a:t>
-            </a:r>
-            <a:r>
-              <a:rPr lang="en-US" altLang="zh-CN" sz="4000" b="1" dirty="0"/>
-              <a:t>V8 </a:t>
-            </a:r>
-            <a:r>
-              <a:rPr lang="zh-CN" altLang="en-US" sz="4000" b="1" dirty="0"/>
-              <a:t>实现了 </a:t>
-            </a:r>
-            <a:r>
-              <a:rPr lang="en-US" altLang="zh-CN" sz="4000" b="1" dirty="0"/>
-              <a:t>ECMAScript </a:t>
-            </a:r>
-            <a:r>
-              <a:rPr lang="zh-CN" altLang="en-US" sz="4000" b="1" dirty="0"/>
-              <a:t>和 </a:t>
-            </a:r>
-            <a:r>
-              <a:rPr lang="en-US" altLang="zh-CN" sz="4000" b="1" dirty="0" err="1"/>
-              <a:t>WebAssembly</a:t>
-            </a:r>
-            <a:r>
-              <a:rPr lang="en-US" altLang="zh-CN" sz="4000" b="1" dirty="0"/>
-              <a:t> </a:t>
-            </a:r>
-            <a:r>
-              <a:rPr lang="zh-CN" altLang="en-US" sz="4000" b="1" dirty="0"/>
-              <a:t>标准，可以运行在 </a:t>
-            </a:r>
-            <a:r>
-              <a:rPr lang="en-US" altLang="zh-CN" sz="4000" b="1" dirty="0"/>
-              <a:t>Windows 7 </a:t>
-            </a:r>
-            <a:r>
-              <a:rPr lang="zh-CN" altLang="en-US" sz="4000" b="1" dirty="0"/>
-              <a:t>及以上，</a:t>
-            </a:r>
-            <a:r>
-              <a:rPr lang="en-US" altLang="zh-CN" sz="4000" b="1" dirty="0"/>
-              <a:t>macOS 10.12+</a:t>
-            </a:r>
-            <a:r>
-              <a:rPr lang="zh-CN" altLang="en-US" sz="4000" b="1" dirty="0"/>
-              <a:t>，以及 </a:t>
-            </a:r>
-            <a:r>
-              <a:rPr lang="en-US" altLang="zh-CN" sz="4000" b="1" dirty="0"/>
-              <a:t>x64</a:t>
-            </a:r>
-            <a:r>
-              <a:rPr lang="zh-CN" altLang="en-US" sz="4000" b="1" dirty="0"/>
-              <a:t>、</a:t>
-            </a:r>
-            <a:r>
-              <a:rPr lang="en-US" altLang="zh-CN" sz="4000" b="1" dirty="0"/>
-              <a:t>IA-32</a:t>
-            </a:r>
-            <a:r>
-              <a:rPr lang="zh-CN" altLang="en-US" sz="4000" b="1" dirty="0"/>
-              <a:t>、</a:t>
-            </a:r>
-            <a:r>
-              <a:rPr lang="en-US" altLang="zh-CN" sz="4000" b="1" dirty="0"/>
-              <a:t>ARM</a:t>
-            </a:r>
-            <a:r>
-              <a:rPr lang="zh-CN" altLang="en-US" sz="4000" b="1" dirty="0"/>
-              <a:t>、</a:t>
-            </a:r>
-            <a:r>
-              <a:rPr lang="en-US" altLang="zh-CN" sz="4000" b="1" dirty="0"/>
-              <a:t>MIPS </a:t>
-            </a:r>
-            <a:r>
-              <a:rPr lang="zh-CN" altLang="en-US" sz="4000" b="1" dirty="0"/>
-              <a:t>架构的 </a:t>
-            </a:r>
-            <a:r>
-              <a:rPr lang="en-US" altLang="zh-CN" sz="4000" b="1" dirty="0"/>
-              <a:t>Linux </a:t>
-            </a:r>
-            <a:r>
-              <a:rPr lang="zh-CN" altLang="en-US" sz="4000" b="1" dirty="0"/>
-              <a:t>系统。</a:t>
-            </a:r>
-            <a:r>
-              <a:rPr lang="en-US" altLang="zh-CN" sz="4000" b="1" dirty="0"/>
-              <a:t>V8 </a:t>
-            </a:r>
-            <a:r>
-              <a:rPr lang="zh-CN" altLang="en-US" sz="4000" b="1" dirty="0"/>
-              <a:t>可以独立运行，也可以被嵌入到 </a:t>
-            </a:r>
-            <a:r>
-              <a:rPr lang="en-US" altLang="zh-CN" sz="4000" b="1" dirty="0"/>
-              <a:t>C++ </a:t>
-            </a:r>
-            <a:r>
-              <a:rPr lang="zh-CN" altLang="en-US" sz="4000" b="1" dirty="0"/>
-              <a:t>应用程序中。</a:t>
+              <a:t>。</a:t>
             </a:r>
             <a:endParaRPr lang="en-US" altLang="zh-CN" sz="4000" b="1" dirty="0"/>
           </a:p>
@@ -9362,7 +10546,7 @@
         <p:spPr>
           <a:xfrm>
             <a:off x="1144625" y="688963"/>
-            <a:ext cx="6065763" cy="933589"/>
+            <a:ext cx="6376746" cy="933589"/>
           </a:xfrm>
           <a:prstGeom prst="rect">
             <a:avLst/>
@@ -9390,28 +10574,8 @@
           </a:lstStyle>
           <a:p>
             <a:r>
-              <a:rPr lang="en-US" altLang="zh-CN" sz="5400" b="1" dirty="0">
-                <a:solidFill>
-                  <a:schemeClr val="bg1"/>
-                </a:solidFill>
-                <a:latin typeface="Helvetica Neue Medium"/>
-                <a:ea typeface="Helvetica Neue Medium"/>
-                <a:cs typeface="Helvetica Neue Medium"/>
-                <a:sym typeface="Helvetica Neue Medium"/>
-              </a:rPr>
-              <a:t>V8 </a:t>
-            </a:r>
-            <a:r>
-              <a:rPr lang="zh-CN" altLang="en-US" sz="5400" b="1" dirty="0">
-                <a:solidFill>
-                  <a:schemeClr val="bg1"/>
-                </a:solidFill>
-                <a:latin typeface="Helvetica Neue Medium"/>
-                <a:ea typeface="Helvetica Neue Medium"/>
-                <a:cs typeface="Helvetica Neue Medium"/>
-                <a:sym typeface="Helvetica Neue Medium"/>
-              </a:rPr>
-              <a:t>简介 </a:t>
+              <a:rPr lang="zh-CN" altLang="en-US" sz="5400" b="1" dirty="0"/>
+              <a:t>引擎介绍 </a:t>
             </a:r>
             <a:r>
               <a:rPr lang="en-US" altLang="zh-CN" sz="5400" b="1" dirty="0">
@@ -9709,7 +10873,7 @@
         </p:blipFill>
         <p:spPr>
           <a:xfrm>
-            <a:off x="0" y="-37844"/>
+            <a:off x="159" y="-37844"/>
             <a:ext cx="24383841" cy="2387243"/>
           </a:xfrm>
           <a:prstGeom prst="rect">
@@ -9730,8 +10894,8 @@
         </p:nvSpPr>
         <p:spPr>
           <a:xfrm>
-            <a:off x="1144624" y="688963"/>
-            <a:ext cx="12071941" cy="933589"/>
+            <a:off x="1144625" y="688963"/>
+            <a:ext cx="6376746" cy="933589"/>
           </a:xfrm>
           <a:prstGeom prst="rect">
             <a:avLst/>
@@ -9741,7 +10905,7 @@
           </a:ln>
         </p:spPr>
         <p:txBody>
-          <a:bodyPr wrap="square" lIns="50800" tIns="50800" rIns="50800" bIns="50800" anchor="ctr">
+          <a:bodyPr wrap="none" lIns="50800" tIns="50800" rIns="50800" bIns="50800" anchor="ctr">
             <a:spAutoFit/>
           </a:bodyPr>
           <a:lstStyle>
@@ -9759,6 +10923,22 @@
           </a:lstStyle>
           <a:p>
             <a:r>
+              <a:rPr lang="zh-CN" altLang="en-US" sz="5400" b="1" dirty="0"/>
+              <a:t>引擎介绍 </a:t>
+            </a:r>
+            <a:r>
+              <a:rPr lang="en-US" altLang="zh-CN" sz="5400" b="1" dirty="0">
+                <a:solidFill>
+                  <a:schemeClr val="bg1"/>
+                </a:solidFill>
+                <a:latin typeface="Helvetica Neue Medium"/>
+                <a:ea typeface="Helvetica Neue Medium"/>
+                <a:cs typeface="Helvetica Neue Medium"/>
+                <a:sym typeface="Helvetica Neue Medium"/>
+              </a:rPr>
+              <a:t>–</a:t>
+            </a:r>
+            <a:r>
               <a:rPr lang="zh-CN" altLang="en-US" sz="5400" b="1" dirty="0">
                 <a:solidFill>
                   <a:schemeClr val="bg1"/>
@@ -9768,31 +10948,7 @@
                 <a:cs typeface="Helvetica Neue Medium"/>
                 <a:sym typeface="Helvetica Neue Medium"/>
               </a:rPr>
-              <a:t>性能分析 </a:t>
-            </a:r>
-            <a:r>
-              <a:rPr lang="en-US" altLang="zh-CN" sz="5400" b="1" dirty="0">
-                <a:solidFill>
-                  <a:schemeClr val="bg1"/>
-                </a:solidFill>
-                <a:latin typeface="Helvetica Neue Medium"/>
-                <a:ea typeface="Helvetica Neue Medium"/>
-                <a:cs typeface="Helvetica Neue Medium"/>
-                <a:sym typeface="Helvetica Neue Medium"/>
-              </a:rPr>
-              <a:t>–</a:t>
-            </a:r>
-            <a:r>
-              <a:rPr lang="zh-CN" altLang="en-US" sz="5400" b="1" dirty="0">
-                <a:solidFill>
-                  <a:schemeClr val="bg1"/>
-                </a:solidFill>
-                <a:latin typeface="Helvetica Neue Medium"/>
-                <a:ea typeface="Helvetica Neue Medium"/>
-                <a:cs typeface="Helvetica Neue Medium"/>
-                <a:sym typeface="Helvetica Neue Medium"/>
-              </a:rPr>
-              <a:t> 执行过程</a:t>
+              <a:t> 执行管道</a:t>
             </a:r>
           </a:p>
         </p:txBody>
@@ -9867,10 +11023,10 @@
       </p:sp>
       <p:pic>
         <p:nvPicPr>
-          <p:cNvPr id="4" name="图片 3">
+          <p:cNvPr id="7" name="图片 6">
             <a:extLst>
               <a:ext uri="{FF2B5EF4-FFF2-40B4-BE49-F238E27FC236}">
-                <a16:creationId xmlns:a16="http://schemas.microsoft.com/office/drawing/2014/main" id="{148B95B2-B35C-4DE0-8039-D1E13B0AD52E}"/>
+                <a16:creationId xmlns:a16="http://schemas.microsoft.com/office/drawing/2014/main" id="{E999E2F6-BD2A-41F5-A953-3A1508E5E00C}"/>
               </a:ext>
             </a:extLst>
           </p:cNvPr>
@@ -9880,31 +11036,185 @@
           <p:nvPr/>
         </p:nvPicPr>
         <p:blipFill>
-          <a:blip r:embed="rId5">
-            <a:extLst>
-              <a:ext uri="{28A0092B-C50C-407E-A947-70E740481C1C}">
-                <a14:useLocalDpi xmlns:a14="http://schemas.microsoft.com/office/drawing/2010/main" val="0"/>
-              </a:ext>
-            </a:extLst>
-          </a:blip>
+          <a:blip r:embed="rId5"/>
           <a:stretch>
             <a:fillRect/>
           </a:stretch>
         </p:blipFill>
         <p:spPr>
           <a:xfrm>
-            <a:off x="5234207" y="2745718"/>
-            <a:ext cx="13915426" cy="10039980"/>
+            <a:off x="2530761" y="4244959"/>
+            <a:ext cx="12666968" cy="6888480"/>
           </a:xfrm>
           <a:prstGeom prst="rect">
             <a:avLst/>
           </a:prstGeom>
         </p:spPr>
       </p:pic>
+      <p:sp>
+        <p:nvSpPr>
+          <p:cNvPr id="8" name="文本框 7">
+            <a:extLst>
+              <a:ext uri="{FF2B5EF4-FFF2-40B4-BE49-F238E27FC236}">
+                <a16:creationId xmlns:a16="http://schemas.microsoft.com/office/drawing/2014/main" id="{3A4F8B65-4392-4D89-8D14-2AC1C2894CCC}"/>
+              </a:ext>
+            </a:extLst>
+          </p:cNvPr>
+          <p:cNvSpPr txBox="1"/>
+          <p:nvPr/>
+        </p:nvSpPr>
+        <p:spPr>
+          <a:xfrm>
+            <a:off x="15338124" y="5348755"/>
+            <a:ext cx="6515115" cy="1487587"/>
+          </a:xfrm>
+          <a:prstGeom prst="rect">
+            <a:avLst/>
+          </a:prstGeom>
+          <a:noFill/>
+          <a:ln w="12700" cap="flat">
+            <a:noFill/>
+            <a:miter lim="400000"/>
+          </a:ln>
+        </p:spPr>
+        <p:style>
+          <a:lnRef idx="0">
+            <a:scrgbClr r="0" g="0" b="0"/>
+          </a:lnRef>
+          <a:fillRef idx="0">
+            <a:scrgbClr r="0" g="0" b="0"/>
+          </a:fillRef>
+          <a:effectRef idx="0">
+            <a:scrgbClr r="0" g="0" b="0"/>
+          </a:effectRef>
+          <a:fontRef idx="none"/>
+        </p:style>
+        <p:txBody>
+          <a:bodyPr rot="0" spcFirstLastPara="1" vertOverflow="overflow" horzOverflow="overflow" vert="horz" wrap="square" lIns="50800" tIns="50800" rIns="50800" bIns="50800" numCol="1" spcCol="38100" rtlCol="0" anchor="ctr">
+            <a:spAutoFit/>
+          </a:bodyPr>
+          <a:lstStyle/>
+          <a:p>
+            <a:pPr marL="0" marR="0" indent="0" algn="l" defTabSz="825500" rtl="0" fontAlgn="auto" latinLnBrk="0" hangingPunct="0">
+              <a:lnSpc>
+                <a:spcPct val="100000"/>
+              </a:lnSpc>
+              <a:spcBef>
+                <a:spcPts val="0"/>
+              </a:spcBef>
+              <a:spcAft>
+                <a:spcPts val="0"/>
+              </a:spcAft>
+              <a:buClrTx/>
+              <a:buSzTx/>
+              <a:buFontTx/>
+              <a:buNone/>
+            </a:pPr>
+            <a:r>
+              <a:rPr kumimoji="0" lang="en-US" altLang="zh-CN" sz="3000" b="0" i="0" u="none" strike="noStrike" cap="none" spc="0" normalizeH="0" baseline="0" dirty="0">
+                <a:ln>
+                  <a:noFill/>
+                </a:ln>
+                <a:solidFill>
+                  <a:srgbClr val="000000"/>
+                </a:solidFill>
+                <a:effectLst/>
+                <a:uFillTx/>
+                <a:latin typeface="Helvetica Neue Medium"/>
+                <a:ea typeface="Helvetica Neue Medium"/>
+                <a:cs typeface="Helvetica Neue Medium"/>
+                <a:sym typeface="Helvetica Neue Medium"/>
+              </a:rPr>
+              <a:t>V8 </a:t>
+            </a:r>
+            <a:r>
+              <a:rPr kumimoji="0" lang="zh-CN" altLang="en-US" sz="3000" b="0" i="0" u="none" strike="noStrike" cap="none" spc="0" normalizeH="0" baseline="0" dirty="0">
+                <a:ln>
+                  <a:noFill/>
+                </a:ln>
+                <a:solidFill>
+                  <a:srgbClr val="000000"/>
+                </a:solidFill>
+                <a:effectLst/>
+                <a:uFillTx/>
+                <a:latin typeface="Helvetica Neue Medium"/>
+                <a:ea typeface="Helvetica Neue Medium"/>
+                <a:cs typeface="Helvetica Neue Medium"/>
+                <a:sym typeface="Helvetica Neue Medium"/>
+              </a:rPr>
+              <a:t>解释器：</a:t>
+            </a:r>
+            <a:r>
+              <a:rPr kumimoji="0" lang="en-US" altLang="zh-CN" sz="3000" b="0" i="0" u="none" strike="noStrike" cap="none" spc="0" normalizeH="0" baseline="0" dirty="0">
+                <a:ln>
+                  <a:noFill/>
+                </a:ln>
+                <a:solidFill>
+                  <a:srgbClr val="000000"/>
+                </a:solidFill>
+                <a:effectLst/>
+                <a:uFillTx/>
+                <a:latin typeface="Helvetica Neue Medium"/>
+                <a:ea typeface="Helvetica Neue Medium"/>
+                <a:cs typeface="Helvetica Neue Medium"/>
+                <a:sym typeface="Helvetica Neue Medium"/>
+              </a:rPr>
+              <a:t>Ignition</a:t>
+            </a:r>
+          </a:p>
+          <a:p>
+            <a:pPr marL="0" marR="0" indent="0" algn="l" defTabSz="825500" rtl="0" fontAlgn="auto" latinLnBrk="0" hangingPunct="0">
+              <a:lnSpc>
+                <a:spcPct val="100000"/>
+              </a:lnSpc>
+              <a:spcBef>
+                <a:spcPts val="0"/>
+              </a:spcBef>
+              <a:spcAft>
+                <a:spcPts val="0"/>
+              </a:spcAft>
+              <a:buClrTx/>
+              <a:buSzTx/>
+              <a:buFontTx/>
+              <a:buNone/>
+            </a:pPr>
+            <a:endParaRPr kumimoji="0" lang="en-US" altLang="zh-CN" sz="3000" b="0" i="0" u="none" strike="noStrike" cap="none" spc="0" normalizeH="0" baseline="0" dirty="0">
+              <a:ln>
+                <a:noFill/>
+              </a:ln>
+              <a:solidFill>
+                <a:srgbClr val="000000"/>
+              </a:solidFill>
+              <a:effectLst/>
+              <a:uFillTx/>
+              <a:latin typeface="Helvetica Neue Medium"/>
+              <a:ea typeface="Helvetica Neue Medium"/>
+              <a:cs typeface="Helvetica Neue Medium"/>
+              <a:sym typeface="Helvetica Neue Medium"/>
+            </a:endParaRPr>
+          </a:p>
+          <a:p>
+            <a:pPr algn="l"/>
+            <a:r>
+              <a:rPr lang="en-US" altLang="zh-CN" dirty="0"/>
+              <a:t>V8 </a:t>
+            </a:r>
+            <a:r>
+              <a:rPr lang="zh-CN" altLang="en-US" dirty="0"/>
+              <a:t>优化编译器：</a:t>
+            </a:r>
+            <a:r>
+              <a:rPr lang="en-US" altLang="zh-CN" dirty="0" err="1"/>
+              <a:t>TurboFan</a:t>
+            </a:r>
+            <a:endParaRPr lang="en-US" altLang="zh-CN" dirty="0"/>
+          </a:p>
+        </p:txBody>
+      </p:sp>
     </p:spTree>
     <p:extLst>
       <p:ext uri="{BB962C8B-B14F-4D97-AF65-F5344CB8AC3E}">
-        <p14:creationId xmlns:p14="http://schemas.microsoft.com/office/powerpoint/2010/main" val="96993205"/>
+        <p14:creationId xmlns:p14="http://schemas.microsoft.com/office/powerpoint/2010/main" val="3125994470"/>
       </p:ext>
     </p:extLst>
   </p:cSld>
@@ -9967,85 +11277,7 @@
                 <a:sym typeface="Helvetica Neue" panose="02000503000000020004"/>
               </a:defRPr>
             </a:pPr>
-            <a:endParaRPr sz="3000" dirty="0"/>
-          </a:p>
-        </p:txBody>
-      </p:sp>
-      <p:sp>
-        <p:nvSpPr>
-          <p:cNvPr id="140" name="Shape 140"/>
-          <p:cNvSpPr/>
-          <p:nvPr/>
-        </p:nvSpPr>
-        <p:spPr>
-          <a:xfrm>
-            <a:off x="7218696" y="6619706"/>
-            <a:ext cx="102657" cy="570734"/>
-          </a:xfrm>
-          <a:prstGeom prst="rect">
-            <a:avLst/>
-          </a:prstGeom>
-          <a:ln w="12700">
-            <a:miter lim="400000"/>
-          </a:ln>
-        </p:spPr>
-        <p:txBody>
-          <a:bodyPr wrap="none" lIns="50800" tIns="50800" rIns="50800" bIns="50800">
-            <a:spAutoFit/>
-          </a:bodyPr>
-          <a:lstStyle/>
-          <a:p>
-            <a:pPr algn="l">
-              <a:lnSpc>
-                <a:spcPct val="160000"/>
-              </a:lnSpc>
-              <a:defRPr sz="2200">
-                <a:latin typeface="+mj-lt"/>
-                <a:ea typeface="+mj-ea"/>
-                <a:cs typeface="+mj-cs"/>
-                <a:sym typeface="Helvetica Neue" panose="02000503000000020004"/>
-              </a:defRPr>
-            </a:pPr>
-            <a:endParaRPr sz="3000" dirty="0"/>
-          </a:p>
-        </p:txBody>
-      </p:sp>
-      <p:sp>
-        <p:nvSpPr>
-          <p:cNvPr id="141" name="Shape 141"/>
-          <p:cNvSpPr/>
-          <p:nvPr/>
-        </p:nvSpPr>
-        <p:spPr>
-          <a:xfrm>
-            <a:off x="13216566" y="6619706"/>
-            <a:ext cx="102657" cy="570734"/>
-          </a:xfrm>
-          <a:prstGeom prst="rect">
-            <a:avLst/>
-          </a:prstGeom>
-          <a:ln w="12700">
-            <a:miter lim="400000"/>
-          </a:ln>
-        </p:spPr>
-        <p:txBody>
-          <a:bodyPr wrap="none" lIns="50800" tIns="50800" rIns="50800" bIns="50800">
-            <a:spAutoFit/>
-          </a:bodyPr>
-          <a:lstStyle/>
-          <a:p>
-            <a:pPr algn="l">
-              <a:lnSpc>
-                <a:spcPct val="160000"/>
-              </a:lnSpc>
-              <a:defRPr sz="2200">
-                <a:latin typeface="+mj-lt"/>
-                <a:ea typeface="+mj-ea"/>
-                <a:cs typeface="+mj-cs"/>
-                <a:sym typeface="Helvetica Neue" panose="02000503000000020004"/>
-              </a:defRPr>
-            </a:pPr>
-            <a:endParaRPr sz="3000" dirty="0"/>
+            <a:endParaRPr dirty="0"/>
           </a:p>
         </p:txBody>
       </p:sp>
@@ -10087,8 +11319,8 @@
         </p:nvSpPr>
         <p:spPr>
           <a:xfrm>
-            <a:off x="1144625" y="689667"/>
-            <a:ext cx="8230235" cy="932180"/>
+            <a:off x="1144624" y="688962"/>
+            <a:ext cx="13685281" cy="933589"/>
           </a:xfrm>
           <a:prstGeom prst="rect">
             <a:avLst/>
@@ -10098,7 +11330,7 @@
           </a:ln>
         </p:spPr>
         <p:txBody>
-          <a:bodyPr wrap="none" lIns="50800" tIns="50800" rIns="50800" bIns="50800" anchor="ctr">
+          <a:bodyPr wrap="square" lIns="50800" tIns="50800" rIns="50800" bIns="50800" anchor="ctr">
             <a:spAutoFit/>
           </a:bodyPr>
           <a:lstStyle>
@@ -10115,9 +11347,16 @@
             </a:lvl1pPr>
           </a:lstStyle>
           <a:p>
-            <a:pPr algn="l"/>
-            <a:r>
-              <a:rPr lang="en-US" altLang="zh-CN" sz="5400" b="1">
+            <a:r>
+              <a:rPr lang="zh-CN" altLang="en-US" sz="5400" b="1" dirty="0"/>
+              <a:t>性能优化机制</a:t>
+            </a:r>
+            <a:r>
+              <a:rPr lang="en-US" altLang="zh-CN" sz="5400" b="1" dirty="0"/>
+              <a:t> </a:t>
+            </a:r>
+            <a:r>
+              <a:rPr lang="en-US" altLang="zh-CN" sz="5400" b="1" dirty="0">
                 <a:solidFill>
                   <a:schemeClr val="bg1"/>
                 </a:solidFill>
@@ -10126,10 +11365,10 @@
                 <a:cs typeface="Helvetica Neue Medium"/>
                 <a:sym typeface="Helvetica Neue Medium"/>
               </a:rPr>
-              <a:t>Lottie</a:t>
-            </a:r>
-            <a:r>
-              <a:rPr lang="zh-CN" altLang="en-US" sz="5400" b="1">
+              <a:t>– </a:t>
+            </a:r>
+            <a:r>
+              <a:rPr lang="zh-CN" altLang="en-US" sz="5400" b="1" dirty="0">
                 <a:solidFill>
                   <a:schemeClr val="bg1"/>
                 </a:solidFill>
@@ -10138,10 +11377,10 @@
                 <a:cs typeface="Helvetica Neue Medium"/>
                 <a:sym typeface="Helvetica Neue Medium"/>
               </a:rPr>
-              <a:t>使用</a:t>
-            </a:r>
-            <a:r>
-              <a:rPr lang="en-US" altLang="zh-CN" sz="5400" b="1">
+              <a:t>内联缓存（</a:t>
+            </a:r>
+            <a:r>
+              <a:rPr lang="en-US" altLang="zh-CN" sz="5400" b="1" dirty="0">
                 <a:solidFill>
                   <a:schemeClr val="bg1"/>
                 </a:solidFill>
@@ -10150,17 +11389,20 @@
                 <a:cs typeface="Helvetica Neue Medium"/>
                 <a:sym typeface="Helvetica Neue Medium"/>
               </a:rPr>
-              <a:t>——lottie-web</a:t>
-            </a:r>
-            <a:endParaRPr lang="zh-CN" altLang="en-US" sz="5400" b="1">
-              <a:solidFill>
-                <a:schemeClr val="bg1"/>
-              </a:solidFill>
-              <a:latin typeface="Helvetica Neue Medium"/>
-              <a:ea typeface="Helvetica Neue Medium"/>
-              <a:cs typeface="Helvetica Neue Medium"/>
-              <a:sym typeface="Helvetica Neue Medium"/>
-            </a:endParaRPr>
+              <a:t>Inline Cache</a:t>
+            </a:r>
+            <a:r>
+              <a:rPr lang="zh-CN" altLang="en-US" sz="5400" b="1" dirty="0">
+                <a:solidFill>
+                  <a:schemeClr val="bg1"/>
+                </a:solidFill>
+                <a:latin typeface="Helvetica Neue Medium"/>
+                <a:ea typeface="Helvetica Neue Medium"/>
+                <a:cs typeface="Helvetica Neue Medium"/>
+                <a:sym typeface="Helvetica Neue Medium"/>
+              </a:rPr>
+              <a:t>）</a:t>
+            </a:r>
           </a:p>
         </p:txBody>
       </p:sp>
@@ -10195,53 +11437,20 @@
       </p:pic>
       <p:sp>
         <p:nvSpPr>
-          <p:cNvPr id="146" name="Shape 146"/>
-          <p:cNvSpPr/>
-          <p:nvPr/>
-        </p:nvSpPr>
-        <p:spPr>
-          <a:xfrm>
-            <a:off x="19214438" y="6619706"/>
-            <a:ext cx="102657" cy="570734"/>
-          </a:xfrm>
-          <a:prstGeom prst="rect">
-            <a:avLst/>
-          </a:prstGeom>
-          <a:ln w="12700">
-            <a:miter lim="400000"/>
-          </a:ln>
-        </p:spPr>
-        <p:txBody>
-          <a:bodyPr wrap="none" lIns="50800" tIns="50800" rIns="50800" bIns="50800">
-            <a:spAutoFit/>
-          </a:bodyPr>
-          <a:lstStyle/>
-          <a:p>
-            <a:pPr algn="l">
-              <a:lnSpc>
-                <a:spcPct val="160000"/>
-              </a:lnSpc>
-              <a:defRPr sz="2200">
-                <a:latin typeface="+mj-lt"/>
-                <a:ea typeface="+mj-ea"/>
-                <a:cs typeface="+mj-cs"/>
-                <a:sym typeface="Helvetica Neue" panose="02000503000000020004"/>
-              </a:defRPr>
-            </a:pPr>
-            <a:endParaRPr sz="3000" dirty="0"/>
-          </a:p>
-        </p:txBody>
-      </p:sp>
-      <p:sp>
-        <p:nvSpPr>
-          <p:cNvPr id="2" name="文本框 1"/>
+          <p:cNvPr id="11" name="文本框 10">
+            <a:extLst>
+              <a:ext uri="{FF2B5EF4-FFF2-40B4-BE49-F238E27FC236}">
+                <a16:creationId xmlns:a16="http://schemas.microsoft.com/office/drawing/2014/main" id="{DF0C9CC1-9A0C-48FC-AD3E-F884D4CE8AF5}"/>
+              </a:ext>
+            </a:extLst>
+          </p:cNvPr>
           <p:cNvSpPr txBox="1"/>
           <p:nvPr/>
         </p:nvSpPr>
         <p:spPr>
           <a:xfrm>
-            <a:off x="1233805" y="2695893"/>
-            <a:ext cx="20555585" cy="9950450"/>
+            <a:off x="1336675" y="4062477"/>
+            <a:ext cx="19996785" cy="3795911"/>
           </a:xfrm>
           <a:prstGeom prst="rect">
             <a:avLst/>
@@ -10270,56 +11479,16 @@
           </a:bodyPr>
           <a:lstStyle/>
           <a:p>
-            <a:pPr marL="514350" marR="0" indent="-514350" algn="l" defTabSz="825500" rtl="0" fontAlgn="auto" latinLnBrk="0" hangingPunct="0">
-              <a:lnSpc>
-                <a:spcPct val="100000"/>
-              </a:lnSpc>
-              <a:spcBef>
-                <a:spcPts val="0"/>
-              </a:spcBef>
-              <a:spcAft>
-                <a:spcPts val="0"/>
-              </a:spcAft>
-              <a:buClrTx/>
-              <a:buSzTx/>
-              <a:buFontTx/>
-              <a:buAutoNum type="arabicPeriod"/>
-            </a:pPr>
-            <a:r>
-              <a:rPr kumimoji="0" lang="en-US" altLang="zh-CN" sz="4000" b="1" i="0" u="none" strike="noStrike" cap="none" spc="0" normalizeH="0" baseline="0">
-                <a:ln>
-                  <a:noFill/>
-                </a:ln>
-                <a:solidFill>
-                  <a:srgbClr val="000000"/>
-                </a:solidFill>
-                <a:effectLst/>
-                <a:uFillTx/>
-                <a:latin typeface="Helvetica Neue Medium"/>
-                <a:ea typeface="Helvetica Neue Medium"/>
-                <a:cs typeface="Helvetica Neue Medium"/>
-                <a:sym typeface="Helvetica Neue Medium"/>
-              </a:rPr>
-              <a:t>npm install lottie-web</a:t>
-            </a:r>
-          </a:p>
-          <a:p>
-            <a:pPr marL="514350" marR="0" indent="-514350" algn="l" defTabSz="825500" rtl="0" fontAlgn="auto" latinLnBrk="0" hangingPunct="0">
-              <a:lnSpc>
-                <a:spcPct val="100000"/>
-              </a:lnSpc>
-              <a:spcBef>
-                <a:spcPts val="0"/>
-              </a:spcBef>
-              <a:spcAft>
-                <a:spcPts val="0"/>
-              </a:spcAft>
-              <a:buClrTx/>
-              <a:buSzTx/>
-              <a:buFontTx/>
-              <a:buAutoNum type="arabicPeriod"/>
-            </a:pPr>
-            <a:endParaRPr kumimoji="0" lang="en-US" altLang="zh-CN" sz="4000" b="1" i="0" u="none" strike="noStrike" cap="none" spc="0" normalizeH="0" baseline="0">
+            <a:pPr algn="l"/>
+            <a:r>
+              <a:rPr lang="en-US" altLang="zh-CN" sz="4000" b="1" dirty="0"/>
+              <a:t>Shape</a:t>
+            </a:r>
+            <a:r>
+              <a:rPr lang="zh-CN" altLang="en-US" sz="4000" b="1" dirty="0"/>
+              <a:t>：</a:t>
+            </a:r>
+            <a:endParaRPr kumimoji="0" lang="en-US" altLang="zh-CN" sz="4000" b="1" i="0" u="none" strike="noStrike" cap="none" spc="0" normalizeH="0" baseline="0" dirty="0">
               <a:ln>
                 <a:noFill/>
               </a:ln>
@@ -10335,22 +11504,176 @@
             </a:endParaRPr>
           </a:p>
           <a:p>
-            <a:pPr marL="514350" marR="0" indent="-514350" algn="l" defTabSz="825500" rtl="0" fontAlgn="auto" latinLnBrk="0" hangingPunct="0">
-              <a:lnSpc>
-                <a:spcPct val="100000"/>
-              </a:lnSpc>
-              <a:spcBef>
-                <a:spcPts val="0"/>
-              </a:spcBef>
-              <a:spcAft>
-                <a:spcPts val="0"/>
-              </a:spcAft>
-              <a:buClrTx/>
-              <a:buSzTx/>
-              <a:buFontTx/>
-              <a:buAutoNum type="arabicPeriod"/>
-            </a:pPr>
-            <a:endParaRPr kumimoji="0" lang="en-US" altLang="zh-CN" sz="4000" b="1" i="0" u="none" strike="noStrike" cap="none" spc="0" normalizeH="0" baseline="0">
+            <a:pPr algn="l"/>
+            <a:endParaRPr lang="en-US" altLang="zh-CN" sz="4000" b="1" dirty="0"/>
+          </a:p>
+          <a:p>
+            <a:pPr algn="l"/>
+            <a:r>
+              <a:rPr kumimoji="0" lang="en-US" altLang="zh-CN" sz="4000" b="1" i="0" u="none" strike="noStrike" cap="none" spc="0" normalizeH="0" baseline="0" dirty="0">
+                <a:ln>
+                  <a:noFill/>
+                </a:ln>
+                <a:solidFill>
+                  <a:srgbClr val="000000"/>
+                </a:solidFill>
+                <a:effectLst/>
+                <a:uFillTx/>
+                <a:latin typeface="Helvetica Neue Medium"/>
+                <a:ea typeface="Helvetica Neue Medium"/>
+                <a:cs typeface="Helvetica Neue Medium"/>
+                <a:sym typeface="Helvetica Neue Medium"/>
+              </a:rPr>
+              <a:t>var </a:t>
+            </a:r>
+            <a:r>
+              <a:rPr kumimoji="0" lang="en-US" altLang="zh-CN" sz="4000" b="1" i="0" u="none" strike="noStrike" cap="none" spc="0" normalizeH="0" baseline="0" dirty="0" err="1">
+                <a:ln>
+                  <a:noFill/>
+                </a:ln>
+                <a:solidFill>
+                  <a:srgbClr val="000000"/>
+                </a:solidFill>
+                <a:effectLst/>
+                <a:uFillTx/>
+                <a:latin typeface="Helvetica Neue Medium"/>
+                <a:ea typeface="Helvetica Neue Medium"/>
+                <a:cs typeface="Helvetica Neue Medium"/>
+                <a:sym typeface="Helvetica Neue Medium"/>
+              </a:rPr>
+              <a:t>objA</a:t>
+            </a:r>
+            <a:r>
+              <a:rPr kumimoji="0" lang="en-US" altLang="zh-CN" sz="4000" b="1" i="0" u="none" strike="noStrike" cap="none" spc="0" normalizeH="0" baseline="0" dirty="0">
+                <a:ln>
+                  <a:noFill/>
+                </a:ln>
+                <a:solidFill>
+                  <a:srgbClr val="000000"/>
+                </a:solidFill>
+                <a:effectLst/>
+                <a:uFillTx/>
+                <a:latin typeface="Helvetica Neue Medium"/>
+                <a:ea typeface="Helvetica Neue Medium"/>
+                <a:cs typeface="Helvetica Neue Medium"/>
+                <a:sym typeface="Helvetica Neue Medium"/>
+              </a:rPr>
+              <a:t> = {x:1, y:2, z:3};</a:t>
+            </a:r>
+          </a:p>
+          <a:p>
+            <a:pPr algn="l"/>
+            <a:r>
+              <a:rPr kumimoji="0" lang="en-US" altLang="zh-CN" sz="4000" b="1" i="0" u="none" strike="noStrike" cap="none" spc="0" normalizeH="0" baseline="0" dirty="0">
+                <a:ln>
+                  <a:noFill/>
+                </a:ln>
+                <a:solidFill>
+                  <a:srgbClr val="000000"/>
+                </a:solidFill>
+                <a:effectLst/>
+                <a:uFillTx/>
+                <a:latin typeface="Helvetica Neue Medium"/>
+                <a:ea typeface="Helvetica Neue Medium"/>
+                <a:cs typeface="Helvetica Neue Medium"/>
+                <a:sym typeface="Helvetica Neue Medium"/>
+              </a:rPr>
+              <a:t>v</a:t>
+            </a:r>
+            <a:r>
+              <a:rPr lang="en-US" altLang="zh-CN" sz="4000" b="1" dirty="0"/>
+              <a:t>ar </a:t>
+            </a:r>
+            <a:r>
+              <a:rPr lang="en-US" altLang="zh-CN" sz="4000" b="1" dirty="0" err="1"/>
+              <a:t>objB</a:t>
+            </a:r>
+            <a:r>
+              <a:rPr lang="en-US" altLang="zh-CN" sz="4000" b="1" dirty="0"/>
+              <a:t> </a:t>
+            </a:r>
+            <a:r>
+              <a:rPr kumimoji="0" lang="en-US" altLang="zh-CN" sz="4000" b="1" i="0" u="none" strike="noStrike" cap="none" spc="0" normalizeH="0" baseline="0" dirty="0">
+                <a:ln>
+                  <a:noFill/>
+                </a:ln>
+                <a:solidFill>
+                  <a:srgbClr val="000000"/>
+                </a:solidFill>
+                <a:effectLst/>
+                <a:uFillTx/>
+                <a:latin typeface="Helvetica Neue Medium"/>
+                <a:ea typeface="Helvetica Neue Medium"/>
+                <a:cs typeface="Helvetica Neue Medium"/>
+                <a:sym typeface="Helvetica Neue Medium"/>
+              </a:rPr>
+              <a:t>= {x:4, y:5, z</a:t>
+            </a:r>
+            <a:r>
+              <a:rPr lang="en-US" altLang="zh-CN" sz="4000" b="1" dirty="0"/>
+              <a:t>:6</a:t>
+            </a:r>
+            <a:r>
+              <a:rPr kumimoji="0" lang="en-US" altLang="zh-CN" sz="4000" b="1" i="0" u="none" strike="noStrike" cap="none" spc="0" normalizeH="0" baseline="0" dirty="0">
+                <a:ln>
+                  <a:noFill/>
+                </a:ln>
+                <a:solidFill>
+                  <a:srgbClr val="000000"/>
+                </a:solidFill>
+                <a:effectLst/>
+                <a:uFillTx/>
+                <a:latin typeface="Helvetica Neue Medium"/>
+                <a:ea typeface="Helvetica Neue Medium"/>
+                <a:cs typeface="Helvetica Neue Medium"/>
+                <a:sym typeface="Helvetica Neue Medium"/>
+              </a:rPr>
+              <a:t>};</a:t>
+            </a:r>
+          </a:p>
+          <a:p>
+            <a:pPr algn="l"/>
+            <a:endParaRPr lang="en-US" altLang="zh-CN" sz="4000" b="1" dirty="0"/>
+          </a:p>
+          <a:p>
+            <a:pPr algn="l"/>
+            <a:r>
+              <a:rPr lang="en-US" altLang="zh-CN" sz="4000" b="1" dirty="0"/>
+              <a:t>// ` </a:t>
+            </a:r>
+            <a:r>
+              <a:rPr lang="en-US" altLang="zh-CN" sz="4000" b="1" dirty="0" err="1"/>
+              <a:t>objA</a:t>
+            </a:r>
+            <a:r>
+              <a:rPr lang="en-US" altLang="zh-CN" sz="4000" b="1" dirty="0"/>
+              <a:t> ` </a:t>
+            </a:r>
+            <a:r>
+              <a:rPr lang="zh-CN" altLang="en-US" sz="4000" b="1" dirty="0"/>
+              <a:t>和</a:t>
+            </a:r>
+            <a:r>
+              <a:rPr lang="en-US" altLang="zh-CN" sz="4000" b="1" dirty="0"/>
+              <a:t> ` </a:t>
+            </a:r>
+            <a:r>
+              <a:rPr lang="en-US" altLang="zh-CN" sz="4000" b="1" dirty="0" err="1"/>
+              <a:t>objB</a:t>
+            </a:r>
+            <a:r>
+              <a:rPr lang="en-US" altLang="zh-CN" sz="4000" b="1" dirty="0"/>
+              <a:t> ` </a:t>
+            </a:r>
+            <a:r>
+              <a:rPr lang="zh-CN" altLang="en-US" sz="4000" b="1" dirty="0"/>
+              <a:t>具有相同</a:t>
+            </a:r>
+            <a:r>
+              <a:rPr lang="en-US" altLang="zh-CN" sz="4000" b="1" dirty="0"/>
+              <a:t>Shape.</a:t>
+            </a:r>
+            <a:endParaRPr kumimoji="0" lang="zh-CN" altLang="en-US" sz="4000" b="1" i="0" u="none" strike="noStrike" cap="none" spc="0" normalizeH="0" baseline="0" dirty="0">
               <a:ln>
                 <a:noFill/>
               </a:ln>
@@ -10365,465 +11688,14 @@
               <a:sym typeface="Helvetica Neue Medium"/>
             </a:endParaRPr>
           </a:p>
-          <a:p>
-            <a:pPr marL="514350" marR="0" indent="-514350" algn="l" defTabSz="825500" rtl="0" fontAlgn="auto" latinLnBrk="0" hangingPunct="0">
-              <a:lnSpc>
-                <a:spcPct val="100000"/>
-              </a:lnSpc>
-              <a:spcBef>
-                <a:spcPts val="0"/>
-              </a:spcBef>
-              <a:spcAft>
-                <a:spcPts val="0"/>
-              </a:spcAft>
-              <a:buClrTx/>
-              <a:buSzTx/>
-              <a:buFontTx/>
-              <a:buAutoNum type="arabicPeriod"/>
-            </a:pPr>
-            <a:r>
-              <a:rPr kumimoji="0" lang="en-US" altLang="zh-CN" sz="4000" b="1" i="0" u="none" strike="noStrike" cap="none" spc="0" normalizeH="0" baseline="0">
-                <a:ln>
-                  <a:noFill/>
-                </a:ln>
-                <a:solidFill>
-                  <a:srgbClr val="000000"/>
-                </a:solidFill>
-                <a:effectLst/>
-                <a:uFillTx/>
-                <a:latin typeface="Helvetica Neue Medium"/>
-                <a:ea typeface="Helvetica Neue Medium"/>
-                <a:cs typeface="Helvetica Neue Medium"/>
-                <a:sym typeface="Helvetica Neue Medium"/>
-              </a:rPr>
-              <a:t>import lottie from lottie-web</a:t>
-            </a:r>
-          </a:p>
-          <a:p>
-            <a:pPr marL="514350" marR="0" indent="-514350" algn="l" defTabSz="825500" rtl="0" fontAlgn="auto" latinLnBrk="0" hangingPunct="0">
-              <a:lnSpc>
-                <a:spcPct val="100000"/>
-              </a:lnSpc>
-              <a:spcBef>
-                <a:spcPts val="0"/>
-              </a:spcBef>
-              <a:spcAft>
-                <a:spcPts val="0"/>
-              </a:spcAft>
-              <a:buClrTx/>
-              <a:buSzTx/>
-              <a:buFontTx/>
-              <a:buAutoNum type="arabicPeriod"/>
-            </a:pPr>
-            <a:endParaRPr kumimoji="0" lang="en-US" altLang="zh-CN" sz="4000" b="1" i="0" u="none" strike="noStrike" cap="none" spc="0" normalizeH="0" baseline="0">
-              <a:ln>
-                <a:noFill/>
-              </a:ln>
-              <a:solidFill>
-                <a:srgbClr val="000000"/>
-              </a:solidFill>
-              <a:effectLst/>
-              <a:uFillTx/>
-              <a:latin typeface="Helvetica Neue Medium"/>
-              <a:ea typeface="Helvetica Neue Medium"/>
-              <a:cs typeface="Helvetica Neue Medium"/>
-              <a:sym typeface="Helvetica Neue Medium"/>
-            </a:endParaRPr>
-          </a:p>
-          <a:p>
-            <a:pPr marL="514350" marR="0" indent="-514350" algn="l" defTabSz="825500" rtl="0" fontAlgn="auto" latinLnBrk="0" hangingPunct="0">
-              <a:lnSpc>
-                <a:spcPct val="100000"/>
-              </a:lnSpc>
-              <a:spcBef>
-                <a:spcPts val="0"/>
-              </a:spcBef>
-              <a:spcAft>
-                <a:spcPts val="0"/>
-              </a:spcAft>
-              <a:buClrTx/>
-              <a:buSzTx/>
-              <a:buFontTx/>
-              <a:buAutoNum type="arabicPeriod"/>
-            </a:pPr>
-            <a:endParaRPr kumimoji="0" lang="en-US" altLang="zh-CN" sz="4000" b="1" i="0" u="none" strike="noStrike" cap="none" spc="0" normalizeH="0" baseline="0">
-              <a:ln>
-                <a:noFill/>
-              </a:ln>
-              <a:solidFill>
-                <a:srgbClr val="000000"/>
-              </a:solidFill>
-              <a:effectLst/>
-              <a:uFillTx/>
-              <a:latin typeface="Helvetica Neue Medium"/>
-              <a:ea typeface="Helvetica Neue Medium"/>
-              <a:cs typeface="Helvetica Neue Medium"/>
-              <a:sym typeface="Helvetica Neue Medium"/>
-            </a:endParaRPr>
-          </a:p>
-          <a:p>
-            <a:pPr marR="0" algn="l" defTabSz="825500" rtl="0" fontAlgn="auto" latinLnBrk="0" hangingPunct="0">
-              <a:lnSpc>
-                <a:spcPct val="100000"/>
-              </a:lnSpc>
-              <a:spcBef>
-                <a:spcPts val="0"/>
-              </a:spcBef>
-              <a:spcAft>
-                <a:spcPts val="0"/>
-              </a:spcAft>
-              <a:buClrTx/>
-              <a:buSzTx/>
-              <a:buFontTx/>
-            </a:pPr>
-            <a:r>
-              <a:rPr kumimoji="0" lang="en-US" altLang="zh-CN" sz="4000" b="1" i="0" u="none" strike="noStrike" cap="none" spc="0" normalizeH="0" baseline="0">
-                <a:ln>
-                  <a:noFill/>
-                </a:ln>
-                <a:solidFill>
-                  <a:srgbClr val="000000"/>
-                </a:solidFill>
-                <a:effectLst/>
-                <a:uFillTx/>
-                <a:latin typeface="Helvetica Neue Medium"/>
-                <a:ea typeface="Helvetica Neue Medium"/>
-                <a:cs typeface="Helvetica Neue Medium"/>
-                <a:sym typeface="Helvetica Neue Medium"/>
-              </a:rPr>
-              <a:t>3.</a:t>
-            </a:r>
-          </a:p>
-          <a:p>
-            <a:pPr marR="0" algn="l" defTabSz="825500" rtl="0" fontAlgn="auto" latinLnBrk="0" hangingPunct="0">
-              <a:lnSpc>
-                <a:spcPct val="100000"/>
-              </a:lnSpc>
-              <a:spcBef>
-                <a:spcPts val="0"/>
-              </a:spcBef>
-              <a:spcAft>
-                <a:spcPts val="0"/>
-              </a:spcAft>
-              <a:buClrTx/>
-              <a:buSzTx/>
-              <a:buFontTx/>
-            </a:pPr>
-            <a:r>
-              <a:rPr kumimoji="0" lang="en-US" altLang="zh-CN" sz="4000" b="1" i="0" u="none" strike="noStrike" cap="none" spc="0" normalizeH="0" baseline="0">
-                <a:ln>
-                  <a:noFill/>
-                </a:ln>
-                <a:solidFill>
-                  <a:srgbClr val="000000"/>
-                </a:solidFill>
-                <a:effectLst/>
-                <a:uFillTx/>
-                <a:latin typeface="Helvetica Neue Medium"/>
-                <a:ea typeface="Helvetica Neue Medium"/>
-                <a:cs typeface="Helvetica Neue Medium"/>
-                <a:sym typeface="Helvetica Neue Medium"/>
-              </a:rPr>
-              <a:t>const animate = lottie.loadAnimation({</a:t>
-            </a:r>
-          </a:p>
-          <a:p>
-            <a:pPr marR="0" algn="l" defTabSz="825500" rtl="0" fontAlgn="auto" latinLnBrk="0" hangingPunct="0">
-              <a:lnSpc>
-                <a:spcPct val="100000"/>
-              </a:lnSpc>
-              <a:spcBef>
-                <a:spcPts val="0"/>
-              </a:spcBef>
-              <a:spcAft>
-                <a:spcPts val="0"/>
-              </a:spcAft>
-              <a:buClrTx/>
-              <a:buSzTx/>
-              <a:buFontTx/>
-            </a:pPr>
-            <a:r>
-              <a:rPr kumimoji="0" lang="en-US" altLang="zh-CN" sz="4000" b="1" i="0" u="none" strike="noStrike" cap="none" spc="0" normalizeH="0" baseline="0">
-                <a:ln>
-                  <a:noFill/>
-                </a:ln>
-                <a:solidFill>
-                  <a:srgbClr val="000000"/>
-                </a:solidFill>
-                <a:effectLst/>
-                <a:uFillTx/>
-                <a:latin typeface="Helvetica Neue Medium"/>
-                <a:ea typeface="Helvetica Neue Medium"/>
-                <a:cs typeface="Helvetica Neue Medium"/>
-                <a:sym typeface="Helvetica Neue Medium"/>
-              </a:rPr>
-              <a:t>  container: element, // the dom element that will contain the animation</a:t>
-            </a:r>
-          </a:p>
-          <a:p>
-            <a:pPr marR="0" algn="l" defTabSz="825500" rtl="0" fontAlgn="auto" latinLnBrk="0" hangingPunct="0">
-              <a:lnSpc>
-                <a:spcPct val="100000"/>
-              </a:lnSpc>
-              <a:spcBef>
-                <a:spcPts val="0"/>
-              </a:spcBef>
-              <a:spcAft>
-                <a:spcPts val="0"/>
-              </a:spcAft>
-              <a:buClrTx/>
-              <a:buSzTx/>
-              <a:buFontTx/>
-            </a:pPr>
-            <a:r>
-              <a:rPr kumimoji="0" lang="en-US" altLang="zh-CN" sz="4000" b="1" i="0" u="none" strike="noStrike" cap="none" spc="0" normalizeH="0" baseline="0">
-                <a:ln>
-                  <a:noFill/>
-                </a:ln>
-                <a:solidFill>
-                  <a:srgbClr val="000000"/>
-                </a:solidFill>
-                <a:effectLst/>
-                <a:uFillTx/>
-                <a:latin typeface="Helvetica Neue Medium"/>
-                <a:ea typeface="Helvetica Neue Medium"/>
-                <a:cs typeface="Helvetica Neue Medium"/>
-                <a:sym typeface="Helvetica Neue Medium"/>
-              </a:rPr>
-              <a:t>  renderer: 'svg',</a:t>
-            </a:r>
-          </a:p>
-          <a:p>
-            <a:pPr marR="0" algn="l" defTabSz="825500" rtl="0" fontAlgn="auto" latinLnBrk="0" hangingPunct="0">
-              <a:lnSpc>
-                <a:spcPct val="100000"/>
-              </a:lnSpc>
-              <a:spcBef>
-                <a:spcPts val="0"/>
-              </a:spcBef>
-              <a:spcAft>
-                <a:spcPts val="0"/>
-              </a:spcAft>
-              <a:buClrTx/>
-              <a:buSzTx/>
-              <a:buFontTx/>
-            </a:pPr>
-            <a:r>
-              <a:rPr kumimoji="0" lang="en-US" altLang="zh-CN" sz="4000" b="1" i="0" u="none" strike="noStrike" cap="none" spc="0" normalizeH="0" baseline="0">
-                <a:ln>
-                  <a:noFill/>
-                </a:ln>
-                <a:solidFill>
-                  <a:srgbClr val="000000"/>
-                </a:solidFill>
-                <a:effectLst/>
-                <a:uFillTx/>
-                <a:latin typeface="Helvetica Neue Medium"/>
-                <a:ea typeface="Helvetica Neue Medium"/>
-                <a:cs typeface="Helvetica Neue Medium"/>
-                <a:sym typeface="Helvetica Neue Medium"/>
-              </a:rPr>
-              <a:t>  loop: true,</a:t>
-            </a:r>
-          </a:p>
-          <a:p>
-            <a:pPr marR="0" algn="l" defTabSz="825500" rtl="0" fontAlgn="auto" latinLnBrk="0" hangingPunct="0">
-              <a:lnSpc>
-                <a:spcPct val="100000"/>
-              </a:lnSpc>
-              <a:spcBef>
-                <a:spcPts val="0"/>
-              </a:spcBef>
-              <a:spcAft>
-                <a:spcPts val="0"/>
-              </a:spcAft>
-              <a:buClrTx/>
-              <a:buSzTx/>
-              <a:buFontTx/>
-            </a:pPr>
-            <a:r>
-              <a:rPr kumimoji="0" lang="en-US" altLang="zh-CN" sz="4000" b="1" i="0" u="none" strike="noStrike" cap="none" spc="0" normalizeH="0" baseline="0">
-                <a:ln>
-                  <a:noFill/>
-                </a:ln>
-                <a:solidFill>
-                  <a:srgbClr val="000000"/>
-                </a:solidFill>
-                <a:effectLst/>
-                <a:uFillTx/>
-                <a:latin typeface="Helvetica Neue Medium"/>
-                <a:ea typeface="Helvetica Neue Medium"/>
-                <a:cs typeface="Helvetica Neue Medium"/>
-                <a:sym typeface="Helvetica Neue Medium"/>
-              </a:rPr>
-              <a:t>  autoplay: true,</a:t>
-            </a:r>
-          </a:p>
-          <a:p>
-            <a:pPr marR="0" algn="l" defTabSz="825500" rtl="0" fontAlgn="auto" latinLnBrk="0" hangingPunct="0">
-              <a:lnSpc>
-                <a:spcPct val="100000"/>
-              </a:lnSpc>
-              <a:spcBef>
-                <a:spcPts val="0"/>
-              </a:spcBef>
-              <a:spcAft>
-                <a:spcPts val="0"/>
-              </a:spcAft>
-              <a:buClrTx/>
-              <a:buSzTx/>
-              <a:buFontTx/>
-            </a:pPr>
-            <a:r>
-              <a:rPr kumimoji="0" lang="en-US" altLang="zh-CN" sz="4000" b="1" i="0" u="none" strike="noStrike" cap="none" spc="0" normalizeH="0" baseline="0">
-                <a:ln>
-                  <a:noFill/>
-                </a:ln>
-                <a:solidFill>
-                  <a:srgbClr val="000000"/>
-                </a:solidFill>
-                <a:effectLst/>
-                <a:uFillTx/>
-                <a:latin typeface="Helvetica Neue Medium"/>
-                <a:ea typeface="Helvetica Neue Medium"/>
-                <a:cs typeface="Helvetica Neue Medium"/>
-                <a:sym typeface="Helvetica Neue Medium"/>
-              </a:rPr>
-              <a:t>  path: 'data.json' // the path to the animation json</a:t>
-            </a:r>
-          </a:p>
-          <a:p>
-            <a:pPr marR="0" algn="l" defTabSz="825500" rtl="0" fontAlgn="auto" latinLnBrk="0" hangingPunct="0">
-              <a:lnSpc>
-                <a:spcPct val="100000"/>
-              </a:lnSpc>
-              <a:spcBef>
-                <a:spcPts val="0"/>
-              </a:spcBef>
-              <a:spcAft>
-                <a:spcPts val="0"/>
-              </a:spcAft>
-              <a:buClrTx/>
-              <a:buSzTx/>
-              <a:buFontTx/>
-            </a:pPr>
-            <a:r>
-              <a:rPr kumimoji="0" lang="en-US" altLang="zh-CN" sz="4000" b="1" i="0" u="none" strike="noStrike" cap="none" spc="0" normalizeH="0" baseline="0">
-                <a:ln>
-                  <a:noFill/>
-                </a:ln>
-                <a:solidFill>
-                  <a:srgbClr val="000000"/>
-                </a:solidFill>
-                <a:effectLst/>
-                <a:uFillTx/>
-                <a:latin typeface="Helvetica Neue Medium"/>
-                <a:ea typeface="Helvetica Neue Medium"/>
-                <a:cs typeface="Helvetica Neue Medium"/>
-                <a:sym typeface="Helvetica Neue Medium"/>
-              </a:rPr>
-              <a:t>});</a:t>
-            </a:r>
-          </a:p>
-          <a:p>
-            <a:pPr marR="0" algn="l" defTabSz="825500" rtl="0" fontAlgn="auto" latinLnBrk="0" hangingPunct="0">
-              <a:lnSpc>
-                <a:spcPct val="100000"/>
-              </a:lnSpc>
-              <a:spcBef>
-                <a:spcPts val="0"/>
-              </a:spcBef>
-              <a:spcAft>
-                <a:spcPts val="0"/>
-              </a:spcAft>
-              <a:buClrTx/>
-              <a:buSzTx/>
-              <a:buFontTx/>
-            </a:pPr>
-            <a:endParaRPr kumimoji="0" lang="en-US" altLang="zh-CN" sz="4000" b="1" i="0" u="none" strike="noStrike" cap="none" spc="0" normalizeH="0" baseline="0">
-              <a:ln>
-                <a:noFill/>
-              </a:ln>
-              <a:solidFill>
-                <a:srgbClr val="000000"/>
-              </a:solidFill>
-              <a:effectLst/>
-              <a:uFillTx/>
-              <a:latin typeface="Helvetica Neue Medium"/>
-              <a:ea typeface="Helvetica Neue Medium"/>
-              <a:cs typeface="Helvetica Neue Medium"/>
-              <a:sym typeface="Helvetica Neue Medium"/>
-            </a:endParaRPr>
-          </a:p>
-          <a:p>
-            <a:pPr marR="0" algn="l" defTabSz="825500" rtl="0" fontAlgn="auto" latinLnBrk="0" hangingPunct="0">
-              <a:lnSpc>
-                <a:spcPct val="100000"/>
-              </a:lnSpc>
-              <a:spcBef>
-                <a:spcPts val="0"/>
-              </a:spcBef>
-              <a:spcAft>
-                <a:spcPts val="0"/>
-              </a:spcAft>
-              <a:buClrTx/>
-              <a:buSzTx/>
-              <a:buFontTx/>
-            </a:pPr>
-            <a:r>
-              <a:rPr kumimoji="0" lang="zh-CN" altLang="en-US" sz="4000" b="1" i="0" u="none" strike="noStrike" cap="none" spc="0" normalizeH="0" baseline="0">
-                <a:ln>
-                  <a:noFill/>
-                </a:ln>
-                <a:solidFill>
-                  <a:srgbClr val="000000"/>
-                </a:solidFill>
-                <a:effectLst/>
-                <a:uFillTx/>
-                <a:latin typeface="Helvetica Neue Medium"/>
-                <a:ea typeface="Helvetica Neue Medium"/>
-                <a:cs typeface="Helvetica Neue Medium"/>
-                <a:sym typeface="Helvetica Neue Medium"/>
-                <a:hlinkClick r:id="rId5" action="ppaction://hlinkfile"/>
-              </a:rPr>
-              <a:t>相关</a:t>
-            </a:r>
-            <a:r>
-              <a:rPr kumimoji="0" lang="en-US" altLang="zh-CN" sz="4000" b="1" i="0" u="none" strike="noStrike" cap="none" spc="0" normalizeH="0" baseline="0">
-                <a:ln>
-                  <a:noFill/>
-                </a:ln>
-                <a:solidFill>
-                  <a:srgbClr val="000000"/>
-                </a:solidFill>
-                <a:effectLst/>
-                <a:uFillTx/>
-                <a:latin typeface="Helvetica Neue Medium"/>
-                <a:ea typeface="Helvetica Neue Medium"/>
-                <a:cs typeface="Helvetica Neue Medium"/>
-                <a:sym typeface="Helvetica Neue Medium"/>
-                <a:hlinkClick r:id="rId5" action="ppaction://hlinkfile"/>
-              </a:rPr>
-              <a:t>API</a:t>
-            </a:r>
-            <a:endParaRPr kumimoji="0" lang="zh-CN" altLang="en-US" sz="4000" b="1" i="0" u="none" strike="noStrike" cap="none" spc="0" normalizeH="0" baseline="0">
-              <a:ln>
-                <a:noFill/>
-              </a:ln>
-              <a:solidFill>
-                <a:srgbClr val="000000"/>
-              </a:solidFill>
-              <a:effectLst/>
-              <a:uFillTx/>
-              <a:latin typeface="Helvetica Neue Medium"/>
-              <a:ea typeface="Helvetica Neue Medium"/>
-              <a:cs typeface="Helvetica Neue Medium"/>
-              <a:sym typeface="Helvetica Neue Medium"/>
-            </a:endParaRPr>
-          </a:p>
         </p:txBody>
       </p:sp>
     </p:spTree>
+    <p:extLst>
+      <p:ext uri="{BB962C8B-B14F-4D97-AF65-F5344CB8AC3E}">
+        <p14:creationId xmlns:p14="http://schemas.microsoft.com/office/powerpoint/2010/main" val="96993205"/>
+      </p:ext>
+    </p:extLst>
   </p:cSld>
   <p:clrMapOvr>
     <a:masterClrMapping/>
@@ -10884,85 +11756,7 @@
                 <a:sym typeface="Helvetica Neue" panose="02000503000000020004"/>
               </a:defRPr>
             </a:pPr>
-            <a:endParaRPr sz="3000" dirty="0"/>
-          </a:p>
-        </p:txBody>
-      </p:sp>
-      <p:sp>
-        <p:nvSpPr>
-          <p:cNvPr id="140" name="Shape 140"/>
-          <p:cNvSpPr/>
-          <p:nvPr/>
-        </p:nvSpPr>
-        <p:spPr>
-          <a:xfrm>
-            <a:off x="7218696" y="6619706"/>
-            <a:ext cx="102657" cy="570734"/>
-          </a:xfrm>
-          <a:prstGeom prst="rect">
-            <a:avLst/>
-          </a:prstGeom>
-          <a:ln w="12700">
-            <a:miter lim="400000"/>
-          </a:ln>
-        </p:spPr>
-        <p:txBody>
-          <a:bodyPr wrap="none" lIns="50800" tIns="50800" rIns="50800" bIns="50800">
-            <a:spAutoFit/>
-          </a:bodyPr>
-          <a:lstStyle/>
-          <a:p>
-            <a:pPr algn="l">
-              <a:lnSpc>
-                <a:spcPct val="160000"/>
-              </a:lnSpc>
-              <a:defRPr sz="2200">
-                <a:latin typeface="+mj-lt"/>
-                <a:ea typeface="+mj-ea"/>
-                <a:cs typeface="+mj-cs"/>
-                <a:sym typeface="Helvetica Neue" panose="02000503000000020004"/>
-              </a:defRPr>
-            </a:pPr>
-            <a:endParaRPr sz="3000" dirty="0"/>
-          </a:p>
-        </p:txBody>
-      </p:sp>
-      <p:sp>
-        <p:nvSpPr>
-          <p:cNvPr id="141" name="Shape 141"/>
-          <p:cNvSpPr/>
-          <p:nvPr/>
-        </p:nvSpPr>
-        <p:spPr>
-          <a:xfrm>
-            <a:off x="13216566" y="6619706"/>
-            <a:ext cx="102657" cy="570734"/>
-          </a:xfrm>
-          <a:prstGeom prst="rect">
-            <a:avLst/>
-          </a:prstGeom>
-          <a:ln w="12700">
-            <a:miter lim="400000"/>
-          </a:ln>
-        </p:spPr>
-        <p:txBody>
-          <a:bodyPr wrap="none" lIns="50800" tIns="50800" rIns="50800" bIns="50800">
-            <a:spAutoFit/>
-          </a:bodyPr>
-          <a:lstStyle/>
-          <a:p>
-            <a:pPr algn="l">
-              <a:lnSpc>
-                <a:spcPct val="160000"/>
-              </a:lnSpc>
-              <a:defRPr sz="2200">
-                <a:latin typeface="+mj-lt"/>
-                <a:ea typeface="+mj-ea"/>
-                <a:cs typeface="+mj-cs"/>
-                <a:sym typeface="Helvetica Neue" panose="02000503000000020004"/>
-              </a:defRPr>
-            </a:pPr>
-            <a:endParaRPr sz="3000" dirty="0"/>
+            <a:endParaRPr dirty="0"/>
           </a:p>
         </p:txBody>
       </p:sp>
@@ -11004,8 +11798,8 @@
         </p:nvSpPr>
         <p:spPr>
           <a:xfrm>
-            <a:off x="1144625" y="689667"/>
-            <a:ext cx="4146550" cy="932180"/>
+            <a:off x="1144624" y="688963"/>
+            <a:ext cx="12071941" cy="933589"/>
           </a:xfrm>
           <a:prstGeom prst="rect">
             <a:avLst/>
@@ -11015,7 +11809,7 @@
           </a:ln>
         </p:spPr>
         <p:txBody>
-          <a:bodyPr wrap="none" lIns="50800" tIns="50800" rIns="50800" bIns="50800" anchor="ctr">
+          <a:bodyPr wrap="square" lIns="50800" tIns="50800" rIns="50800" bIns="50800" anchor="ctr">
             <a:spAutoFit/>
           </a:bodyPr>
           <a:lstStyle>
@@ -11032,9 +11826,8 @@
             </a:lvl1pPr>
           </a:lstStyle>
           <a:p>
-            <a:pPr algn="l"/>
-            <a:r>
-              <a:rPr lang="en-US" altLang="zh-CN" sz="5400" b="1">
+            <a:r>
+              <a:rPr lang="zh-CN" altLang="en-US" sz="5400" b="1" dirty="0">
                 <a:solidFill>
                   <a:schemeClr val="bg1"/>
                 </a:solidFill>
@@ -11043,10 +11836,10 @@
                 <a:cs typeface="Helvetica Neue Medium"/>
                 <a:sym typeface="Helvetica Neue Medium"/>
               </a:rPr>
-              <a:t>Lottie</a:t>
-            </a:r>
-            <a:r>
-              <a:rPr lang="zh-CN" altLang="en-US" sz="5400" b="1">
+              <a:t>性能陷阱 </a:t>
+            </a:r>
+            <a:r>
+              <a:rPr lang="en-US" altLang="zh-CN" sz="5400" b="1" dirty="0">
                 <a:solidFill>
                   <a:schemeClr val="bg1"/>
                 </a:solidFill>
@@ -11055,7 +11848,43 @@
                 <a:cs typeface="Helvetica Neue Medium"/>
                 <a:sym typeface="Helvetica Neue Medium"/>
               </a:rPr>
-              <a:t>优缺点</a:t>
+              <a:t>–</a:t>
+            </a:r>
+            <a:r>
+              <a:rPr lang="zh-CN" altLang="en-US" sz="5400" b="1" dirty="0">
+                <a:solidFill>
+                  <a:schemeClr val="bg1"/>
+                </a:solidFill>
+                <a:latin typeface="Helvetica Neue Medium"/>
+                <a:ea typeface="Helvetica Neue Medium"/>
+                <a:cs typeface="Helvetica Neue Medium"/>
+                <a:sym typeface="Helvetica Neue Medium"/>
+              </a:rPr>
+              <a:t> </a:t>
+            </a:r>
+            <a:r>
+              <a:rPr lang="en-US" altLang="zh-CN" sz="5400" b="1" dirty="0">
+                <a:solidFill>
+                  <a:schemeClr val="bg1"/>
+                </a:solidFill>
+                <a:latin typeface="Helvetica Neue Medium"/>
+                <a:ea typeface="Helvetica Neue Medium"/>
+                <a:cs typeface="Helvetica Neue Medium"/>
+                <a:sym typeface="Helvetica Neue Medium"/>
+              </a:rPr>
+              <a:t>60KB</a:t>
+            </a:r>
+            <a:r>
+              <a:rPr lang="zh-CN" altLang="en-US" sz="5400" b="1" dirty="0">
+                <a:solidFill>
+                  <a:schemeClr val="bg1"/>
+                </a:solidFill>
+                <a:latin typeface="Helvetica Neue Medium"/>
+                <a:ea typeface="Helvetica Neue Medium"/>
+                <a:cs typeface="Helvetica Neue Medium"/>
+                <a:sym typeface="Helvetica Neue Medium"/>
+              </a:rPr>
+              <a:t>函数</a:t>
             </a:r>
           </a:p>
         </p:txBody>
@@ -11091,53 +11920,20 @@
       </p:pic>
       <p:sp>
         <p:nvSpPr>
-          <p:cNvPr id="146" name="Shape 146"/>
-          <p:cNvSpPr/>
-          <p:nvPr/>
-        </p:nvSpPr>
-        <p:spPr>
-          <a:xfrm>
-            <a:off x="19214438" y="6619706"/>
-            <a:ext cx="102657" cy="570734"/>
-          </a:xfrm>
-          <a:prstGeom prst="rect">
-            <a:avLst/>
-          </a:prstGeom>
-          <a:ln w="12700">
-            <a:miter lim="400000"/>
-          </a:ln>
-        </p:spPr>
-        <p:txBody>
-          <a:bodyPr wrap="none" lIns="50800" tIns="50800" rIns="50800" bIns="50800">
-            <a:spAutoFit/>
-          </a:bodyPr>
-          <a:lstStyle/>
-          <a:p>
-            <a:pPr algn="l">
-              <a:lnSpc>
-                <a:spcPct val="160000"/>
-              </a:lnSpc>
-              <a:defRPr sz="2200">
-                <a:latin typeface="+mj-lt"/>
-                <a:ea typeface="+mj-ea"/>
-                <a:cs typeface="+mj-cs"/>
-                <a:sym typeface="Helvetica Neue" panose="02000503000000020004"/>
-              </a:defRPr>
-            </a:pPr>
-            <a:endParaRPr sz="3000" dirty="0"/>
-          </a:p>
-        </p:txBody>
-      </p:sp>
-      <p:sp>
-        <p:nvSpPr>
-          <p:cNvPr id="2" name="文本框 1"/>
+          <p:cNvPr id="11" name="文本框 10">
+            <a:extLst>
+              <a:ext uri="{FF2B5EF4-FFF2-40B4-BE49-F238E27FC236}">
+                <a16:creationId xmlns:a16="http://schemas.microsoft.com/office/drawing/2014/main" id="{DF0C9CC1-9A0C-48FC-AD3E-F884D4CE8AF5}"/>
+              </a:ext>
+            </a:extLst>
+          </p:cNvPr>
           <p:cNvSpPr txBox="1"/>
           <p:nvPr/>
         </p:nvSpPr>
         <p:spPr>
           <a:xfrm>
-            <a:off x="1233805" y="3226118"/>
-            <a:ext cx="21781135" cy="7857490"/>
+            <a:off x="1336675" y="3754699"/>
+            <a:ext cx="19996785" cy="4411464"/>
           </a:xfrm>
           <a:prstGeom prst="rect">
             <a:avLst/>
@@ -11166,23 +11962,9 @@
           </a:bodyPr>
           <a:lstStyle/>
           <a:p>
-            <a:pPr marL="0" marR="0" indent="0" algn="l" defTabSz="825500" rtl="0" fontAlgn="auto" latinLnBrk="0" hangingPunct="0">
-              <a:lnSpc>
-                <a:spcPct val="100000"/>
-              </a:lnSpc>
-              <a:spcBef>
-                <a:spcPts val="0"/>
-              </a:spcBef>
-              <a:spcAft>
-                <a:spcPts val="0"/>
-              </a:spcAft>
-              <a:buClrTx/>
-              <a:buSzTx/>
-              <a:buFontTx/>
-              <a:buNone/>
-            </a:pPr>
-            <a:r>
-              <a:rPr kumimoji="0" lang="zh-CN" altLang="en-US" sz="3600" b="1" i="0" u="none" strike="noStrike" cap="none" spc="0" normalizeH="0" baseline="0">
+            <a:pPr algn="l"/>
+            <a:r>
+              <a:rPr kumimoji="0" lang="en-US" altLang="zh-CN" sz="4000" b="1" i="0" u="none" strike="noStrike" cap="none" spc="0" normalizeH="0" baseline="0" dirty="0">
                 <a:ln>
                   <a:noFill/>
                 </a:ln>
@@ -11196,400 +11978,13 @@
                 <a:cs typeface="Helvetica Neue Medium"/>
                 <a:sym typeface="Helvetica Neue Medium"/>
               </a:rPr>
-              <a:t>优点：</a:t>
-            </a:r>
-          </a:p>
-          <a:p>
-            <a:pPr marL="0" marR="0" indent="0" algn="l" defTabSz="825500" rtl="0" fontAlgn="auto" latinLnBrk="0" hangingPunct="0">
-              <a:lnSpc>
-                <a:spcPct val="100000"/>
-              </a:lnSpc>
-              <a:spcBef>
-                <a:spcPts val="0"/>
-              </a:spcBef>
-              <a:spcAft>
-                <a:spcPts val="0"/>
-              </a:spcAft>
-              <a:buClrTx/>
-              <a:buSzTx/>
-              <a:buFontTx/>
-              <a:buNone/>
-            </a:pPr>
-            <a:r>
-              <a:rPr kumimoji="0" lang="en-US" altLang="zh-CN" sz="3600" b="1" i="0" u="none" strike="noStrike" cap="none" spc="0" normalizeH="0" baseline="0">
-                <a:ln>
-                  <a:noFill/>
-                </a:ln>
-                <a:solidFill>
-                  <a:srgbClr val="000000"/>
-                </a:solidFill>
-                <a:effectLst/>
-                <a:uFillTx/>
-                <a:latin typeface="Helvetica Neue Medium"/>
-                <a:ea typeface="Helvetica Neue Medium"/>
-                <a:cs typeface="Helvetica Neue Medium"/>
-                <a:sym typeface="Helvetica Neue Medium"/>
-              </a:rPr>
-              <a:t>1. </a:t>
-            </a:r>
-            <a:r>
-              <a:rPr kumimoji="0" lang="zh-CN" altLang="en-US" sz="3600" b="1" i="0" u="none" strike="noStrike" cap="none" spc="0" normalizeH="0" baseline="0">
-                <a:ln>
-                  <a:noFill/>
-                </a:ln>
-                <a:solidFill>
-                  <a:srgbClr val="000000"/>
-                </a:solidFill>
-                <a:effectLst/>
-                <a:uFillTx/>
-                <a:latin typeface="Helvetica Neue Medium"/>
-                <a:ea typeface="Helvetica Neue Medium"/>
-                <a:cs typeface="Helvetica Neue Medium"/>
-                <a:sym typeface="Helvetica Neue Medium"/>
-              </a:rPr>
-              <a:t>使用方便、灵活、可控。</a:t>
-            </a:r>
-          </a:p>
-          <a:p>
-            <a:pPr marL="0" marR="0" indent="0" algn="l" defTabSz="825500" rtl="0" fontAlgn="auto" latinLnBrk="0" hangingPunct="0">
-              <a:lnSpc>
-                <a:spcPct val="100000"/>
-              </a:lnSpc>
-              <a:spcBef>
-                <a:spcPts val="0"/>
-              </a:spcBef>
-              <a:spcAft>
-                <a:spcPts val="0"/>
-              </a:spcAft>
-              <a:buClrTx/>
-              <a:buSzTx/>
-              <a:buFontTx/>
-              <a:buNone/>
-            </a:pPr>
-            <a:r>
-              <a:rPr kumimoji="0" lang="en-US" altLang="zh-CN" sz="3600" b="1" i="0" u="none" strike="noStrike" cap="none" spc="0" normalizeH="0" baseline="0">
-                <a:ln>
-                  <a:noFill/>
-                </a:ln>
-                <a:solidFill>
-                  <a:srgbClr val="000000"/>
-                </a:solidFill>
-                <a:effectLst/>
-                <a:uFillTx/>
-                <a:latin typeface="Helvetica Neue Medium"/>
-                <a:ea typeface="Helvetica Neue Medium"/>
-                <a:cs typeface="Helvetica Neue Medium"/>
-                <a:sym typeface="Helvetica Neue Medium"/>
-              </a:rPr>
-              <a:t>2. </a:t>
-            </a:r>
-            <a:r>
-              <a:rPr kumimoji="0" lang="zh-CN" altLang="en-US" sz="3600" b="1" i="0" u="none" strike="noStrike" cap="none" spc="0" normalizeH="0" baseline="0">
-                <a:ln>
-                  <a:noFill/>
-                </a:ln>
-                <a:solidFill>
-                  <a:srgbClr val="000000"/>
-                </a:solidFill>
-                <a:effectLst/>
-                <a:uFillTx/>
-                <a:latin typeface="Helvetica Neue Medium"/>
-                <a:ea typeface="Helvetica Neue Medium"/>
-                <a:cs typeface="Helvetica Neue Medium"/>
-                <a:sym typeface="Helvetica Neue Medium"/>
-              </a:rPr>
-              <a:t>大大节省开发的人力。</a:t>
-            </a:r>
-          </a:p>
-          <a:p>
-            <a:pPr marL="0" marR="0" indent="0" algn="l" defTabSz="825500" rtl="0" fontAlgn="auto" latinLnBrk="0" hangingPunct="0">
-              <a:lnSpc>
-                <a:spcPct val="100000"/>
-              </a:lnSpc>
-              <a:spcBef>
-                <a:spcPts val="0"/>
-              </a:spcBef>
-              <a:spcAft>
-                <a:spcPts val="0"/>
-              </a:spcAft>
-              <a:buClrTx/>
-              <a:buSzTx/>
-              <a:buFontTx/>
-              <a:buNone/>
-            </a:pPr>
-            <a:r>
-              <a:rPr kumimoji="0" lang="en-US" altLang="zh-CN" sz="3600" b="1" i="0" u="none" strike="noStrike" cap="none" spc="0" normalizeH="0" baseline="0">
-                <a:ln>
-                  <a:noFill/>
-                </a:ln>
-                <a:solidFill>
-                  <a:srgbClr val="000000"/>
-                </a:solidFill>
-                <a:effectLst/>
-                <a:uFillTx/>
-                <a:latin typeface="Helvetica Neue Medium"/>
-                <a:ea typeface="Helvetica Neue Medium"/>
-                <a:cs typeface="Helvetica Neue Medium"/>
-                <a:sym typeface="Helvetica Neue Medium"/>
-              </a:rPr>
-              <a:t>3. </a:t>
-            </a:r>
-            <a:r>
-              <a:rPr kumimoji="0" lang="zh-CN" altLang="en-US" sz="3600" b="1" i="0" u="none" strike="noStrike" cap="none" spc="0" normalizeH="0" baseline="0">
-                <a:ln>
-                  <a:noFill/>
-                </a:ln>
-                <a:solidFill>
-                  <a:srgbClr val="000000"/>
-                </a:solidFill>
-                <a:effectLst/>
-                <a:uFillTx/>
-                <a:latin typeface="Helvetica Neue Medium"/>
-                <a:ea typeface="Helvetica Neue Medium"/>
-                <a:cs typeface="Helvetica Neue Medium"/>
-                <a:sym typeface="Helvetica Neue Medium"/>
-              </a:rPr>
-              <a:t>所见即所得，最终效果，基本和视觉给的一致，不用再瞎逼逼。</a:t>
-            </a:r>
-          </a:p>
-          <a:p>
-            <a:pPr marL="0" marR="0" indent="0" algn="l" defTabSz="825500" rtl="0" fontAlgn="auto" latinLnBrk="0" hangingPunct="0">
-              <a:lnSpc>
-                <a:spcPct val="100000"/>
-              </a:lnSpc>
-              <a:spcBef>
-                <a:spcPts val="0"/>
-              </a:spcBef>
-              <a:spcAft>
-                <a:spcPts val="0"/>
-              </a:spcAft>
-              <a:buClrTx/>
-              <a:buSzTx/>
-              <a:buFontTx/>
-              <a:buNone/>
-            </a:pPr>
-            <a:r>
-              <a:rPr kumimoji="0" lang="en-US" altLang="zh-CN" sz="3600" b="1" i="0" u="none" strike="noStrike" cap="none" spc="0" normalizeH="0" baseline="0">
-                <a:ln>
-                  <a:noFill/>
-                </a:ln>
-                <a:solidFill>
-                  <a:srgbClr val="000000"/>
-                </a:solidFill>
-                <a:effectLst/>
-                <a:uFillTx/>
-                <a:latin typeface="Helvetica Neue Medium"/>
-                <a:ea typeface="Helvetica Neue Medium"/>
-                <a:cs typeface="Helvetica Neue Medium"/>
-                <a:sym typeface="Helvetica Neue Medium"/>
-              </a:rPr>
-              <a:t>4. </a:t>
-            </a:r>
-            <a:r>
-              <a:rPr kumimoji="0" lang="zh-CN" altLang="en-US" sz="3600" b="1" i="0" u="none" strike="noStrike" cap="none" spc="0" normalizeH="0" baseline="0">
-                <a:ln>
-                  <a:noFill/>
-                </a:ln>
-                <a:solidFill>
-                  <a:srgbClr val="000000"/>
-                </a:solidFill>
-                <a:effectLst/>
-                <a:uFillTx/>
-                <a:latin typeface="Helvetica Neue Medium"/>
-                <a:ea typeface="Helvetica Neue Medium"/>
-                <a:cs typeface="Helvetica Neue Medium"/>
-                <a:sym typeface="Helvetica Neue Medium"/>
-              </a:rPr>
-              <a:t>大小比使用</a:t>
-            </a:r>
-            <a:r>
-              <a:rPr kumimoji="0" lang="en-US" altLang="zh-CN" sz="3600" b="1" i="0" u="none" strike="noStrike" cap="none" spc="0" normalizeH="0" baseline="0">
-                <a:ln>
-                  <a:noFill/>
-                </a:ln>
-                <a:solidFill>
-                  <a:srgbClr val="000000"/>
-                </a:solidFill>
-                <a:effectLst/>
-                <a:uFillTx/>
-                <a:latin typeface="Helvetica Neue Medium"/>
-                <a:ea typeface="Helvetica Neue Medium"/>
-                <a:cs typeface="Helvetica Neue Medium"/>
-                <a:sym typeface="Helvetica Neue Medium"/>
-              </a:rPr>
-              <a:t>GIF</a:t>
-            </a:r>
-            <a:r>
-              <a:rPr kumimoji="0" lang="zh-CN" altLang="en-US" sz="3600" b="1" i="0" u="none" strike="noStrike" cap="none" spc="0" normalizeH="0" baseline="0">
-                <a:ln>
-                  <a:noFill/>
-                </a:ln>
-                <a:solidFill>
-                  <a:srgbClr val="000000"/>
-                </a:solidFill>
-                <a:effectLst/>
-                <a:uFillTx/>
-                <a:latin typeface="Helvetica Neue Medium"/>
-                <a:ea typeface="Helvetica Neue Medium"/>
-                <a:cs typeface="Helvetica Neue Medium"/>
-                <a:sym typeface="Helvetica Neue Medium"/>
-              </a:rPr>
-              <a:t>或逐帧动画来的小。</a:t>
-            </a:r>
-          </a:p>
-          <a:p>
-            <a:pPr marL="0" marR="0" indent="0" algn="l" defTabSz="825500" rtl="0" fontAlgn="auto" latinLnBrk="0" hangingPunct="0">
-              <a:lnSpc>
-                <a:spcPct val="100000"/>
-              </a:lnSpc>
-              <a:spcBef>
-                <a:spcPts val="0"/>
-              </a:spcBef>
-              <a:spcAft>
-                <a:spcPts val="0"/>
-              </a:spcAft>
-              <a:buClrTx/>
-              <a:buSzTx/>
-              <a:buFontTx/>
-              <a:buNone/>
-            </a:pPr>
-            <a:r>
-              <a:rPr kumimoji="0" lang="en-US" altLang="zh-CN" sz="3600" b="1" i="0" u="none" strike="noStrike" cap="none" spc="0" normalizeH="0" baseline="0">
-                <a:ln>
-                  <a:noFill/>
-                </a:ln>
-                <a:solidFill>
-                  <a:srgbClr val="000000"/>
-                </a:solidFill>
-                <a:effectLst/>
-                <a:uFillTx/>
-                <a:latin typeface="Helvetica Neue Medium"/>
-                <a:ea typeface="Helvetica Neue Medium"/>
-                <a:cs typeface="Helvetica Neue Medium"/>
-                <a:sym typeface="Helvetica Neue Medium"/>
-              </a:rPr>
-              <a:t>5. </a:t>
-            </a:r>
-            <a:r>
-              <a:rPr kumimoji="0" lang="zh-CN" altLang="en-US" sz="3600" b="1" i="0" u="none" strike="noStrike" cap="none" spc="0" normalizeH="0" baseline="0">
-                <a:ln>
-                  <a:noFill/>
-                </a:ln>
-                <a:solidFill>
-                  <a:srgbClr val="000000"/>
-                </a:solidFill>
-                <a:effectLst/>
-                <a:uFillTx/>
-                <a:latin typeface="Helvetica Neue Medium"/>
-                <a:ea typeface="Helvetica Neue Medium"/>
-                <a:cs typeface="Helvetica Neue Medium"/>
-                <a:sym typeface="Helvetica Neue Medium"/>
-              </a:rPr>
-              <a:t>只要动画符合要求，基本很流畅，性能也好。</a:t>
-            </a:r>
-          </a:p>
-          <a:p>
-            <a:pPr marL="0" marR="0" indent="0" algn="l" defTabSz="825500" rtl="0" fontAlgn="auto" latinLnBrk="0" hangingPunct="0">
-              <a:lnSpc>
-                <a:spcPct val="100000"/>
-              </a:lnSpc>
-              <a:spcBef>
-                <a:spcPts val="0"/>
-              </a:spcBef>
-              <a:spcAft>
-                <a:spcPts val="0"/>
-              </a:spcAft>
-              <a:buClrTx/>
-              <a:buSzTx/>
-              <a:buFontTx/>
-              <a:buNone/>
-            </a:pPr>
-            <a:r>
-              <a:rPr kumimoji="0" lang="en-US" altLang="zh-CN" sz="3600" b="1" i="0" u="none" strike="noStrike" cap="none" spc="0" normalizeH="0" baseline="0">
-                <a:ln>
-                  <a:noFill/>
-                </a:ln>
-                <a:solidFill>
-                  <a:srgbClr val="000000"/>
-                </a:solidFill>
-                <a:effectLst/>
-                <a:uFillTx/>
-                <a:latin typeface="Helvetica Neue Medium"/>
-                <a:ea typeface="Helvetica Neue Medium"/>
-                <a:cs typeface="Helvetica Neue Medium"/>
-                <a:sym typeface="Helvetica Neue Medium"/>
-              </a:rPr>
-              <a:t>6. </a:t>
-            </a:r>
-            <a:r>
-              <a:rPr kumimoji="0" lang="zh-CN" altLang="en-US" sz="3600" b="1" i="0" u="none" strike="noStrike" cap="none" spc="0" normalizeH="0" baseline="0">
-                <a:ln>
-                  <a:noFill/>
-                </a:ln>
-                <a:solidFill>
-                  <a:srgbClr val="000000"/>
-                </a:solidFill>
-                <a:effectLst/>
-                <a:uFillTx/>
-                <a:latin typeface="Helvetica Neue Medium"/>
-                <a:ea typeface="Helvetica Neue Medium"/>
-                <a:cs typeface="Helvetica Neue Medium"/>
-                <a:sym typeface="Helvetica Neue Medium"/>
-              </a:rPr>
-              <a:t>视觉只需输出一个</a:t>
-            </a:r>
-            <a:r>
-              <a:rPr kumimoji="0" lang="en-US" altLang="zh-CN" sz="3600" b="1" i="0" u="none" strike="noStrike" cap="none" spc="0" normalizeH="0" baseline="0">
-                <a:ln>
-                  <a:noFill/>
-                </a:ln>
-                <a:solidFill>
-                  <a:srgbClr val="000000"/>
-                </a:solidFill>
-                <a:effectLst/>
-                <a:uFillTx/>
-                <a:latin typeface="Helvetica Neue Medium"/>
-                <a:ea typeface="Helvetica Neue Medium"/>
-                <a:cs typeface="Helvetica Neue Medium"/>
-                <a:sym typeface="Helvetica Neue Medium"/>
-              </a:rPr>
-              <a:t>json</a:t>
-            </a:r>
-            <a:r>
-              <a:rPr kumimoji="0" lang="zh-CN" altLang="en-US" sz="3600" b="1" i="0" u="none" strike="noStrike" cap="none" spc="0" normalizeH="0" baseline="0">
-                <a:ln>
-                  <a:noFill/>
-                </a:ln>
-                <a:solidFill>
-                  <a:srgbClr val="000000"/>
-                </a:solidFill>
-                <a:effectLst/>
-                <a:uFillTx/>
-                <a:latin typeface="Helvetica Neue Medium"/>
-                <a:ea typeface="Helvetica Neue Medium"/>
-                <a:cs typeface="Helvetica Neue Medium"/>
-                <a:sym typeface="Helvetica Neue Medium"/>
-              </a:rPr>
-              <a:t>文件，便可多端复用，且效果基本一致。</a:t>
-            </a:r>
-          </a:p>
-          <a:p>
-            <a:pPr marL="0" marR="0" indent="0" algn="l" defTabSz="825500" rtl="0" fontAlgn="auto" latinLnBrk="0" hangingPunct="0">
-              <a:lnSpc>
-                <a:spcPct val="100000"/>
-              </a:lnSpc>
-              <a:spcBef>
-                <a:spcPts val="0"/>
-              </a:spcBef>
-              <a:spcAft>
-                <a:spcPts val="0"/>
-              </a:spcAft>
-              <a:buClrTx/>
-              <a:buSzTx/>
-              <a:buFontTx/>
-              <a:buNone/>
-            </a:pPr>
-            <a:endParaRPr kumimoji="0" lang="zh-CN" altLang="en-US" sz="3600" b="1" i="0" u="none" strike="noStrike" cap="none" spc="0" normalizeH="0" baseline="0">
+              <a:t>Case 1</a:t>
+            </a:r>
+            <a:r>
+              <a:rPr lang="zh-CN" altLang="en-US" sz="4000" b="1" dirty="0"/>
+              <a:t>：</a:t>
+            </a:r>
+            <a:endParaRPr kumimoji="0" lang="en-US" altLang="zh-CN" sz="4000" b="1" i="0" u="none" strike="noStrike" cap="none" spc="0" normalizeH="0" baseline="0" dirty="0">
               <a:ln>
                 <a:noFill/>
               </a:ln>
@@ -11605,22 +12000,48 @@
             </a:endParaRPr>
           </a:p>
           <a:p>
-            <a:pPr marL="0" marR="0" indent="0" algn="l" defTabSz="825500" rtl="0" fontAlgn="auto" latinLnBrk="0" hangingPunct="0">
-              <a:lnSpc>
-                <a:spcPct val="100000"/>
-              </a:lnSpc>
-              <a:spcBef>
-                <a:spcPts val="0"/>
-              </a:spcBef>
-              <a:spcAft>
-                <a:spcPts val="0"/>
-              </a:spcAft>
-              <a:buClrTx/>
-              <a:buSzTx/>
-              <a:buFontTx/>
-              <a:buNone/>
-            </a:pPr>
-            <a:endParaRPr kumimoji="0" lang="zh-CN" altLang="en-US" sz="3600" b="1" i="0" u="none" strike="noStrike" cap="none" spc="0" normalizeH="0" baseline="0">
+            <a:pPr algn="l"/>
+            <a:r>
+              <a:rPr kumimoji="0" lang="en-US" altLang="zh-CN" sz="4000" b="1" i="0" u="none" strike="noStrike" cap="none" spc="0" normalizeH="0" baseline="0" dirty="0">
+                <a:ln>
+                  <a:noFill/>
+                </a:ln>
+                <a:solidFill>
+                  <a:srgbClr val="000000"/>
+                </a:solidFill>
+                <a:effectLst/>
+                <a:uFillTx/>
+                <a:latin typeface="Helvetica Neue Medium"/>
+                <a:ea typeface="Helvetica Neue Medium"/>
+                <a:cs typeface="Helvetica Neue Medium"/>
+                <a:sym typeface="Helvetica Neue Medium"/>
+              </a:rPr>
+              <a:t>Node version 10.16.0 </a:t>
+            </a:r>
+          </a:p>
+          <a:p>
+            <a:pPr algn="l"/>
+            <a:r>
+              <a:rPr kumimoji="0" lang="en-US" altLang="zh-CN" sz="4000" b="1" i="0" u="none" strike="noStrike" cap="none" spc="0" normalizeH="0" baseline="0" dirty="0">
+                <a:ln>
+                  <a:noFill/>
+                </a:ln>
+                <a:solidFill>
+                  <a:srgbClr val="000000"/>
+                </a:solidFill>
+                <a:effectLst/>
+                <a:uFillTx/>
+                <a:latin typeface="Helvetica Neue Medium"/>
+                <a:ea typeface="Helvetica Neue Medium"/>
+                <a:cs typeface="Helvetica Neue Medium"/>
+                <a:sym typeface="Helvetica Neue Medium"/>
+              </a:rPr>
+              <a:t>v8 </a:t>
+            </a:r>
+          </a:p>
+          <a:p>
+            <a:pPr algn="l"/>
+            <a:endParaRPr kumimoji="0" lang="en-US" altLang="zh-CN" sz="4000" b="1" i="0" u="none" strike="noStrike" cap="none" spc="0" normalizeH="0" baseline="0" dirty="0">
               <a:ln>
                 <a:noFill/>
               </a:ln>
@@ -11636,175 +12057,31 @@
             </a:endParaRPr>
           </a:p>
           <a:p>
-            <a:pPr marL="0" marR="0" indent="0" algn="l" defTabSz="825500" rtl="0" fontAlgn="auto" latinLnBrk="0" hangingPunct="0">
-              <a:lnSpc>
-                <a:spcPct val="100000"/>
-              </a:lnSpc>
-              <a:spcBef>
-                <a:spcPts val="0"/>
-              </a:spcBef>
-              <a:spcAft>
-                <a:spcPts val="0"/>
-              </a:spcAft>
-              <a:buClrTx/>
-              <a:buSzTx/>
-              <a:buFontTx/>
-              <a:buNone/>
-            </a:pPr>
-            <a:r>
-              <a:rPr kumimoji="0" lang="zh-CN" altLang="en-US" sz="3600" b="1" i="0" u="none" strike="noStrike" cap="none" spc="0" normalizeH="0" baseline="0">
-                <a:ln>
-                  <a:noFill/>
-                </a:ln>
-                <a:solidFill>
-                  <a:srgbClr val="000000"/>
-                </a:solidFill>
-                <a:effectLst/>
-                <a:uFillTx/>
-                <a:latin typeface="Helvetica Neue Medium"/>
-                <a:ea typeface="Helvetica Neue Medium"/>
-                <a:cs typeface="Helvetica Neue Medium"/>
-                <a:sym typeface="Helvetica Neue Medium"/>
-              </a:rPr>
-              <a:t>缺点：</a:t>
-            </a:r>
-          </a:p>
-          <a:p>
-            <a:pPr marL="0" marR="0" indent="0" algn="l" defTabSz="825500" rtl="0" fontAlgn="auto" latinLnBrk="0" hangingPunct="0">
-              <a:lnSpc>
-                <a:spcPct val="100000"/>
-              </a:lnSpc>
-              <a:spcBef>
-                <a:spcPts val="0"/>
-              </a:spcBef>
-              <a:spcAft>
-                <a:spcPts val="0"/>
-              </a:spcAft>
-              <a:buClrTx/>
-              <a:buSzTx/>
-              <a:buFontTx/>
-              <a:buNone/>
-            </a:pPr>
-            <a:r>
-              <a:rPr kumimoji="0" lang="en-US" altLang="zh-CN" sz="3600" b="1" i="0" u="none" strike="noStrike" cap="none" spc="0" normalizeH="0" baseline="0">
-                <a:ln>
-                  <a:noFill/>
-                </a:ln>
-                <a:solidFill>
-                  <a:srgbClr val="000000"/>
-                </a:solidFill>
-                <a:effectLst/>
-                <a:uFillTx/>
-                <a:latin typeface="Helvetica Neue Medium"/>
-                <a:ea typeface="Helvetica Neue Medium"/>
-                <a:cs typeface="Helvetica Neue Medium"/>
-                <a:sym typeface="Helvetica Neue Medium"/>
-              </a:rPr>
-              <a:t>1. </a:t>
-            </a:r>
-            <a:r>
-              <a:rPr kumimoji="0" lang="zh-CN" altLang="en-US" sz="3600" b="1" i="0" u="none" strike="noStrike" cap="none" spc="0" normalizeH="0" baseline="0">
-                <a:ln>
-                  <a:noFill/>
-                </a:ln>
-                <a:solidFill>
-                  <a:srgbClr val="000000"/>
-                </a:solidFill>
-                <a:effectLst/>
-                <a:uFillTx/>
-                <a:latin typeface="Helvetica Neue Medium"/>
-                <a:ea typeface="Helvetica Neue Medium"/>
-                <a:cs typeface="Helvetica Neue Medium"/>
-                <a:sym typeface="Helvetica Neue Medium"/>
-              </a:rPr>
-              <a:t>包很大，</a:t>
-            </a:r>
-            <a:r>
-              <a:rPr kumimoji="0" lang="en-US" altLang="zh-CN" sz="3600" b="1" i="0" u="none" strike="noStrike" cap="none" spc="0" normalizeH="0" baseline="0">
-                <a:ln>
-                  <a:noFill/>
-                </a:ln>
-                <a:solidFill>
-                  <a:srgbClr val="000000"/>
-                </a:solidFill>
-                <a:effectLst/>
-                <a:uFillTx/>
-                <a:latin typeface="Helvetica Neue Medium"/>
-                <a:ea typeface="Helvetica Neue Medium"/>
-                <a:cs typeface="Helvetica Neue Medium"/>
-                <a:sym typeface="Helvetica Neue Medium"/>
-              </a:rPr>
-              <a:t>json</a:t>
-            </a:r>
-            <a:r>
-              <a:rPr kumimoji="0" lang="zh-CN" altLang="en-US" sz="3600" b="1" i="0" u="none" strike="noStrike" cap="none" spc="0" normalizeH="0" baseline="0">
-                <a:ln>
-                  <a:noFill/>
-                </a:ln>
-                <a:solidFill>
-                  <a:srgbClr val="000000"/>
-                </a:solidFill>
-                <a:effectLst/>
-                <a:uFillTx/>
-                <a:latin typeface="Helvetica Neue Medium"/>
-                <a:ea typeface="Helvetica Neue Medium"/>
-                <a:cs typeface="Helvetica Neue Medium"/>
-                <a:sym typeface="Helvetica Neue Medium"/>
-              </a:rPr>
-              <a:t>文件也很大。</a:t>
-            </a:r>
-          </a:p>
-          <a:p>
-            <a:pPr marL="0" marR="0" indent="0" algn="l" defTabSz="825500" rtl="0" fontAlgn="auto" latinLnBrk="0" hangingPunct="0">
-              <a:lnSpc>
-                <a:spcPct val="100000"/>
-              </a:lnSpc>
-              <a:spcBef>
-                <a:spcPts val="0"/>
-              </a:spcBef>
-              <a:spcAft>
-                <a:spcPts val="0"/>
-              </a:spcAft>
-              <a:buClrTx/>
-              <a:buSzTx/>
-              <a:buFontTx/>
-              <a:buNone/>
-            </a:pPr>
-            <a:r>
-              <a:rPr kumimoji="0" lang="en-US" altLang="zh-CN" sz="3600" b="1" i="0" u="none" strike="noStrike" cap="none" spc="0" normalizeH="0" baseline="0">
-                <a:ln>
-                  <a:noFill/>
-                </a:ln>
-                <a:solidFill>
-                  <a:srgbClr val="000000"/>
-                </a:solidFill>
-                <a:effectLst/>
-                <a:uFillTx/>
-                <a:latin typeface="Helvetica Neue Medium"/>
-                <a:ea typeface="Helvetica Neue Medium"/>
-                <a:cs typeface="Helvetica Neue Medium"/>
-                <a:sym typeface="Helvetica Neue Medium"/>
-              </a:rPr>
-              <a:t>2. 对一些AE属性支持不够完全</a:t>
-            </a:r>
-            <a:r>
-              <a:rPr kumimoji="0" lang="zh-CN" altLang="en-US" sz="3600" b="1" i="0" u="none" strike="noStrike" cap="none" spc="0" normalizeH="0" baseline="0">
-                <a:ln>
-                  <a:noFill/>
-                </a:ln>
-                <a:solidFill>
-                  <a:srgbClr val="000000"/>
-                </a:solidFill>
-                <a:effectLst/>
-                <a:uFillTx/>
-                <a:latin typeface="Helvetica Neue Medium"/>
-                <a:ea typeface="宋体" charset="0"/>
-                <a:cs typeface="Helvetica Neue Medium"/>
-                <a:sym typeface="Helvetica Neue Medium"/>
-              </a:rPr>
-              <a:t>。</a:t>
-            </a:r>
-            <a:endParaRPr kumimoji="0" lang="en-US" altLang="zh-CN" sz="3600" b="1" i="0" u="none" strike="noStrike" cap="none" spc="0" normalizeH="0" baseline="0">
+            <a:pPr algn="l"/>
+            <a:r>
+              <a:rPr lang="en-US" altLang="zh-CN" sz="4000" b="1" dirty="0"/>
+              <a:t>Case 2</a:t>
+            </a:r>
+            <a:r>
+              <a:rPr lang="zh-CN" altLang="en-US" sz="4000" b="1" dirty="0"/>
+              <a:t>：</a:t>
+            </a:r>
+            <a:endParaRPr lang="en-US" altLang="zh-CN" sz="4000" b="1" dirty="0"/>
+          </a:p>
+          <a:p>
+            <a:pPr algn="l"/>
+            <a:r>
+              <a:rPr lang="en-US" altLang="zh-CN" sz="4000" b="1" dirty="0"/>
+              <a:t>Node version 12.7.0</a:t>
+            </a:r>
+          </a:p>
+          <a:p>
+            <a:pPr algn="l"/>
+            <a:r>
+              <a:rPr lang="en-US" altLang="zh-CN" sz="4000" b="1" dirty="0"/>
+              <a:t>v8 7.5.288.22-node.16</a:t>
+            </a:r>
+            <a:endParaRPr kumimoji="0" lang="zh-CN" altLang="en-US" sz="4000" b="1" i="0" u="none" strike="noStrike" cap="none" spc="0" normalizeH="0" baseline="0" dirty="0">
               <a:ln>
                 <a:noFill/>
               </a:ln>
@@ -11819,159 +12096,14 @@
               <a:sym typeface="Helvetica Neue Medium"/>
             </a:endParaRPr>
           </a:p>
-          <a:p>
-            <a:pPr marL="0" marR="0" indent="0" algn="l" defTabSz="825500" rtl="0" fontAlgn="auto" latinLnBrk="0" hangingPunct="0">
-              <a:lnSpc>
-                <a:spcPct val="100000"/>
-              </a:lnSpc>
-              <a:spcBef>
-                <a:spcPts val="0"/>
-              </a:spcBef>
-              <a:spcAft>
-                <a:spcPts val="0"/>
-              </a:spcAft>
-              <a:buClrTx/>
-              <a:buSzTx/>
-              <a:buFontTx/>
-              <a:buNone/>
-            </a:pPr>
-            <a:r>
-              <a:rPr kumimoji="0" lang="en-US" altLang="zh-CN" sz="3600" b="1" i="0" u="none" strike="noStrike" cap="none" spc="0" normalizeH="0" baseline="0">
-                <a:ln>
-                  <a:noFill/>
-                </a:ln>
-                <a:solidFill>
-                  <a:srgbClr val="000000"/>
-                </a:solidFill>
-                <a:effectLst/>
-                <a:uFillTx/>
-                <a:latin typeface="Helvetica Neue Medium"/>
-                <a:ea typeface="Helvetica Neue Medium"/>
-                <a:cs typeface="Helvetica Neue Medium"/>
-                <a:sym typeface="Helvetica Neue Medium"/>
-              </a:rPr>
-              <a:t>3. </a:t>
-            </a:r>
-            <a:r>
-              <a:rPr kumimoji="0" lang="zh-CN" altLang="en-US" sz="3600" b="1" i="0" u="none" strike="noStrike" cap="none" spc="0" normalizeH="0" baseline="0">
-                <a:ln>
-                  <a:noFill/>
-                </a:ln>
-                <a:solidFill>
-                  <a:srgbClr val="000000"/>
-                </a:solidFill>
-                <a:effectLst/>
-                <a:uFillTx/>
-                <a:latin typeface="Helvetica Neue Medium"/>
-                <a:ea typeface="Helvetica Neue Medium"/>
-                <a:cs typeface="Helvetica Neue Medium"/>
-                <a:sym typeface="Helvetica Neue Medium"/>
-              </a:rPr>
-              <a:t>太依赖视觉，需要其给动效</a:t>
-            </a:r>
-            <a:r>
-              <a:rPr kumimoji="0" lang="en-US" altLang="zh-CN" sz="3600" b="1" i="0" u="none" strike="noStrike" cap="none" spc="0" normalizeH="0" baseline="0">
-                <a:ln>
-                  <a:noFill/>
-                </a:ln>
-                <a:solidFill>
-                  <a:srgbClr val="000000"/>
-                </a:solidFill>
-                <a:effectLst/>
-                <a:uFillTx/>
-                <a:latin typeface="Helvetica Neue Medium"/>
-                <a:ea typeface="Helvetica Neue Medium"/>
-                <a:cs typeface="Helvetica Neue Medium"/>
-                <a:sym typeface="Helvetica Neue Medium"/>
-              </a:rPr>
-              <a:t>json</a:t>
-            </a:r>
-            <a:r>
-              <a:rPr kumimoji="0" lang="zh-CN" altLang="en-US" sz="3600" b="1" i="0" u="none" strike="noStrike" cap="none" spc="0" normalizeH="0" baseline="0">
-                <a:ln>
-                  <a:noFill/>
-                </a:ln>
-                <a:solidFill>
-                  <a:srgbClr val="000000"/>
-                </a:solidFill>
-                <a:effectLst/>
-                <a:uFillTx/>
-                <a:latin typeface="Helvetica Neue Medium"/>
-                <a:ea typeface="宋体" charset="0"/>
-                <a:cs typeface="Helvetica Neue Medium"/>
-                <a:sym typeface="Helvetica Neue Medium"/>
-              </a:rPr>
-              <a:t>。</a:t>
-            </a:r>
-            <a:endParaRPr kumimoji="0" lang="en-US" altLang="zh-CN" sz="3600" b="1" i="0" u="none" strike="noStrike" cap="none" spc="0" normalizeH="0" baseline="0">
-              <a:ln>
-                <a:noFill/>
-              </a:ln>
-              <a:solidFill>
-                <a:srgbClr val="000000"/>
-              </a:solidFill>
-              <a:effectLst/>
-              <a:uFillTx/>
-              <a:latin typeface="Helvetica Neue Medium"/>
-              <a:ea typeface="Helvetica Neue Medium"/>
-              <a:cs typeface="Helvetica Neue Medium"/>
-              <a:sym typeface="Helvetica Neue Medium"/>
-            </a:endParaRPr>
-          </a:p>
-          <a:p>
-            <a:pPr marL="0" marR="0" indent="0" algn="l" defTabSz="825500" rtl="0" fontAlgn="auto" latinLnBrk="0" hangingPunct="0">
-              <a:lnSpc>
-                <a:spcPct val="100000"/>
-              </a:lnSpc>
-              <a:spcBef>
-                <a:spcPts val="0"/>
-              </a:spcBef>
-              <a:spcAft>
-                <a:spcPts val="0"/>
-              </a:spcAft>
-              <a:buClrTx/>
-              <a:buSzTx/>
-              <a:buFontTx/>
-              <a:buNone/>
-            </a:pPr>
-            <a:r>
-              <a:rPr kumimoji="0" lang="en-US" altLang="zh-CN" sz="3600" b="1" i="0" u="none" strike="noStrike" cap="none" spc="0" normalizeH="0" baseline="0">
-                <a:ln>
-                  <a:noFill/>
-                </a:ln>
-                <a:solidFill>
-                  <a:srgbClr val="000000"/>
-                </a:solidFill>
-                <a:effectLst/>
-                <a:uFillTx/>
-                <a:latin typeface="Helvetica Neue Medium"/>
-                <a:ea typeface="Helvetica Neue Medium"/>
-                <a:cs typeface="Helvetica Neue Medium"/>
-                <a:sym typeface="Helvetica Neue Medium"/>
-              </a:rPr>
-              <a:t>4. </a:t>
-            </a:r>
-            <a:r>
-              <a:rPr kumimoji="0" lang="zh-CN" altLang="en-US" sz="3600" b="1" i="0" u="none" strike="noStrike" cap="none" spc="0" normalizeH="0" baseline="0">
-                <a:ln>
-                  <a:noFill/>
-                </a:ln>
-                <a:solidFill>
-                  <a:srgbClr val="000000"/>
-                </a:solidFill>
-                <a:effectLst/>
-                <a:uFillTx/>
-                <a:latin typeface="Helvetica Neue Medium"/>
-                <a:ea typeface="Helvetica Neue Medium"/>
-                <a:cs typeface="Helvetica Neue Medium"/>
-                <a:sym typeface="Helvetica Neue Medium"/>
-              </a:rPr>
-              <a:t>对视觉的动效实现有较高要求，否则及其影响性能（基本不能用）。</a:t>
-            </a:r>
-          </a:p>
         </p:txBody>
       </p:sp>
     </p:spTree>
+    <p:extLst>
+      <p:ext uri="{BB962C8B-B14F-4D97-AF65-F5344CB8AC3E}">
+        <p14:creationId xmlns:p14="http://schemas.microsoft.com/office/powerpoint/2010/main" val="1903353835"/>
+      </p:ext>
+    </p:extLst>
   </p:cSld>
   <p:clrMapOvr>
     <a:masterClrMapping/>
@@ -12153,7 +12285,7 @@
         <p:spPr>
           <a:xfrm>
             <a:off x="1144625" y="689667"/>
-            <a:ext cx="8290560" cy="932180"/>
+            <a:ext cx="8230235" cy="932180"/>
           </a:xfrm>
           <a:prstGeom prst="rect">
             <a:avLst/>
@@ -12182,6 +12314,18 @@
           <a:p>
             <a:pPr algn="l"/>
             <a:r>
+              <a:rPr lang="en-US" altLang="zh-CN" sz="5400" b="1">
+                <a:solidFill>
+                  <a:schemeClr val="bg1"/>
+                </a:solidFill>
+                <a:latin typeface="Helvetica Neue Medium"/>
+                <a:ea typeface="Helvetica Neue Medium"/>
+                <a:cs typeface="Helvetica Neue Medium"/>
+                <a:sym typeface="Helvetica Neue Medium"/>
+              </a:rPr>
+              <a:t>Lottie</a:t>
+            </a:r>
+            <a:r>
               <a:rPr lang="zh-CN" altLang="en-US" sz="5400" b="1">
                 <a:solidFill>
                   <a:schemeClr val="bg1"/>
@@ -12191,7 +12335,7 @@
                 <a:cs typeface="Helvetica Neue Medium"/>
                 <a:sym typeface="Helvetica Neue Medium"/>
               </a:rPr>
-              <a:t>考拉豆</a:t>
+              <a:t>使用</a:t>
             </a:r>
             <a:r>
               <a:rPr lang="en-US" altLang="zh-CN" sz="5400" b="1">
@@ -12203,44 +12347,7 @@
                 <a:cs typeface="Helvetica Neue Medium"/>
                 <a:sym typeface="Helvetica Neue Medium"/>
               </a:rPr>
-              <a:t>lottie</a:t>
-            </a:r>
-            <a:r>
-              <a:rPr lang="zh-CN" altLang="en-US" sz="5400" b="1">
-                <a:solidFill>
-                  <a:schemeClr val="bg1"/>
-                </a:solidFill>
-                <a:latin typeface="Helvetica Neue Medium"/>
-                <a:ea typeface="Helvetica Neue Medium"/>
-                <a:cs typeface="Helvetica Neue Medium"/>
-                <a:sym typeface="Helvetica Neue Medium"/>
-              </a:rPr>
-              <a:t>使用</a:t>
-            </a:r>
-            <a:r>
-              <a:rPr lang="en-US" altLang="zh-CN" sz="5400" b="1">
-                <a:solidFill>
-                  <a:schemeClr val="bg1"/>
-                </a:solidFill>
-                <a:latin typeface="Helvetica Neue Medium"/>
-                <a:ea typeface="Helvetica Neue Medium"/>
-                <a:cs typeface="Helvetica Neue Medium"/>
-                <a:sym typeface="Helvetica Neue Medium"/>
-              </a:rPr>
-              <a:t>-</a:t>
-            </a:r>
-            <a:r>
-              <a:rPr lang="zh-CN" altLang="en-US" sz="5400" b="1">
-                <a:solidFill>
-                  <a:schemeClr val="bg1"/>
-                </a:solidFill>
-                <a:latin typeface="Helvetica Neue Medium"/>
-                <a:ea typeface="Helvetica Neue Medium"/>
-                <a:cs typeface="Helvetica Neue Medium"/>
-                <a:sym typeface="Helvetica Neue Medium"/>
-                <a:hlinkClick r:id="rId4" action="ppaction://hlinkfile"/>
-              </a:rPr>
-              <a:t>先看效果</a:t>
+              <a:t>——lottie-web</a:t>
             </a:r>
             <a:endParaRPr lang="zh-CN" altLang="en-US" sz="5400" b="1">
               <a:solidFill>
@@ -12263,7 +12370,7 @@
           <p:nvPr/>
         </p:nvPicPr>
         <p:blipFill>
-          <a:blip r:embed="rId5"/>
+          <a:blip r:embed="rId4"/>
           <a:stretch>
             <a:fillRect/>
           </a:stretch>
@@ -12322,30 +12429,597 @@
           </a:p>
         </p:txBody>
       </p:sp>
-      <p:pic>
-        <p:nvPicPr>
-          <p:cNvPr id="3" name="图片 2" descr="lottie_size"/>
-          <p:cNvPicPr>
-            <a:picLocks noChangeAspect="1"/>
-          </p:cNvPicPr>
+      <p:sp>
+        <p:nvSpPr>
+          <p:cNvPr id="2" name="文本框 1"/>
+          <p:cNvSpPr txBox="1"/>
           <p:nvPr/>
-        </p:nvPicPr>
-        <p:blipFill>
-          <a:blip r:embed="rId6"/>
-          <a:stretch>
-            <a:fillRect/>
-          </a:stretch>
-        </p:blipFill>
+        </p:nvSpPr>
         <p:spPr>
           <a:xfrm>
-            <a:off x="205105" y="2840990"/>
-            <a:ext cx="24178895" cy="10222230"/>
+            <a:off x="1233805" y="2695893"/>
+            <a:ext cx="20555585" cy="9950450"/>
           </a:xfrm>
           <a:prstGeom prst="rect">
             <a:avLst/>
           </a:prstGeom>
-        </p:spPr>
-      </p:pic>
+          <a:noFill/>
+          <a:ln w="12700" cap="flat">
+            <a:noFill/>
+            <a:miter lim="400000"/>
+          </a:ln>
+        </p:spPr>
+        <p:style>
+          <a:lnRef idx="0">
+            <a:scrgbClr r="0" g="0" b="0"/>
+          </a:lnRef>
+          <a:fillRef idx="0">
+            <a:scrgbClr r="0" g="0" b="0"/>
+          </a:fillRef>
+          <a:effectRef idx="0">
+            <a:scrgbClr r="0" g="0" b="0"/>
+          </a:effectRef>
+          <a:fontRef idx="none"/>
+        </p:style>
+        <p:txBody>
+          <a:bodyPr rot="0" vertOverflow="overflow" horzOverflow="overflow" vert="horz" wrap="square" lIns="50800" tIns="50800" rIns="50800" bIns="50800" numCol="1" spcCol="38100" rtlCol="0" anchor="ctr" forceAA="0">
+            <a:spAutoFit/>
+          </a:bodyPr>
+          <a:lstStyle/>
+          <a:p>
+            <a:pPr marL="514350" marR="0" indent="-514350" algn="l" defTabSz="825500" rtl="0" fontAlgn="auto" latinLnBrk="0" hangingPunct="0">
+              <a:lnSpc>
+                <a:spcPct val="100000"/>
+              </a:lnSpc>
+              <a:spcBef>
+                <a:spcPts val="0"/>
+              </a:spcBef>
+              <a:spcAft>
+                <a:spcPts val="0"/>
+              </a:spcAft>
+              <a:buClrTx/>
+              <a:buSzTx/>
+              <a:buFontTx/>
+              <a:buAutoNum type="arabicPeriod"/>
+            </a:pPr>
+            <a:r>
+              <a:rPr kumimoji="0" lang="en-US" altLang="zh-CN" sz="4000" b="1" i="0" u="none" strike="noStrike" cap="none" spc="0" normalizeH="0" baseline="0">
+                <a:ln>
+                  <a:noFill/>
+                </a:ln>
+                <a:solidFill>
+                  <a:srgbClr val="000000"/>
+                </a:solidFill>
+                <a:effectLst/>
+                <a:uFillTx/>
+                <a:latin typeface="Helvetica Neue Medium"/>
+                <a:ea typeface="Helvetica Neue Medium"/>
+                <a:cs typeface="Helvetica Neue Medium"/>
+                <a:sym typeface="Helvetica Neue Medium"/>
+              </a:rPr>
+              <a:t>npm install lottie-web</a:t>
+            </a:r>
+          </a:p>
+          <a:p>
+            <a:pPr marL="514350" marR="0" indent="-514350" algn="l" defTabSz="825500" rtl="0" fontAlgn="auto" latinLnBrk="0" hangingPunct="0">
+              <a:lnSpc>
+                <a:spcPct val="100000"/>
+              </a:lnSpc>
+              <a:spcBef>
+                <a:spcPts val="0"/>
+              </a:spcBef>
+              <a:spcAft>
+                <a:spcPts val="0"/>
+              </a:spcAft>
+              <a:buClrTx/>
+              <a:buSzTx/>
+              <a:buFontTx/>
+              <a:buAutoNum type="arabicPeriod"/>
+            </a:pPr>
+            <a:endParaRPr kumimoji="0" lang="en-US" altLang="zh-CN" sz="4000" b="1" i="0" u="none" strike="noStrike" cap="none" spc="0" normalizeH="0" baseline="0">
+              <a:ln>
+                <a:noFill/>
+              </a:ln>
+              <a:solidFill>
+                <a:srgbClr val="000000"/>
+              </a:solidFill>
+              <a:effectLst/>
+              <a:uFillTx/>
+              <a:latin typeface="Helvetica Neue Medium"/>
+              <a:ea typeface="Helvetica Neue Medium"/>
+              <a:cs typeface="Helvetica Neue Medium"/>
+              <a:sym typeface="Helvetica Neue Medium"/>
+            </a:endParaRPr>
+          </a:p>
+          <a:p>
+            <a:pPr marL="514350" marR="0" indent="-514350" algn="l" defTabSz="825500" rtl="0" fontAlgn="auto" latinLnBrk="0" hangingPunct="0">
+              <a:lnSpc>
+                <a:spcPct val="100000"/>
+              </a:lnSpc>
+              <a:spcBef>
+                <a:spcPts val="0"/>
+              </a:spcBef>
+              <a:spcAft>
+                <a:spcPts val="0"/>
+              </a:spcAft>
+              <a:buClrTx/>
+              <a:buSzTx/>
+              <a:buFontTx/>
+              <a:buAutoNum type="arabicPeriod"/>
+            </a:pPr>
+            <a:endParaRPr kumimoji="0" lang="en-US" altLang="zh-CN" sz="4000" b="1" i="0" u="none" strike="noStrike" cap="none" spc="0" normalizeH="0" baseline="0">
+              <a:ln>
+                <a:noFill/>
+              </a:ln>
+              <a:solidFill>
+                <a:srgbClr val="000000"/>
+              </a:solidFill>
+              <a:effectLst/>
+              <a:uFillTx/>
+              <a:latin typeface="Helvetica Neue Medium"/>
+              <a:ea typeface="Helvetica Neue Medium"/>
+              <a:cs typeface="Helvetica Neue Medium"/>
+              <a:sym typeface="Helvetica Neue Medium"/>
+            </a:endParaRPr>
+          </a:p>
+          <a:p>
+            <a:pPr marL="514350" marR="0" indent="-514350" algn="l" defTabSz="825500" rtl="0" fontAlgn="auto" latinLnBrk="0" hangingPunct="0">
+              <a:lnSpc>
+                <a:spcPct val="100000"/>
+              </a:lnSpc>
+              <a:spcBef>
+                <a:spcPts val="0"/>
+              </a:spcBef>
+              <a:spcAft>
+                <a:spcPts val="0"/>
+              </a:spcAft>
+              <a:buClrTx/>
+              <a:buSzTx/>
+              <a:buFontTx/>
+              <a:buAutoNum type="arabicPeriod"/>
+            </a:pPr>
+            <a:r>
+              <a:rPr kumimoji="0" lang="en-US" altLang="zh-CN" sz="4000" b="1" i="0" u="none" strike="noStrike" cap="none" spc="0" normalizeH="0" baseline="0">
+                <a:ln>
+                  <a:noFill/>
+                </a:ln>
+                <a:solidFill>
+                  <a:srgbClr val="000000"/>
+                </a:solidFill>
+                <a:effectLst/>
+                <a:uFillTx/>
+                <a:latin typeface="Helvetica Neue Medium"/>
+                <a:ea typeface="Helvetica Neue Medium"/>
+                <a:cs typeface="Helvetica Neue Medium"/>
+                <a:sym typeface="Helvetica Neue Medium"/>
+              </a:rPr>
+              <a:t>import lottie from lottie-web</a:t>
+            </a:r>
+          </a:p>
+          <a:p>
+            <a:pPr marL="514350" marR="0" indent="-514350" algn="l" defTabSz="825500" rtl="0" fontAlgn="auto" latinLnBrk="0" hangingPunct="0">
+              <a:lnSpc>
+                <a:spcPct val="100000"/>
+              </a:lnSpc>
+              <a:spcBef>
+                <a:spcPts val="0"/>
+              </a:spcBef>
+              <a:spcAft>
+                <a:spcPts val="0"/>
+              </a:spcAft>
+              <a:buClrTx/>
+              <a:buSzTx/>
+              <a:buFontTx/>
+              <a:buAutoNum type="arabicPeriod"/>
+            </a:pPr>
+            <a:endParaRPr kumimoji="0" lang="en-US" altLang="zh-CN" sz="4000" b="1" i="0" u="none" strike="noStrike" cap="none" spc="0" normalizeH="0" baseline="0">
+              <a:ln>
+                <a:noFill/>
+              </a:ln>
+              <a:solidFill>
+                <a:srgbClr val="000000"/>
+              </a:solidFill>
+              <a:effectLst/>
+              <a:uFillTx/>
+              <a:latin typeface="Helvetica Neue Medium"/>
+              <a:ea typeface="Helvetica Neue Medium"/>
+              <a:cs typeface="Helvetica Neue Medium"/>
+              <a:sym typeface="Helvetica Neue Medium"/>
+            </a:endParaRPr>
+          </a:p>
+          <a:p>
+            <a:pPr marL="514350" marR="0" indent="-514350" algn="l" defTabSz="825500" rtl="0" fontAlgn="auto" latinLnBrk="0" hangingPunct="0">
+              <a:lnSpc>
+                <a:spcPct val="100000"/>
+              </a:lnSpc>
+              <a:spcBef>
+                <a:spcPts val="0"/>
+              </a:spcBef>
+              <a:spcAft>
+                <a:spcPts val="0"/>
+              </a:spcAft>
+              <a:buClrTx/>
+              <a:buSzTx/>
+              <a:buFontTx/>
+              <a:buAutoNum type="arabicPeriod"/>
+            </a:pPr>
+            <a:endParaRPr kumimoji="0" lang="en-US" altLang="zh-CN" sz="4000" b="1" i="0" u="none" strike="noStrike" cap="none" spc="0" normalizeH="0" baseline="0">
+              <a:ln>
+                <a:noFill/>
+              </a:ln>
+              <a:solidFill>
+                <a:srgbClr val="000000"/>
+              </a:solidFill>
+              <a:effectLst/>
+              <a:uFillTx/>
+              <a:latin typeface="Helvetica Neue Medium"/>
+              <a:ea typeface="Helvetica Neue Medium"/>
+              <a:cs typeface="Helvetica Neue Medium"/>
+              <a:sym typeface="Helvetica Neue Medium"/>
+            </a:endParaRPr>
+          </a:p>
+          <a:p>
+            <a:pPr marR="0" algn="l" defTabSz="825500" rtl="0" fontAlgn="auto" latinLnBrk="0" hangingPunct="0">
+              <a:lnSpc>
+                <a:spcPct val="100000"/>
+              </a:lnSpc>
+              <a:spcBef>
+                <a:spcPts val="0"/>
+              </a:spcBef>
+              <a:spcAft>
+                <a:spcPts val="0"/>
+              </a:spcAft>
+              <a:buClrTx/>
+              <a:buSzTx/>
+              <a:buFontTx/>
+            </a:pPr>
+            <a:r>
+              <a:rPr kumimoji="0" lang="en-US" altLang="zh-CN" sz="4000" b="1" i="0" u="none" strike="noStrike" cap="none" spc="0" normalizeH="0" baseline="0">
+                <a:ln>
+                  <a:noFill/>
+                </a:ln>
+                <a:solidFill>
+                  <a:srgbClr val="000000"/>
+                </a:solidFill>
+                <a:effectLst/>
+                <a:uFillTx/>
+                <a:latin typeface="Helvetica Neue Medium"/>
+                <a:ea typeface="Helvetica Neue Medium"/>
+                <a:cs typeface="Helvetica Neue Medium"/>
+                <a:sym typeface="Helvetica Neue Medium"/>
+              </a:rPr>
+              <a:t>3.</a:t>
+            </a:r>
+          </a:p>
+          <a:p>
+            <a:pPr marR="0" algn="l" defTabSz="825500" rtl="0" fontAlgn="auto" latinLnBrk="0" hangingPunct="0">
+              <a:lnSpc>
+                <a:spcPct val="100000"/>
+              </a:lnSpc>
+              <a:spcBef>
+                <a:spcPts val="0"/>
+              </a:spcBef>
+              <a:spcAft>
+                <a:spcPts val="0"/>
+              </a:spcAft>
+              <a:buClrTx/>
+              <a:buSzTx/>
+              <a:buFontTx/>
+            </a:pPr>
+            <a:r>
+              <a:rPr kumimoji="0" lang="en-US" altLang="zh-CN" sz="4000" b="1" i="0" u="none" strike="noStrike" cap="none" spc="0" normalizeH="0" baseline="0">
+                <a:ln>
+                  <a:noFill/>
+                </a:ln>
+                <a:solidFill>
+                  <a:srgbClr val="000000"/>
+                </a:solidFill>
+                <a:effectLst/>
+                <a:uFillTx/>
+                <a:latin typeface="Helvetica Neue Medium"/>
+                <a:ea typeface="Helvetica Neue Medium"/>
+                <a:cs typeface="Helvetica Neue Medium"/>
+                <a:sym typeface="Helvetica Neue Medium"/>
+              </a:rPr>
+              <a:t>const animate = lottie.loadAnimation({</a:t>
+            </a:r>
+          </a:p>
+          <a:p>
+            <a:pPr marR="0" algn="l" defTabSz="825500" rtl="0" fontAlgn="auto" latinLnBrk="0" hangingPunct="0">
+              <a:lnSpc>
+                <a:spcPct val="100000"/>
+              </a:lnSpc>
+              <a:spcBef>
+                <a:spcPts val="0"/>
+              </a:spcBef>
+              <a:spcAft>
+                <a:spcPts val="0"/>
+              </a:spcAft>
+              <a:buClrTx/>
+              <a:buSzTx/>
+              <a:buFontTx/>
+            </a:pPr>
+            <a:r>
+              <a:rPr kumimoji="0" lang="en-US" altLang="zh-CN" sz="4000" b="1" i="0" u="none" strike="noStrike" cap="none" spc="0" normalizeH="0" baseline="0">
+                <a:ln>
+                  <a:noFill/>
+                </a:ln>
+                <a:solidFill>
+                  <a:srgbClr val="000000"/>
+                </a:solidFill>
+                <a:effectLst/>
+                <a:uFillTx/>
+                <a:latin typeface="Helvetica Neue Medium"/>
+                <a:ea typeface="Helvetica Neue Medium"/>
+                <a:cs typeface="Helvetica Neue Medium"/>
+                <a:sym typeface="Helvetica Neue Medium"/>
+              </a:rPr>
+              <a:t>  container: element, // the dom element that will contain the animation</a:t>
+            </a:r>
+          </a:p>
+          <a:p>
+            <a:pPr marR="0" algn="l" defTabSz="825500" rtl="0" fontAlgn="auto" latinLnBrk="0" hangingPunct="0">
+              <a:lnSpc>
+                <a:spcPct val="100000"/>
+              </a:lnSpc>
+              <a:spcBef>
+                <a:spcPts val="0"/>
+              </a:spcBef>
+              <a:spcAft>
+                <a:spcPts val="0"/>
+              </a:spcAft>
+              <a:buClrTx/>
+              <a:buSzTx/>
+              <a:buFontTx/>
+            </a:pPr>
+            <a:r>
+              <a:rPr kumimoji="0" lang="en-US" altLang="zh-CN" sz="4000" b="1" i="0" u="none" strike="noStrike" cap="none" spc="0" normalizeH="0" baseline="0">
+                <a:ln>
+                  <a:noFill/>
+                </a:ln>
+                <a:solidFill>
+                  <a:srgbClr val="000000"/>
+                </a:solidFill>
+                <a:effectLst/>
+                <a:uFillTx/>
+                <a:latin typeface="Helvetica Neue Medium"/>
+                <a:ea typeface="Helvetica Neue Medium"/>
+                <a:cs typeface="Helvetica Neue Medium"/>
+                <a:sym typeface="Helvetica Neue Medium"/>
+              </a:rPr>
+              <a:t>  renderer: 'svg',</a:t>
+            </a:r>
+          </a:p>
+          <a:p>
+            <a:pPr marR="0" algn="l" defTabSz="825500" rtl="0" fontAlgn="auto" latinLnBrk="0" hangingPunct="0">
+              <a:lnSpc>
+                <a:spcPct val="100000"/>
+              </a:lnSpc>
+              <a:spcBef>
+                <a:spcPts val="0"/>
+              </a:spcBef>
+              <a:spcAft>
+                <a:spcPts val="0"/>
+              </a:spcAft>
+              <a:buClrTx/>
+              <a:buSzTx/>
+              <a:buFontTx/>
+            </a:pPr>
+            <a:r>
+              <a:rPr kumimoji="0" lang="en-US" altLang="zh-CN" sz="4000" b="1" i="0" u="none" strike="noStrike" cap="none" spc="0" normalizeH="0" baseline="0">
+                <a:ln>
+                  <a:noFill/>
+                </a:ln>
+                <a:solidFill>
+                  <a:srgbClr val="000000"/>
+                </a:solidFill>
+                <a:effectLst/>
+                <a:uFillTx/>
+                <a:latin typeface="Helvetica Neue Medium"/>
+                <a:ea typeface="Helvetica Neue Medium"/>
+                <a:cs typeface="Helvetica Neue Medium"/>
+                <a:sym typeface="Helvetica Neue Medium"/>
+              </a:rPr>
+              <a:t>  loop: true,</a:t>
+            </a:r>
+          </a:p>
+          <a:p>
+            <a:pPr marR="0" algn="l" defTabSz="825500" rtl="0" fontAlgn="auto" latinLnBrk="0" hangingPunct="0">
+              <a:lnSpc>
+                <a:spcPct val="100000"/>
+              </a:lnSpc>
+              <a:spcBef>
+                <a:spcPts val="0"/>
+              </a:spcBef>
+              <a:spcAft>
+                <a:spcPts val="0"/>
+              </a:spcAft>
+              <a:buClrTx/>
+              <a:buSzTx/>
+              <a:buFontTx/>
+            </a:pPr>
+            <a:r>
+              <a:rPr kumimoji="0" lang="en-US" altLang="zh-CN" sz="4000" b="1" i="0" u="none" strike="noStrike" cap="none" spc="0" normalizeH="0" baseline="0">
+                <a:ln>
+                  <a:noFill/>
+                </a:ln>
+                <a:solidFill>
+                  <a:srgbClr val="000000"/>
+                </a:solidFill>
+                <a:effectLst/>
+                <a:uFillTx/>
+                <a:latin typeface="Helvetica Neue Medium"/>
+                <a:ea typeface="Helvetica Neue Medium"/>
+                <a:cs typeface="Helvetica Neue Medium"/>
+                <a:sym typeface="Helvetica Neue Medium"/>
+              </a:rPr>
+              <a:t>  autoplay: true,</a:t>
+            </a:r>
+          </a:p>
+          <a:p>
+            <a:pPr marR="0" algn="l" defTabSz="825500" rtl="0" fontAlgn="auto" latinLnBrk="0" hangingPunct="0">
+              <a:lnSpc>
+                <a:spcPct val="100000"/>
+              </a:lnSpc>
+              <a:spcBef>
+                <a:spcPts val="0"/>
+              </a:spcBef>
+              <a:spcAft>
+                <a:spcPts val="0"/>
+              </a:spcAft>
+              <a:buClrTx/>
+              <a:buSzTx/>
+              <a:buFontTx/>
+            </a:pPr>
+            <a:r>
+              <a:rPr kumimoji="0" lang="en-US" altLang="zh-CN" sz="4000" b="1" i="0" u="none" strike="noStrike" cap="none" spc="0" normalizeH="0" baseline="0">
+                <a:ln>
+                  <a:noFill/>
+                </a:ln>
+                <a:solidFill>
+                  <a:srgbClr val="000000"/>
+                </a:solidFill>
+                <a:effectLst/>
+                <a:uFillTx/>
+                <a:latin typeface="Helvetica Neue Medium"/>
+                <a:ea typeface="Helvetica Neue Medium"/>
+                <a:cs typeface="Helvetica Neue Medium"/>
+                <a:sym typeface="Helvetica Neue Medium"/>
+              </a:rPr>
+              <a:t>  path: 'data.json' // the path to the animation json</a:t>
+            </a:r>
+          </a:p>
+          <a:p>
+            <a:pPr marR="0" algn="l" defTabSz="825500" rtl="0" fontAlgn="auto" latinLnBrk="0" hangingPunct="0">
+              <a:lnSpc>
+                <a:spcPct val="100000"/>
+              </a:lnSpc>
+              <a:spcBef>
+                <a:spcPts val="0"/>
+              </a:spcBef>
+              <a:spcAft>
+                <a:spcPts val="0"/>
+              </a:spcAft>
+              <a:buClrTx/>
+              <a:buSzTx/>
+              <a:buFontTx/>
+            </a:pPr>
+            <a:r>
+              <a:rPr kumimoji="0" lang="en-US" altLang="zh-CN" sz="4000" b="1" i="0" u="none" strike="noStrike" cap="none" spc="0" normalizeH="0" baseline="0">
+                <a:ln>
+                  <a:noFill/>
+                </a:ln>
+                <a:solidFill>
+                  <a:srgbClr val="000000"/>
+                </a:solidFill>
+                <a:effectLst/>
+                <a:uFillTx/>
+                <a:latin typeface="Helvetica Neue Medium"/>
+                <a:ea typeface="Helvetica Neue Medium"/>
+                <a:cs typeface="Helvetica Neue Medium"/>
+                <a:sym typeface="Helvetica Neue Medium"/>
+              </a:rPr>
+              <a:t>});</a:t>
+            </a:r>
+          </a:p>
+          <a:p>
+            <a:pPr marR="0" algn="l" defTabSz="825500" rtl="0" fontAlgn="auto" latinLnBrk="0" hangingPunct="0">
+              <a:lnSpc>
+                <a:spcPct val="100000"/>
+              </a:lnSpc>
+              <a:spcBef>
+                <a:spcPts val="0"/>
+              </a:spcBef>
+              <a:spcAft>
+                <a:spcPts val="0"/>
+              </a:spcAft>
+              <a:buClrTx/>
+              <a:buSzTx/>
+              <a:buFontTx/>
+            </a:pPr>
+            <a:endParaRPr kumimoji="0" lang="en-US" altLang="zh-CN" sz="4000" b="1" i="0" u="none" strike="noStrike" cap="none" spc="0" normalizeH="0" baseline="0">
+              <a:ln>
+                <a:noFill/>
+              </a:ln>
+              <a:solidFill>
+                <a:srgbClr val="000000"/>
+              </a:solidFill>
+              <a:effectLst/>
+              <a:uFillTx/>
+              <a:latin typeface="Helvetica Neue Medium"/>
+              <a:ea typeface="Helvetica Neue Medium"/>
+              <a:cs typeface="Helvetica Neue Medium"/>
+              <a:sym typeface="Helvetica Neue Medium"/>
+            </a:endParaRPr>
+          </a:p>
+          <a:p>
+            <a:pPr marR="0" algn="l" defTabSz="825500" rtl="0" fontAlgn="auto" latinLnBrk="0" hangingPunct="0">
+              <a:lnSpc>
+                <a:spcPct val="100000"/>
+              </a:lnSpc>
+              <a:spcBef>
+                <a:spcPts val="0"/>
+              </a:spcBef>
+              <a:spcAft>
+                <a:spcPts val="0"/>
+              </a:spcAft>
+              <a:buClrTx/>
+              <a:buSzTx/>
+              <a:buFontTx/>
+            </a:pPr>
+            <a:r>
+              <a:rPr kumimoji="0" lang="zh-CN" altLang="en-US" sz="4000" b="1" i="0" u="none" strike="noStrike" cap="none" spc="0" normalizeH="0" baseline="0">
+                <a:ln>
+                  <a:noFill/>
+                </a:ln>
+                <a:solidFill>
+                  <a:srgbClr val="000000"/>
+                </a:solidFill>
+                <a:effectLst/>
+                <a:uFillTx/>
+                <a:latin typeface="Helvetica Neue Medium"/>
+                <a:ea typeface="Helvetica Neue Medium"/>
+                <a:cs typeface="Helvetica Neue Medium"/>
+                <a:sym typeface="Helvetica Neue Medium"/>
+                <a:hlinkClick r:id="rId5" action="ppaction://hlinkfile"/>
+              </a:rPr>
+              <a:t>相关</a:t>
+            </a:r>
+            <a:r>
+              <a:rPr kumimoji="0" lang="en-US" altLang="zh-CN" sz="4000" b="1" i="0" u="none" strike="noStrike" cap="none" spc="0" normalizeH="0" baseline="0">
+                <a:ln>
+                  <a:noFill/>
+                </a:ln>
+                <a:solidFill>
+                  <a:srgbClr val="000000"/>
+                </a:solidFill>
+                <a:effectLst/>
+                <a:uFillTx/>
+                <a:latin typeface="Helvetica Neue Medium"/>
+                <a:ea typeface="Helvetica Neue Medium"/>
+                <a:cs typeface="Helvetica Neue Medium"/>
+                <a:sym typeface="Helvetica Neue Medium"/>
+                <a:hlinkClick r:id="rId5" action="ppaction://hlinkfile"/>
+              </a:rPr>
+              <a:t>API</a:t>
+            </a:r>
+            <a:endParaRPr kumimoji="0" lang="zh-CN" altLang="en-US" sz="4000" b="1" i="0" u="none" strike="noStrike" cap="none" spc="0" normalizeH="0" baseline="0">
+              <a:ln>
+                <a:noFill/>
+              </a:ln>
+              <a:solidFill>
+                <a:srgbClr val="000000"/>
+              </a:solidFill>
+              <a:effectLst/>
+              <a:uFillTx/>
+              <a:latin typeface="Helvetica Neue Medium"/>
+              <a:ea typeface="Helvetica Neue Medium"/>
+              <a:cs typeface="Helvetica Neue Medium"/>
+              <a:sym typeface="Helvetica Neue Medium"/>
+            </a:endParaRPr>
+          </a:p>
+        </p:txBody>
+      </p:sp>
     </p:spTree>
   </p:cSld>
   <p:clrMapOvr>
